--- a/Utility of Dynamic Bayesian Networks.pptx
+++ b/Utility of Dynamic Bayesian Networks.pptx
@@ -13,16 +13,23 @@
     <p:sldId id="277" r:id="rId7"/>
     <p:sldId id="265" r:id="rId8"/>
     <p:sldId id="278" r:id="rId9"/>
-    <p:sldId id="266" r:id="rId10"/>
-    <p:sldId id="273" r:id="rId11"/>
-    <p:sldId id="271" r:id="rId12"/>
-    <p:sldId id="275" r:id="rId13"/>
+    <p:sldId id="279" r:id="rId10"/>
+    <p:sldId id="266" r:id="rId11"/>
+    <p:sldId id="273" r:id="rId12"/>
+    <p:sldId id="271" r:id="rId13"/>
     <p:sldId id="274" r:id="rId14"/>
-    <p:sldId id="268" r:id="rId15"/>
-    <p:sldId id="260" r:id="rId16"/>
-    <p:sldId id="262" r:id="rId17"/>
-    <p:sldId id="269" r:id="rId18"/>
-    <p:sldId id="270" r:id="rId19"/>
+    <p:sldId id="280" r:id="rId15"/>
+    <p:sldId id="275" r:id="rId16"/>
+    <p:sldId id="282" r:id="rId17"/>
+    <p:sldId id="281" r:id="rId18"/>
+    <p:sldId id="283" r:id="rId19"/>
+    <p:sldId id="285" r:id="rId20"/>
+    <p:sldId id="268" r:id="rId21"/>
+    <p:sldId id="260" r:id="rId22"/>
+    <p:sldId id="262" r:id="rId23"/>
+    <p:sldId id="284" r:id="rId24"/>
+    <p:sldId id="269" r:id="rId25"/>
+    <p:sldId id="270" r:id="rId26"/>
   </p:sldIdLst>
   <p:sldSz cx="12192000" cy="6858000"/>
   <p:notesSz cx="6858000" cy="9144000"/>
@@ -278,7 +285,7 @@
           <a:p>
             <a:fld id="{6F8343CB-26D1-4252-9ECE-2B575D3EE9DE}" type="datetimeFigureOut">
               <a:rPr lang="en-IN" smtClean="0"/>
-              <a:t>04-09-2025</a:t>
+              <a:t>08-09-2025</a:t>
             </a:fld>
             <a:endParaRPr lang="en-IN"/>
           </a:p>
@@ -478,7 +485,7 @@
           <a:p>
             <a:fld id="{6F8343CB-26D1-4252-9ECE-2B575D3EE9DE}" type="datetimeFigureOut">
               <a:rPr lang="en-IN" smtClean="0"/>
-              <a:t>04-09-2025</a:t>
+              <a:t>08-09-2025</a:t>
             </a:fld>
             <a:endParaRPr lang="en-IN"/>
           </a:p>
@@ -688,7 +695,7 @@
           <a:p>
             <a:fld id="{6F8343CB-26D1-4252-9ECE-2B575D3EE9DE}" type="datetimeFigureOut">
               <a:rPr lang="en-IN" smtClean="0"/>
-              <a:t>04-09-2025</a:t>
+              <a:t>08-09-2025</a:t>
             </a:fld>
             <a:endParaRPr lang="en-IN"/>
           </a:p>
@@ -888,7 +895,7 @@
           <a:p>
             <a:fld id="{6F8343CB-26D1-4252-9ECE-2B575D3EE9DE}" type="datetimeFigureOut">
               <a:rPr lang="en-IN" smtClean="0"/>
-              <a:t>04-09-2025</a:t>
+              <a:t>08-09-2025</a:t>
             </a:fld>
             <a:endParaRPr lang="en-IN"/>
           </a:p>
@@ -1164,7 +1171,7 @@
           <a:p>
             <a:fld id="{6F8343CB-26D1-4252-9ECE-2B575D3EE9DE}" type="datetimeFigureOut">
               <a:rPr lang="en-IN" smtClean="0"/>
-              <a:t>04-09-2025</a:t>
+              <a:t>08-09-2025</a:t>
             </a:fld>
             <a:endParaRPr lang="en-IN"/>
           </a:p>
@@ -1432,7 +1439,7 @@
           <a:p>
             <a:fld id="{6F8343CB-26D1-4252-9ECE-2B575D3EE9DE}" type="datetimeFigureOut">
               <a:rPr lang="en-IN" smtClean="0"/>
-              <a:t>04-09-2025</a:t>
+              <a:t>08-09-2025</a:t>
             </a:fld>
             <a:endParaRPr lang="en-IN"/>
           </a:p>
@@ -1847,7 +1854,7 @@
           <a:p>
             <a:fld id="{6F8343CB-26D1-4252-9ECE-2B575D3EE9DE}" type="datetimeFigureOut">
               <a:rPr lang="en-IN" smtClean="0"/>
-              <a:t>04-09-2025</a:t>
+              <a:t>08-09-2025</a:t>
             </a:fld>
             <a:endParaRPr lang="en-IN"/>
           </a:p>
@@ -1989,7 +1996,7 @@
           <a:p>
             <a:fld id="{6F8343CB-26D1-4252-9ECE-2B575D3EE9DE}" type="datetimeFigureOut">
               <a:rPr lang="en-IN" smtClean="0"/>
-              <a:t>04-09-2025</a:t>
+              <a:t>08-09-2025</a:t>
             </a:fld>
             <a:endParaRPr lang="en-IN"/>
           </a:p>
@@ -2102,7 +2109,7 @@
           <a:p>
             <a:fld id="{6F8343CB-26D1-4252-9ECE-2B575D3EE9DE}" type="datetimeFigureOut">
               <a:rPr lang="en-IN" smtClean="0"/>
-              <a:t>04-09-2025</a:t>
+              <a:t>08-09-2025</a:t>
             </a:fld>
             <a:endParaRPr lang="en-IN"/>
           </a:p>
@@ -2415,7 +2422,7 @@
           <a:p>
             <a:fld id="{6F8343CB-26D1-4252-9ECE-2B575D3EE9DE}" type="datetimeFigureOut">
               <a:rPr lang="en-IN" smtClean="0"/>
-              <a:t>04-09-2025</a:t>
+              <a:t>08-09-2025</a:t>
             </a:fld>
             <a:endParaRPr lang="en-IN"/>
           </a:p>
@@ -2704,7 +2711,7 @@
           <a:p>
             <a:fld id="{6F8343CB-26D1-4252-9ECE-2B575D3EE9DE}" type="datetimeFigureOut">
               <a:rPr lang="en-IN" smtClean="0"/>
-              <a:t>04-09-2025</a:t>
+              <a:t>08-09-2025</a:t>
             </a:fld>
             <a:endParaRPr lang="en-IN"/>
           </a:p>
@@ -2947,7 +2954,7 @@
           <a:p>
             <a:fld id="{6F8343CB-26D1-4252-9ECE-2B575D3EE9DE}" type="datetimeFigureOut">
               <a:rPr lang="en-IN" smtClean="0"/>
-              <a:t>04-09-2025</a:t>
+              <a:t>08-09-2025</a:t>
             </a:fld>
             <a:endParaRPr lang="en-IN"/>
           </a:p>
@@ -3457,7 +3464,7 @@
           <p:cNvPr id="2" name="Title 1">
             <a:extLst>
               <a:ext uri="{FF2B5EF4-FFF2-40B4-BE49-F238E27FC236}">
-                <a16:creationId xmlns:a16="http://schemas.microsoft.com/office/drawing/2014/main" id="{194A8403-262A-C2A3-AC93-759EF96788AC}"/>
+                <a16:creationId xmlns:a16="http://schemas.microsoft.com/office/drawing/2014/main" id="{C9C78FEE-E566-4A12-4B4E-E3FB84264333}"/>
               </a:ext>
             </a:extLst>
           </p:cNvPr>
@@ -3465,45 +3472,115 @@
             <a:spLocks noGrp="1"/>
           </p:cNvSpPr>
           <p:nvPr>
-            <p:ph type="ctrTitle"/>
+            <p:ph type="title"/>
           </p:nvPr>
         </p:nvSpPr>
         <p:spPr/>
         <p:txBody>
-          <a:bodyPr/>
+          <a:bodyPr>
+            <a:normAutofit/>
+          </a:bodyPr>
           <a:lstStyle/>
           <a:p>
             <a:r>
               <a:rPr lang="en-IN" b="1" dirty="0"/>
-              <a:t>How to think of DBN Data Generator</a:t>
+              <a:t>Scenario III – Testing </a:t>
+            </a:r>
+            <a:r>
+              <a:rPr lang="en-IN" b="1" i="1" dirty="0"/>
+              <a:t>generizability</a:t>
+            </a:r>
+            <a:r>
+              <a:rPr lang="en-IN" b="1" dirty="0"/>
+              <a:t> of solution strategies across industry (contd.)</a:t>
             </a:r>
           </a:p>
         </p:txBody>
       </p:sp>
+      <p:pic>
+        <p:nvPicPr>
+          <p:cNvPr id="5" name="Content Placeholder 4">
+            <a:extLst>
+              <a:ext uri="{FF2B5EF4-FFF2-40B4-BE49-F238E27FC236}">
+                <a16:creationId xmlns:a16="http://schemas.microsoft.com/office/drawing/2014/main" id="{8F8920BB-F7A0-A4AA-6EB9-0D9700B4F99C}"/>
+              </a:ext>
+            </a:extLst>
+          </p:cNvPr>
+          <p:cNvPicPr>
+            <a:picLocks noGrp="1" noChangeAspect="1"/>
+          </p:cNvPicPr>
+          <p:nvPr>
+            <p:ph idx="1"/>
+          </p:nvPr>
+        </p:nvPicPr>
+        <p:blipFill>
+          <a:blip r:embed="rId2">
+            <a:extLst>
+              <a:ext uri="{28A0092B-C50C-407E-A947-70E740481C1C}">
+                <a14:useLocalDpi xmlns:a14="http://schemas.microsoft.com/office/drawing/2010/main" val="0"/>
+              </a:ext>
+            </a:extLst>
+          </a:blip>
+          <a:stretch>
+            <a:fillRect/>
+          </a:stretch>
+        </p:blipFill>
+        <p:spPr>
+          <a:xfrm>
+            <a:off x="945754" y="2118576"/>
+            <a:ext cx="5754718" cy="3323219"/>
+          </a:xfrm>
+        </p:spPr>
+      </p:pic>
       <p:sp>
         <p:nvSpPr>
-          <p:cNvPr id="3" name="Subtitle 2">
-            <a:extLst>
-              <a:ext uri="{FF2B5EF4-FFF2-40B4-BE49-F238E27FC236}">
-                <a16:creationId xmlns:a16="http://schemas.microsoft.com/office/drawing/2014/main" id="{6D6D2AF7-E917-E937-9681-4600B4CF2B2F}"/>
-              </a:ext>
-            </a:extLst>
-          </p:cNvPr>
-          <p:cNvSpPr>
-            <a:spLocks noGrp="1"/>
-          </p:cNvSpPr>
-          <p:nvPr>
-            <p:ph type="subTitle" idx="1"/>
-          </p:nvPr>
+          <p:cNvPr id="6" name="TextBox 5">
+            <a:extLst>
+              <a:ext uri="{FF2B5EF4-FFF2-40B4-BE49-F238E27FC236}">
+                <a16:creationId xmlns:a16="http://schemas.microsoft.com/office/drawing/2014/main" id="{F3CD2AC0-B713-FD5A-C2CB-0AD0D8724104}"/>
+              </a:ext>
+            </a:extLst>
+          </p:cNvPr>
+          <p:cNvSpPr txBox="1"/>
+          <p:nvPr/>
         </p:nvSpPr>
-        <p:spPr/>
+        <p:spPr>
+          <a:xfrm>
+            <a:off x="7136780" y="2118732"/>
+            <a:ext cx="4217020" cy="2308324"/>
+          </a:xfrm>
+          <a:prstGeom prst="rect">
+            <a:avLst/>
+          </a:prstGeom>
+          <a:noFill/>
+        </p:spPr>
         <p:txBody>
-          <a:bodyPr/>
+          <a:bodyPr wrap="square" rtlCol="0">
+            <a:spAutoFit/>
+          </a:bodyPr>
           <a:lstStyle/>
           <a:p>
+            <a:pPr marL="285750" indent="-285750">
+              <a:buFont typeface="Arial" panose="020B0604020202020204" pitchFamily="34" charset="0"/>
+              <a:buChar char="•"/>
+            </a:pPr>
             <a:r>
               <a:rPr lang="en-IN" dirty="0"/>
-              <a:t>A broad perspective to understand its applications</a:t>
+              <a:t>To test the generalizability of these approaches across the CPG industry, first we should have the opportunity to work with the wide variety of clients across the industry.</a:t>
+            </a:r>
+            <a:br>
+              <a:rPr lang="en-IN" dirty="0"/>
+            </a:br>
+            <a:endParaRPr lang="en-IN" dirty="0"/>
+          </a:p>
+          <a:p>
+            <a:pPr marL="285750" indent="-285750">
+              <a:buFont typeface="Arial" panose="020B0604020202020204" pitchFamily="34" charset="0"/>
+              <a:buChar char="•"/>
+            </a:pPr>
+            <a:r>
+              <a:rPr lang="en-IN" dirty="0"/>
+              <a:t>Rarely a firm would gain access data from such a large clientele.</a:t>
             </a:r>
           </a:p>
         </p:txBody>
@@ -3511,7 +3588,7 @@
     </p:spTree>
     <p:extLst>
       <p:ext uri="{BB962C8B-B14F-4D97-AF65-F5344CB8AC3E}">
-        <p14:creationId xmlns:p14="http://schemas.microsoft.com/office/powerpoint/2010/main" val="1339068267"/>
+        <p14:creationId xmlns:p14="http://schemas.microsoft.com/office/powerpoint/2010/main" val="3894428937"/>
       </p:ext>
     </p:extLst>
   </p:cSld>
@@ -3543,7 +3620,7 @@
           <p:cNvPr id="2" name="Title 1">
             <a:extLst>
               <a:ext uri="{FF2B5EF4-FFF2-40B4-BE49-F238E27FC236}">
-                <a16:creationId xmlns:a16="http://schemas.microsoft.com/office/drawing/2014/main" id="{76292FB9-81C7-4F67-0BF2-155D547806F0}"/>
+                <a16:creationId xmlns:a16="http://schemas.microsoft.com/office/drawing/2014/main" id="{194A8403-262A-C2A3-AC93-759EF96788AC}"/>
               </a:ext>
             </a:extLst>
           </p:cNvPr>
@@ -3551,7 +3628,7 @@
             <a:spLocks noGrp="1"/>
           </p:cNvSpPr>
           <p:nvPr>
-            <p:ph type="title"/>
+            <p:ph type="ctrTitle"/>
           </p:nvPr>
         </p:nvSpPr>
         <p:spPr/>
@@ -3560,53 +3637,18 @@
           <a:lstStyle/>
           <a:p>
             <a:r>
-              <a:rPr lang="en-IN" dirty="0"/>
-              <a:t>DBN Data Generator – Proxy for Real World</a:t>
+              <a:rPr lang="en-IN" b="1" dirty="0"/>
+              <a:t>How to think of DBN Data Generator</a:t>
             </a:r>
           </a:p>
         </p:txBody>
       </p:sp>
-      <p:pic>
-        <p:nvPicPr>
-          <p:cNvPr id="7" name="Content Placeholder 6">
-            <a:extLst>
-              <a:ext uri="{FF2B5EF4-FFF2-40B4-BE49-F238E27FC236}">
-                <a16:creationId xmlns:a16="http://schemas.microsoft.com/office/drawing/2014/main" id="{0A429C10-D4D4-14BF-60CF-543D97F4B312}"/>
-              </a:ext>
-            </a:extLst>
-          </p:cNvPr>
-          <p:cNvPicPr>
-            <a:picLocks noGrp="1" noChangeAspect="1"/>
-          </p:cNvPicPr>
-          <p:nvPr>
-            <p:ph sz="half" idx="1"/>
-          </p:nvPr>
-        </p:nvPicPr>
-        <p:blipFill>
-          <a:blip r:embed="rId2">
-            <a:extLst>
-              <a:ext uri="{28A0092B-C50C-407E-A947-70E740481C1C}">
-                <a14:useLocalDpi xmlns:a14="http://schemas.microsoft.com/office/drawing/2010/main" val="0"/>
-              </a:ext>
-            </a:extLst>
-          </a:blip>
-          <a:stretch>
-            <a:fillRect/>
-          </a:stretch>
-        </p:blipFill>
-        <p:spPr>
-          <a:xfrm>
-            <a:off x="923591" y="1825625"/>
-            <a:ext cx="5010818" cy="4351338"/>
-          </a:xfrm>
-        </p:spPr>
-      </p:pic>
       <p:sp>
         <p:nvSpPr>
-          <p:cNvPr id="4" name="Content Placeholder 3">
-            <a:extLst>
-              <a:ext uri="{FF2B5EF4-FFF2-40B4-BE49-F238E27FC236}">
-                <a16:creationId xmlns:a16="http://schemas.microsoft.com/office/drawing/2014/main" id="{60A6D0B7-9A99-13E3-56DF-5B057E0AA020}"/>
+          <p:cNvPr id="3" name="Subtitle 2">
+            <a:extLst>
+              <a:ext uri="{FF2B5EF4-FFF2-40B4-BE49-F238E27FC236}">
+                <a16:creationId xmlns:a16="http://schemas.microsoft.com/office/drawing/2014/main" id="{6D6D2AF7-E917-E937-9681-4600B4CF2B2F}"/>
               </a:ext>
             </a:extLst>
           </p:cNvPr>
@@ -3614,31 +3656,17 @@
             <a:spLocks noGrp="1"/>
           </p:cNvSpPr>
           <p:nvPr>
-            <p:ph sz="half" idx="2"/>
+            <p:ph type="subTitle" idx="1"/>
           </p:nvPr>
         </p:nvSpPr>
         <p:spPr/>
         <p:txBody>
-          <a:bodyPr>
-            <a:normAutofit/>
-          </a:bodyPr>
+          <a:bodyPr/>
           <a:lstStyle/>
           <a:p>
             <a:r>
-              <a:rPr lang="en-IN" sz="1800" dirty="0"/>
-              <a:t>DBN Data Generator is a data generating mechanism where one can explicitly specify the details of the data generating mechanism. Out of it multivariate time-series data would be generated.</a:t>
-            </a:r>
-          </a:p>
-          <a:p>
-            <a:r>
-              <a:rPr lang="en-IN" sz="1800" dirty="0"/>
-              <a:t>The specifications can be from human end or AI-generated.</a:t>
-            </a:r>
-          </a:p>
-          <a:p>
-            <a:r>
-              <a:rPr lang="en-IN" sz="1800" dirty="0"/>
-              <a:t>The main difference of this from other available synthetic data generators, is its capability to incorporate time dependence in the data generating mechanism, just like the way it happens in real world.</a:t>
+              <a:rPr lang="en-IN" dirty="0"/>
+              <a:t>A broad perspective to understand its applications</a:t>
             </a:r>
           </a:p>
         </p:txBody>
@@ -3646,7 +3674,7 @@
     </p:spTree>
     <p:extLst>
       <p:ext uri="{BB962C8B-B14F-4D97-AF65-F5344CB8AC3E}">
-        <p14:creationId xmlns:p14="http://schemas.microsoft.com/office/powerpoint/2010/main" val="1669758373"/>
+        <p14:creationId xmlns:p14="http://schemas.microsoft.com/office/powerpoint/2010/main" val="1339068267"/>
       </p:ext>
     </p:extLst>
   </p:cSld>
@@ -3678,7 +3706,7 @@
           <p:cNvPr id="2" name="Title 1">
             <a:extLst>
               <a:ext uri="{FF2B5EF4-FFF2-40B4-BE49-F238E27FC236}">
-                <a16:creationId xmlns:a16="http://schemas.microsoft.com/office/drawing/2014/main" id="{165B66DD-6874-6356-CA60-931AC34F883D}"/>
+                <a16:creationId xmlns:a16="http://schemas.microsoft.com/office/drawing/2014/main" id="{76292FB9-81C7-4F67-0BF2-155D547806F0}"/>
               </a:ext>
             </a:extLst>
           </p:cNvPr>
@@ -3696,17 +3724,17 @@
           <a:p>
             <a:r>
               <a:rPr lang="en-IN" dirty="0"/>
-              <a:t>Detailed Data Generation Process</a:t>
+              <a:t>DBN Data Generator – Proxy for Real World</a:t>
             </a:r>
           </a:p>
         </p:txBody>
       </p:sp>
       <p:pic>
         <p:nvPicPr>
-          <p:cNvPr id="5" name="Content Placeholder 4">
-            <a:extLst>
-              <a:ext uri="{FF2B5EF4-FFF2-40B4-BE49-F238E27FC236}">
-                <a16:creationId xmlns:a16="http://schemas.microsoft.com/office/drawing/2014/main" id="{780BF098-2B12-0F2D-96F1-29F6D648170F}"/>
+          <p:cNvPr id="7" name="Content Placeholder 6">
+            <a:extLst>
+              <a:ext uri="{FF2B5EF4-FFF2-40B4-BE49-F238E27FC236}">
+                <a16:creationId xmlns:a16="http://schemas.microsoft.com/office/drawing/2014/main" id="{0A429C10-D4D4-14BF-60CF-543D97F4B312}"/>
               </a:ext>
             </a:extLst>
           </p:cNvPr>
@@ -3714,7 +3742,7 @@
             <a:picLocks noGrp="1" noChangeAspect="1"/>
           </p:cNvPicPr>
           <p:nvPr>
-            <p:ph idx="1"/>
+            <p:ph sz="half" idx="1"/>
           </p:nvPr>
         </p:nvPicPr>
         <p:blipFill>
@@ -3731,56 +3759,49 @@
         </p:blipFill>
         <p:spPr>
           <a:xfrm>
-            <a:off x="838200" y="2051868"/>
-            <a:ext cx="6539161" cy="4351338"/>
+            <a:off x="923591" y="1825625"/>
+            <a:ext cx="5010818" cy="4351338"/>
           </a:xfrm>
         </p:spPr>
       </p:pic>
       <p:sp>
         <p:nvSpPr>
-          <p:cNvPr id="6" name="TextBox 5">
-            <a:extLst>
-              <a:ext uri="{FF2B5EF4-FFF2-40B4-BE49-F238E27FC236}">
-                <a16:creationId xmlns:a16="http://schemas.microsoft.com/office/drawing/2014/main" id="{B6825585-0E7C-CE04-5187-7CE5E3754DC8}"/>
-              </a:ext>
-            </a:extLst>
-          </p:cNvPr>
-          <p:cNvSpPr txBox="1"/>
-          <p:nvPr/>
+          <p:cNvPr id="4" name="Content Placeholder 3">
+            <a:extLst>
+              <a:ext uri="{FF2B5EF4-FFF2-40B4-BE49-F238E27FC236}">
+                <a16:creationId xmlns:a16="http://schemas.microsoft.com/office/drawing/2014/main" id="{60A6D0B7-9A99-13E3-56DF-5B057E0AA020}"/>
+              </a:ext>
+            </a:extLst>
+          </p:cNvPr>
+          <p:cNvSpPr>
+            <a:spLocks noGrp="1"/>
+          </p:cNvSpPr>
+          <p:nvPr>
+            <p:ph sz="half" idx="2"/>
+          </p:nvPr>
         </p:nvSpPr>
-        <p:spPr>
-          <a:xfrm>
-            <a:off x="7852528" y="2051868"/>
-            <a:ext cx="3299381" cy="2308324"/>
-          </a:xfrm>
-          <a:prstGeom prst="rect">
-            <a:avLst/>
-          </a:prstGeom>
-          <a:noFill/>
-        </p:spPr>
+        <p:spPr/>
         <p:txBody>
-          <a:bodyPr wrap="square" rtlCol="0">
-            <a:spAutoFit/>
+          <a:bodyPr>
+            <a:normAutofit/>
           </a:bodyPr>
           <a:lstStyle/>
           <a:p>
-            <a:pPr marL="285750" indent="-285750">
-              <a:buFont typeface="Arial" panose="020B0604020202020204" pitchFamily="34" charset="0"/>
-              <a:buChar char="•"/>
-            </a:pPr>
-            <a:r>
-              <a:rPr lang="en-IN" dirty="0"/>
-              <a:t>The temporal dependencies are incorporated naturally in the data generation process. That is, as it happens in real world.</a:t>
-            </a:r>
-          </a:p>
-          <a:p>
-            <a:pPr marL="285750" indent="-285750">
-              <a:buFont typeface="Arial" panose="020B0604020202020204" pitchFamily="34" charset="0"/>
-              <a:buChar char="•"/>
-            </a:pPr>
-            <a:r>
-              <a:rPr lang="en-IN" dirty="0"/>
-              <a:t>It is flexible so it can be adjusted to replicate any real-world scenario.</a:t>
+            <a:r>
+              <a:rPr lang="en-IN" sz="1800" dirty="0"/>
+              <a:t>DBN Data Generator is a data generating mechanism where one can explicitly specify the details of the data generating mechanism. Out of it multivariate time-series/non-timeseries data would be generated.</a:t>
+            </a:r>
+          </a:p>
+          <a:p>
+            <a:r>
+              <a:rPr lang="en-IN" sz="1800" dirty="0"/>
+              <a:t>The specifications can be from human end or AI-generated.</a:t>
+            </a:r>
+          </a:p>
+          <a:p>
+            <a:r>
+              <a:rPr lang="en-IN" sz="1800" dirty="0"/>
+              <a:t>The main difference of this from other available synthetic data generators, is its capability to incorporate time dependence in the data generating mechanism, just like the way it happens in real world.</a:t>
             </a:r>
           </a:p>
         </p:txBody>
@@ -3788,7 +3809,7 @@
     </p:spTree>
     <p:extLst>
       <p:ext uri="{BB962C8B-B14F-4D97-AF65-F5344CB8AC3E}">
-        <p14:creationId xmlns:p14="http://schemas.microsoft.com/office/powerpoint/2010/main" val="423098696"/>
+        <p14:creationId xmlns:p14="http://schemas.microsoft.com/office/powerpoint/2010/main" val="1669758373"/>
       </p:ext>
     </p:extLst>
   </p:cSld>
@@ -5940,8 +5961,8 @@
           </a:fontRef>
         </p:style>
       </p:cxnSp>
-      <mc:AlternateContent xmlns:mc="http://schemas.openxmlformats.org/markup-compatibility/2006">
-        <mc:Choice xmlns:a14="http://schemas.microsoft.com/office/drawing/2010/main" Requires="a14">
+      <mc:AlternateContent xmlns:mc="http://schemas.openxmlformats.org/markup-compatibility/2006" xmlns:a14="http://schemas.microsoft.com/office/drawing/2010/main">
+        <mc:Choice Requires="a14">
           <p:sp>
             <p:nvSpPr>
               <p:cNvPr id="103" name="TextBox 102">
@@ -5977,6 +5998,7 @@
               </a:bodyPr>
               <a:lstStyle/>
               <a:p>
+                <a:pPr/>
                 <a14:m>
                   <m:oMathPara xmlns:m="http://schemas.openxmlformats.org/officeDocument/2006/math">
                     <m:oMathParaPr>
@@ -6016,7 +6038,7 @@
             </p:txBody>
           </p:sp>
         </mc:Choice>
-        <mc:Fallback>
+        <mc:Fallback xmlns="">
           <p:sp>
             <p:nvSpPr>
               <p:cNvPr id="103" name="TextBox 102">
@@ -6066,8 +6088,8 @@
           </p:sp>
         </mc:Fallback>
       </mc:AlternateContent>
-      <mc:AlternateContent xmlns:mc="http://schemas.openxmlformats.org/markup-compatibility/2006">
-        <mc:Choice xmlns:a14="http://schemas.microsoft.com/office/drawing/2010/main" Requires="a14">
+      <mc:AlternateContent xmlns:mc="http://schemas.openxmlformats.org/markup-compatibility/2006" xmlns:a14="http://schemas.microsoft.com/office/drawing/2010/main">
+        <mc:Choice Requires="a14">
           <p:sp>
             <p:nvSpPr>
               <p:cNvPr id="104" name="TextBox 103">
@@ -6103,6 +6125,7 @@
               </a:bodyPr>
               <a:lstStyle/>
               <a:p>
+                <a:pPr/>
                 <a14:m>
                   <m:oMathPara xmlns:m="http://schemas.openxmlformats.org/officeDocument/2006/math">
                     <m:oMathParaPr>
@@ -6142,7 +6165,7 @@
             </p:txBody>
           </p:sp>
         </mc:Choice>
-        <mc:Fallback>
+        <mc:Fallback xmlns="">
           <p:sp>
             <p:nvSpPr>
               <p:cNvPr id="104" name="TextBox 103">
@@ -6192,8 +6215,8 @@
           </p:sp>
         </mc:Fallback>
       </mc:AlternateContent>
-      <mc:AlternateContent xmlns:mc="http://schemas.openxmlformats.org/markup-compatibility/2006">
-        <mc:Choice xmlns:a14="http://schemas.microsoft.com/office/drawing/2010/main" Requires="a14">
+      <mc:AlternateContent xmlns:mc="http://schemas.openxmlformats.org/markup-compatibility/2006" xmlns:a14="http://schemas.microsoft.com/office/drawing/2010/main">
+        <mc:Choice Requires="a14">
           <p:sp>
             <p:nvSpPr>
               <p:cNvPr id="105" name="TextBox 104">
@@ -6229,6 +6252,7 @@
               </a:bodyPr>
               <a:lstStyle/>
               <a:p>
+                <a:pPr/>
                 <a14:m>
                   <m:oMathPara xmlns:m="http://schemas.openxmlformats.org/officeDocument/2006/math">
                     <m:oMathParaPr>
@@ -6268,7 +6292,7 @@
             </p:txBody>
           </p:sp>
         </mc:Choice>
-        <mc:Fallback>
+        <mc:Fallback xmlns="">
           <p:sp>
             <p:nvSpPr>
               <p:cNvPr id="105" name="TextBox 104">
@@ -6521,7 +6545,7 @@
           <p:cNvPr id="2" name="Title 1">
             <a:extLst>
               <a:ext uri="{FF2B5EF4-FFF2-40B4-BE49-F238E27FC236}">
-                <a16:creationId xmlns:a16="http://schemas.microsoft.com/office/drawing/2014/main" id="{93DD5A3C-A672-0B08-75A1-6E423623A9FC}"/>
+                <a16:creationId xmlns:a16="http://schemas.microsoft.com/office/drawing/2014/main" id="{C6A603A0-784E-8008-F5EA-428EA6CF4B51}"/>
               </a:ext>
             </a:extLst>
           </p:cNvPr>
@@ -6529,7 +6553,7 @@
             <a:spLocks noGrp="1"/>
           </p:cNvSpPr>
           <p:nvPr>
-            <p:ph type="ctrTitle"/>
+            <p:ph type="title"/>
           </p:nvPr>
         </p:nvSpPr>
         <p:spPr/>
@@ -6538,18 +6562,18 @@
           <a:lstStyle/>
           <a:p>
             <a:r>
-              <a:rPr lang="en-IN" b="1" dirty="0"/>
-              <a:t>How DBN solves the problems</a:t>
+              <a:rPr lang="en-IN" dirty="0"/>
+              <a:t>Data Generating Process</a:t>
             </a:r>
           </a:p>
         </p:txBody>
       </p:sp>
       <p:sp>
         <p:nvSpPr>
-          <p:cNvPr id="3" name="Subtitle 2">
-            <a:extLst>
-              <a:ext uri="{FF2B5EF4-FFF2-40B4-BE49-F238E27FC236}">
-                <a16:creationId xmlns:a16="http://schemas.microsoft.com/office/drawing/2014/main" id="{E5274B28-BA5C-33E2-0852-234E6D7A4A89}"/>
+          <p:cNvPr id="3" name="Content Placeholder 2">
+            <a:extLst>
+              <a:ext uri="{FF2B5EF4-FFF2-40B4-BE49-F238E27FC236}">
+                <a16:creationId xmlns:a16="http://schemas.microsoft.com/office/drawing/2014/main" id="{1E634654-AD8E-8802-91D1-ADCBBDC60D11}"/>
               </a:ext>
             </a:extLst>
           </p:cNvPr>
@@ -6557,7 +6581,7 @@
             <a:spLocks noGrp="1"/>
           </p:cNvSpPr>
           <p:nvPr>
-            <p:ph type="subTitle" idx="1"/>
+            <p:ph idx="1"/>
           </p:nvPr>
         </p:nvSpPr>
         <p:spPr/>
@@ -6567,7 +6591,26 @@
           <a:p>
             <a:r>
               <a:rPr lang="en-IN" dirty="0"/>
-              <a:t>Details of the DBN setup that helps address each of the problems</a:t>
+              <a:t>The values for the variables are generated one time-step at a time.</a:t>
+            </a:r>
+          </a:p>
+          <a:p>
+            <a:r>
+              <a:rPr lang="en-IN" dirty="0"/>
+              <a:t>The network structure is used to specify the dependency amongst the variables. </a:t>
+            </a:r>
+            <a:br>
+              <a:rPr lang="en-IN" dirty="0"/>
+            </a:br>
+            <a:r>
+              <a:rPr lang="en-IN" dirty="0"/>
+              <a:t>This includes the temporal dependencies as well; sales at any time-step depends on discounts from the earlier time-step, and on sales from the 2 earlier time-steps.</a:t>
+            </a:r>
+          </a:p>
+          <a:p>
+            <a:r>
+              <a:rPr lang="en-IN" dirty="0"/>
+              <a:t>The exact data generating formula against the nodes and the arrows provide full control over the data generating process.</a:t>
             </a:r>
           </a:p>
         </p:txBody>
@@ -6575,7 +6618,7 @@
     </p:spTree>
     <p:extLst>
       <p:ext uri="{BB962C8B-B14F-4D97-AF65-F5344CB8AC3E}">
-        <p14:creationId xmlns:p14="http://schemas.microsoft.com/office/powerpoint/2010/main" val="852648946"/>
+        <p14:creationId xmlns:p14="http://schemas.microsoft.com/office/powerpoint/2010/main" val="3795752455"/>
       </p:ext>
     </p:extLst>
   </p:cSld>
@@ -6590,13 +6633,7 @@
   <p:cSld>
     <p:spTree>
       <p:nvGrpSpPr>
-        <p:cNvPr id="1" name="">
-          <a:extLst>
-            <a:ext uri="{FF2B5EF4-FFF2-40B4-BE49-F238E27FC236}">
-              <a16:creationId xmlns:a16="http://schemas.microsoft.com/office/drawing/2014/main" id="{8F70C226-939F-A78C-EAAF-97ACD7A47F5D}"/>
-            </a:ext>
-          </a:extLst>
-        </p:cNvPr>
+        <p:cNvPr id="1" name=""/>
         <p:cNvGrpSpPr/>
         <p:nvPr/>
       </p:nvGrpSpPr>
@@ -6608,28 +6645,55 @@
           <a:chExt cx="0" cy="0"/>
         </a:xfrm>
       </p:grpSpPr>
+      <p:sp>
+        <p:nvSpPr>
+          <p:cNvPr id="2" name="Title 1">
+            <a:extLst>
+              <a:ext uri="{FF2B5EF4-FFF2-40B4-BE49-F238E27FC236}">
+                <a16:creationId xmlns:a16="http://schemas.microsoft.com/office/drawing/2014/main" id="{165B66DD-6874-6356-CA60-931AC34F883D}"/>
+              </a:ext>
+            </a:extLst>
+          </p:cNvPr>
+          <p:cNvSpPr>
+            <a:spLocks noGrp="1"/>
+          </p:cNvSpPr>
+          <p:nvPr>
+            <p:ph type="title"/>
+          </p:nvPr>
+        </p:nvSpPr>
+        <p:spPr/>
+        <p:txBody>
+          <a:bodyPr/>
+          <a:lstStyle/>
+          <a:p>
+            <a:r>
+              <a:rPr lang="en-IN" dirty="0"/>
+              <a:t>Data Generation Process (contd.)</a:t>
+            </a:r>
+          </a:p>
+        </p:txBody>
+      </p:sp>
       <p:pic>
         <p:nvPicPr>
-          <p:cNvPr id="3" name="Graphic 2">
-            <a:extLst>
-              <a:ext uri="{FF2B5EF4-FFF2-40B4-BE49-F238E27FC236}">
-                <a16:creationId xmlns:a16="http://schemas.microsoft.com/office/drawing/2014/main" id="{6571B3E9-FA07-9962-B1C1-8D8E08204CA7}"/>
-              </a:ext>
-              <a:ext uri="{C183D7F6-B498-43B3-948B-1728B52AA6E4}">
-                <adec:decorative xmlns:adec="http://schemas.microsoft.com/office/drawing/2017/decorative" val="0"/>
+          <p:cNvPr id="5" name="Content Placeholder 4">
+            <a:extLst>
+              <a:ext uri="{FF2B5EF4-FFF2-40B4-BE49-F238E27FC236}">
+                <a16:creationId xmlns:a16="http://schemas.microsoft.com/office/drawing/2014/main" id="{780BF098-2B12-0F2D-96F1-29F6D648170F}"/>
               </a:ext>
             </a:extLst>
           </p:cNvPr>
           <p:cNvPicPr>
-            <a:picLocks noChangeAspect="1"/>
+            <a:picLocks noGrp="1" noChangeAspect="1"/>
           </p:cNvPicPr>
-          <p:nvPr/>
+          <p:nvPr>
+            <p:ph idx="1"/>
+          </p:nvPr>
         </p:nvPicPr>
         <p:blipFill>
           <a:blip r:embed="rId2">
             <a:extLst>
-              <a:ext uri="{96DAC541-7B7A-43D3-8B79-37D633B846F1}">
-                <asvg:svgBlip xmlns:asvg="http://schemas.microsoft.com/office/drawing/2016/SVG/main" r:embed="rId3"/>
+              <a:ext uri="{28A0092B-C50C-407E-A947-70E740481C1C}">
+                <a14:useLocalDpi xmlns:a14="http://schemas.microsoft.com/office/drawing/2010/main" val="0"/>
               </a:ext>
             </a:extLst>
           </a:blip>
@@ -6639,20 +6703,17 @@
         </p:blipFill>
         <p:spPr>
           <a:xfrm>
-            <a:off x="838200" y="3262648"/>
-            <a:ext cx="914400" cy="914400"/>
+            <a:off x="838200" y="2051868"/>
+            <a:ext cx="6539161" cy="4351338"/>
           </a:xfrm>
-          <a:prstGeom prst="rect">
-            <a:avLst/>
-          </a:prstGeom>
         </p:spPr>
       </p:pic>
       <p:sp>
         <p:nvSpPr>
-          <p:cNvPr id="10" name="TextBox 9">
-            <a:extLst>
-              <a:ext uri="{FF2B5EF4-FFF2-40B4-BE49-F238E27FC236}">
-                <a16:creationId xmlns:a16="http://schemas.microsoft.com/office/drawing/2014/main" id="{649E5233-AA2A-E73D-A193-B993300A3F2A}"/>
+          <p:cNvPr id="6" name="TextBox 5">
+            <a:extLst>
+              <a:ext uri="{FF2B5EF4-FFF2-40B4-BE49-F238E27FC236}">
+                <a16:creationId xmlns:a16="http://schemas.microsoft.com/office/drawing/2014/main" id="{B6825585-0E7C-CE04-5187-7CE5E3754DC8}"/>
               </a:ext>
             </a:extLst>
           </p:cNvPr>
@@ -6661,8 +6722,8 @@
         </p:nvSpPr>
         <p:spPr>
           <a:xfrm>
-            <a:off x="1626510" y="3535182"/>
-            <a:ext cx="1432874" cy="369332"/>
+            <a:off x="7852528" y="2051868"/>
+            <a:ext cx="3299381" cy="2308324"/>
           </a:xfrm>
           <a:prstGeom prst="rect">
             <a:avLst/>
@@ -6675,90 +6736,13 @@
           </a:bodyPr>
           <a:lstStyle/>
           <a:p>
-            <a:r>
-              <a:rPr lang="en-IN" dirty="0"/>
-              <a:t>Dataset</a:t>
-            </a:r>
-          </a:p>
-        </p:txBody>
-      </p:sp>
-      <p:pic>
-        <p:nvPicPr>
-          <p:cNvPr id="13" name="Picture 12">
-            <a:extLst>
-              <a:ext uri="{FF2B5EF4-FFF2-40B4-BE49-F238E27FC236}">
-                <a16:creationId xmlns:a16="http://schemas.microsoft.com/office/drawing/2014/main" id="{1AFA5460-E8BE-592E-FBF5-D18367E9C377}"/>
-              </a:ext>
-            </a:extLst>
-          </p:cNvPr>
-          <p:cNvPicPr>
-            <a:picLocks noChangeAspect="1"/>
-          </p:cNvPicPr>
-          <p:nvPr/>
-        </p:nvPicPr>
-        <p:blipFill>
-          <a:blip r:embed="rId4">
-            <a:extLst>
-              <a:ext uri="{28A0092B-C50C-407E-A947-70E740481C1C}">
-                <a14:useLocalDpi xmlns:a14="http://schemas.microsoft.com/office/drawing/2010/main" val="0"/>
-              </a:ext>
-            </a:extLst>
-          </a:blip>
-          <a:stretch>
-            <a:fillRect/>
-          </a:stretch>
-        </p:blipFill>
-        <p:spPr>
-          <a:xfrm>
-            <a:off x="2331346" y="4258141"/>
-            <a:ext cx="1124146" cy="1124146"/>
-          </a:xfrm>
-          <a:prstGeom prst="rect">
-            <a:avLst/>
-          </a:prstGeom>
-        </p:spPr>
-      </p:pic>
-      <p:sp>
-        <p:nvSpPr>
-          <p:cNvPr id="14" name="TextBox 13">
-            <a:extLst>
-              <a:ext uri="{FF2B5EF4-FFF2-40B4-BE49-F238E27FC236}">
-                <a16:creationId xmlns:a16="http://schemas.microsoft.com/office/drawing/2014/main" id="{375F400A-8936-FD9C-5EBB-87E7C516FE22}"/>
-              </a:ext>
-            </a:extLst>
-          </p:cNvPr>
-          <p:cNvSpPr txBox="1"/>
-          <p:nvPr/>
-        </p:nvSpPr>
-        <p:spPr>
-          <a:xfrm>
-            <a:off x="1862346" y="5426176"/>
-            <a:ext cx="2461181" cy="923330"/>
-          </a:xfrm>
-          <a:prstGeom prst="rect">
-            <a:avLst/>
-          </a:prstGeom>
-          <a:noFill/>
-        </p:spPr>
-        <p:txBody>
-          <a:bodyPr wrap="square" rtlCol="0">
-            <a:spAutoFit/>
-          </a:bodyPr>
-          <a:lstStyle/>
-          <a:p>
-            <a:r>
-              <a:rPr lang="en-IN" dirty="0"/>
-              <a:t>Codebase to perform:</a:t>
-            </a:r>
-          </a:p>
-          <a:p>
             <a:pPr marL="285750" indent="-285750">
               <a:buFont typeface="Arial" panose="020B0604020202020204" pitchFamily="34" charset="0"/>
               <a:buChar char="•"/>
             </a:pPr>
             <a:r>
               <a:rPr lang="en-IN" dirty="0"/>
-              <a:t>Feature engineering</a:t>
+              <a:t>The temporal dependencies are incorporated naturally in the data generation process. That is, as it happens in real world.</a:t>
             </a:r>
           </a:p>
           <a:p>
@@ -6768,653 +6752,15 @@
             </a:pPr>
             <a:r>
               <a:rPr lang="en-IN" dirty="0"/>
-              <a:t>Modelling</a:t>
-            </a:r>
-          </a:p>
-        </p:txBody>
-      </p:sp>
-      <p:pic>
-        <p:nvPicPr>
-          <p:cNvPr id="16" name="Picture 15">
-            <a:extLst>
-              <a:ext uri="{FF2B5EF4-FFF2-40B4-BE49-F238E27FC236}">
-                <a16:creationId xmlns:a16="http://schemas.microsoft.com/office/drawing/2014/main" id="{6CB33CC1-C32C-7E32-26A2-A46CE207396B}"/>
-              </a:ext>
-            </a:extLst>
-          </p:cNvPr>
-          <p:cNvPicPr>
-            <a:picLocks noChangeAspect="1"/>
-          </p:cNvPicPr>
-          <p:nvPr/>
-        </p:nvPicPr>
-        <p:blipFill>
-          <a:blip r:embed="rId5">
-            <a:extLst>
-              <a:ext uri="{28A0092B-C50C-407E-A947-70E740481C1C}">
-                <a14:useLocalDpi xmlns:a14="http://schemas.microsoft.com/office/drawing/2010/main" val="0"/>
-              </a:ext>
-            </a:extLst>
-          </a:blip>
-          <a:stretch>
-            <a:fillRect/>
-          </a:stretch>
-        </p:blipFill>
-        <p:spPr>
-          <a:xfrm>
-            <a:off x="6049121" y="4894599"/>
-            <a:ext cx="1446987" cy="1487995"/>
-          </a:xfrm>
-          <a:prstGeom prst="rect">
-            <a:avLst/>
-          </a:prstGeom>
-        </p:spPr>
-      </p:pic>
-      <p:sp>
-        <p:nvSpPr>
-          <p:cNvPr id="17" name="TextBox 16">
-            <a:extLst>
-              <a:ext uri="{FF2B5EF4-FFF2-40B4-BE49-F238E27FC236}">
-                <a16:creationId xmlns:a16="http://schemas.microsoft.com/office/drawing/2014/main" id="{4EBF3C1E-FD54-1268-D18C-11BD0A06EFA5}"/>
-              </a:ext>
-            </a:extLst>
-          </p:cNvPr>
-          <p:cNvSpPr txBox="1"/>
-          <p:nvPr/>
-        </p:nvSpPr>
-        <p:spPr>
-          <a:xfrm>
-            <a:off x="5814537" y="6308209"/>
-            <a:ext cx="2227868" cy="369332"/>
-          </a:xfrm>
-          <a:prstGeom prst="rect">
-            <a:avLst/>
-          </a:prstGeom>
-          <a:noFill/>
-        </p:spPr>
-        <p:txBody>
-          <a:bodyPr wrap="square" rtlCol="0">
-            <a:spAutoFit/>
-          </a:bodyPr>
-          <a:lstStyle/>
-          <a:p>
-            <a:r>
-              <a:rPr lang="en-IN" dirty="0"/>
-              <a:t>Feature Contributions</a:t>
-            </a:r>
-          </a:p>
-        </p:txBody>
-      </p:sp>
-      <p:pic>
-        <p:nvPicPr>
-          <p:cNvPr id="19" name="Graphic 18" descr="Upward trend">
-            <a:extLst>
-              <a:ext uri="{FF2B5EF4-FFF2-40B4-BE49-F238E27FC236}">
-                <a16:creationId xmlns:a16="http://schemas.microsoft.com/office/drawing/2014/main" id="{D7E4BB06-2B9A-0F8D-6984-AB8E70228601}"/>
-              </a:ext>
-            </a:extLst>
-          </p:cNvPr>
-          <p:cNvPicPr>
-            <a:picLocks noChangeAspect="1"/>
-          </p:cNvPicPr>
-          <p:nvPr/>
-        </p:nvPicPr>
-        <p:blipFill>
-          <a:blip r:embed="rId6">
-            <a:extLst>
-              <a:ext uri="{96DAC541-7B7A-43D3-8B79-37D633B846F1}">
-                <asvg:svgBlip xmlns:asvg="http://schemas.microsoft.com/office/drawing/2016/SVG/main" r:embed="rId7"/>
-              </a:ext>
-            </a:extLst>
-          </a:blip>
-          <a:stretch>
-            <a:fillRect/>
-          </a:stretch>
-        </p:blipFill>
-        <p:spPr>
-          <a:xfrm>
-            <a:off x="6230236" y="3220059"/>
-            <a:ext cx="1265872" cy="1265872"/>
-          </a:xfrm>
-          <a:prstGeom prst="rect">
-            <a:avLst/>
-          </a:prstGeom>
-        </p:spPr>
-      </p:pic>
-      <p:sp>
-        <p:nvSpPr>
-          <p:cNvPr id="20" name="TextBox 19">
-            <a:extLst>
-              <a:ext uri="{FF2B5EF4-FFF2-40B4-BE49-F238E27FC236}">
-                <a16:creationId xmlns:a16="http://schemas.microsoft.com/office/drawing/2014/main" id="{4B8EA448-A982-EE66-94E7-FA73466D3CEA}"/>
-              </a:ext>
-            </a:extLst>
-          </p:cNvPr>
-          <p:cNvSpPr txBox="1"/>
-          <p:nvPr/>
-        </p:nvSpPr>
-        <p:spPr>
-          <a:xfrm>
-            <a:off x="6439095" y="3035393"/>
-            <a:ext cx="1189350" cy="369332"/>
-          </a:xfrm>
-          <a:prstGeom prst="rect">
-            <a:avLst/>
-          </a:prstGeom>
-          <a:noFill/>
-        </p:spPr>
-        <p:txBody>
-          <a:bodyPr wrap="square" rtlCol="0">
-            <a:spAutoFit/>
-          </a:bodyPr>
-          <a:lstStyle/>
-          <a:p>
-            <a:r>
-              <a:rPr lang="en-IN" dirty="0"/>
-              <a:t>Forecasts</a:t>
-            </a:r>
-          </a:p>
-        </p:txBody>
-      </p:sp>
-      <p:cxnSp>
-        <p:nvCxnSpPr>
-          <p:cNvPr id="25" name="Connector: Elbow 24">
-            <a:extLst>
-              <a:ext uri="{FF2B5EF4-FFF2-40B4-BE49-F238E27FC236}">
-                <a16:creationId xmlns:a16="http://schemas.microsoft.com/office/drawing/2014/main" id="{9966FF0A-335E-71B5-AB37-0DAFD369C352}"/>
-              </a:ext>
-            </a:extLst>
-          </p:cNvPr>
-          <p:cNvCxnSpPr>
-            <a:cxnSpLocks/>
-            <a:stCxn id="3" idx="2"/>
-            <a:endCxn id="13" idx="1"/>
-          </p:cNvCxnSpPr>
-          <p:nvPr/>
-        </p:nvCxnSpPr>
-        <p:spPr>
-          <a:xfrm rot="16200000" flipH="1">
-            <a:off x="1491790" y="3980658"/>
-            <a:ext cx="643166" cy="1035946"/>
-          </a:xfrm>
-          <a:prstGeom prst="bentConnector2">
-            <a:avLst/>
-          </a:prstGeom>
-          <a:ln w="15875">
-            <a:solidFill>
-              <a:schemeClr val="tx1"/>
-            </a:solidFill>
-            <a:tailEnd type="triangle"/>
-          </a:ln>
-        </p:spPr>
-        <p:style>
-          <a:lnRef idx="1">
-            <a:schemeClr val="accent1"/>
-          </a:lnRef>
-          <a:fillRef idx="0">
-            <a:schemeClr val="accent1"/>
-          </a:fillRef>
-          <a:effectRef idx="0">
-            <a:schemeClr val="accent1"/>
-          </a:effectRef>
-          <a:fontRef idx="minor">
-            <a:schemeClr val="tx1"/>
-          </a:fontRef>
-        </p:style>
-      </p:cxnSp>
-      <p:cxnSp>
-        <p:nvCxnSpPr>
-          <p:cNvPr id="29" name="Connector: Elbow 28">
-            <a:extLst>
-              <a:ext uri="{FF2B5EF4-FFF2-40B4-BE49-F238E27FC236}">
-                <a16:creationId xmlns:a16="http://schemas.microsoft.com/office/drawing/2014/main" id="{B5AA180B-451D-14F7-380B-EB0C310FDD72}"/>
-              </a:ext>
-            </a:extLst>
-          </p:cNvPr>
-          <p:cNvCxnSpPr>
-            <a:cxnSpLocks/>
-          </p:cNvCxnSpPr>
-          <p:nvPr/>
-        </p:nvCxnSpPr>
-        <p:spPr>
-          <a:xfrm flipV="1">
-            <a:off x="3474047" y="3852995"/>
-            <a:ext cx="2553120" cy="967219"/>
-          </a:xfrm>
-          <a:prstGeom prst="bentConnector3">
-            <a:avLst/>
-          </a:prstGeom>
-          <a:ln w="15875">
-            <a:solidFill>
-              <a:schemeClr val="tx1"/>
-            </a:solidFill>
-            <a:tailEnd type="triangle"/>
-          </a:ln>
-        </p:spPr>
-        <p:style>
-          <a:lnRef idx="1">
-            <a:schemeClr val="accent1"/>
-          </a:lnRef>
-          <a:fillRef idx="0">
-            <a:schemeClr val="accent1"/>
-          </a:fillRef>
-          <a:effectRef idx="0">
-            <a:schemeClr val="accent1"/>
-          </a:effectRef>
-          <a:fontRef idx="minor">
-            <a:schemeClr val="tx1"/>
-          </a:fontRef>
-        </p:style>
-      </p:cxnSp>
-      <p:cxnSp>
-        <p:nvCxnSpPr>
-          <p:cNvPr id="32" name="Connector: Elbow 31">
-            <a:extLst>
-              <a:ext uri="{FF2B5EF4-FFF2-40B4-BE49-F238E27FC236}">
-                <a16:creationId xmlns:a16="http://schemas.microsoft.com/office/drawing/2014/main" id="{035B1DAA-653E-CC95-439B-E18B0EB6508D}"/>
-              </a:ext>
-            </a:extLst>
-          </p:cNvPr>
-          <p:cNvCxnSpPr>
-            <a:stCxn id="13" idx="3"/>
-            <a:endCxn id="16" idx="1"/>
-          </p:cNvCxnSpPr>
-          <p:nvPr/>
-        </p:nvCxnSpPr>
-        <p:spPr>
-          <a:xfrm>
-            <a:off x="3455492" y="4820214"/>
-            <a:ext cx="2593629" cy="818383"/>
-          </a:xfrm>
-          <a:prstGeom prst="bentConnector3">
-            <a:avLst/>
-          </a:prstGeom>
-          <a:ln w="15875">
-            <a:solidFill>
-              <a:schemeClr val="tx1"/>
-            </a:solidFill>
-            <a:tailEnd type="triangle"/>
-          </a:ln>
-        </p:spPr>
-        <p:style>
-          <a:lnRef idx="1">
-            <a:schemeClr val="accent1"/>
-          </a:lnRef>
-          <a:fillRef idx="0">
-            <a:schemeClr val="accent1"/>
-          </a:fillRef>
-          <a:effectRef idx="0">
-            <a:schemeClr val="accent1"/>
-          </a:effectRef>
-          <a:fontRef idx="minor">
-            <a:schemeClr val="tx1"/>
-          </a:fontRef>
-        </p:style>
-      </p:cxnSp>
-      <p:pic>
-        <p:nvPicPr>
-          <p:cNvPr id="34" name="Graphic 33" descr="Table">
-            <a:extLst>
-              <a:ext uri="{FF2B5EF4-FFF2-40B4-BE49-F238E27FC236}">
-                <a16:creationId xmlns:a16="http://schemas.microsoft.com/office/drawing/2014/main" id="{77FA9CC2-9059-4366-3A79-63F84C2BB4D2}"/>
-              </a:ext>
-            </a:extLst>
-          </p:cNvPr>
-          <p:cNvPicPr>
-            <a:picLocks noChangeAspect="1"/>
-          </p:cNvPicPr>
-          <p:nvPr/>
-        </p:nvPicPr>
-        <p:blipFill>
-          <a:blip r:embed="rId8">
-            <a:extLst>
-              <a:ext uri="{96DAC541-7B7A-43D3-8B79-37D633B846F1}">
-                <asvg:svgBlip xmlns:asvg="http://schemas.microsoft.com/office/drawing/2016/SVG/main" r:embed="rId9"/>
-              </a:ext>
-            </a:extLst>
-          </a:blip>
-          <a:stretch>
-            <a:fillRect/>
-          </a:stretch>
-        </p:blipFill>
-        <p:spPr>
-          <a:xfrm>
-            <a:off x="9356271" y="3262648"/>
-            <a:ext cx="1180694" cy="1180694"/>
-          </a:xfrm>
-          <a:prstGeom prst="rect">
-            <a:avLst/>
-          </a:prstGeom>
-        </p:spPr>
-      </p:pic>
-      <p:sp>
-        <p:nvSpPr>
-          <p:cNvPr id="35" name="TextBox 34">
-            <a:extLst>
-              <a:ext uri="{FF2B5EF4-FFF2-40B4-BE49-F238E27FC236}">
-                <a16:creationId xmlns:a16="http://schemas.microsoft.com/office/drawing/2014/main" id="{D93E4B3B-4875-91AB-2545-617C4C363184}"/>
-              </a:ext>
-            </a:extLst>
-          </p:cNvPr>
-          <p:cNvSpPr txBox="1"/>
-          <p:nvPr/>
-        </p:nvSpPr>
-        <p:spPr>
-          <a:xfrm>
-            <a:off x="9240789" y="3029963"/>
-            <a:ext cx="1411658" cy="369332"/>
-          </a:xfrm>
-          <a:prstGeom prst="rect">
-            <a:avLst/>
-          </a:prstGeom>
-          <a:noFill/>
-        </p:spPr>
-        <p:txBody>
-          <a:bodyPr wrap="square" rtlCol="0">
-            <a:spAutoFit/>
-          </a:bodyPr>
-          <a:lstStyle/>
-          <a:p>
-            <a:r>
-              <a:rPr lang="en-IN" dirty="0"/>
-              <a:t>Future Data</a:t>
-            </a:r>
-          </a:p>
-        </p:txBody>
-      </p:sp>
-      <p:cxnSp>
-        <p:nvCxnSpPr>
-          <p:cNvPr id="37" name="Straight Arrow Connector 36">
-            <a:extLst>
-              <a:ext uri="{FF2B5EF4-FFF2-40B4-BE49-F238E27FC236}">
-                <a16:creationId xmlns:a16="http://schemas.microsoft.com/office/drawing/2014/main" id="{87DF154A-5F20-4489-BDC9-E15CD30711CE}"/>
-              </a:ext>
-            </a:extLst>
-          </p:cNvPr>
-          <p:cNvCxnSpPr>
-            <a:cxnSpLocks/>
-            <a:stCxn id="34" idx="1"/>
-            <a:endCxn id="19" idx="3"/>
-          </p:cNvCxnSpPr>
-          <p:nvPr/>
-        </p:nvCxnSpPr>
-        <p:spPr>
-          <a:xfrm flipH="1">
-            <a:off x="7496108" y="3852995"/>
-            <a:ext cx="1860163" cy="0"/>
-          </a:xfrm>
-          <a:prstGeom prst="straightConnector1">
-            <a:avLst/>
-          </a:prstGeom>
-          <a:ln w="15875">
-            <a:solidFill>
-              <a:schemeClr val="tx1"/>
-            </a:solidFill>
-            <a:tailEnd type="triangle"/>
-          </a:ln>
-        </p:spPr>
-        <p:style>
-          <a:lnRef idx="1">
-            <a:schemeClr val="accent1"/>
-          </a:lnRef>
-          <a:fillRef idx="0">
-            <a:schemeClr val="accent1"/>
-          </a:fillRef>
-          <a:effectRef idx="0">
-            <a:schemeClr val="accent1"/>
-          </a:effectRef>
-          <a:fontRef idx="minor">
-            <a:schemeClr val="tx1"/>
-          </a:fontRef>
-        </p:style>
-      </p:cxnSp>
-      <p:sp>
-        <p:nvSpPr>
-          <p:cNvPr id="50" name="Title 49">
-            <a:extLst>
-              <a:ext uri="{FF2B5EF4-FFF2-40B4-BE49-F238E27FC236}">
-                <a16:creationId xmlns:a16="http://schemas.microsoft.com/office/drawing/2014/main" id="{F330696D-2198-BB00-03BC-E1AD7C119168}"/>
-              </a:ext>
-            </a:extLst>
-          </p:cNvPr>
-          <p:cNvSpPr>
-            <a:spLocks noGrp="1"/>
-          </p:cNvSpPr>
-          <p:nvPr>
-            <p:ph type="title"/>
-          </p:nvPr>
-        </p:nvSpPr>
-        <p:spPr>
-          <a:xfrm>
-            <a:off x="838200" y="365125"/>
-            <a:ext cx="10515600" cy="961401"/>
-          </a:xfrm>
-        </p:spPr>
-        <p:txBody>
-          <a:bodyPr/>
-          <a:lstStyle/>
-          <a:p>
-            <a:r>
-              <a:rPr lang="en-IN" b="1" dirty="0"/>
-              <a:t>Setup with DBN based Data Generator</a:t>
-            </a:r>
-          </a:p>
-        </p:txBody>
-      </p:sp>
-      <p:pic>
-        <p:nvPicPr>
-          <p:cNvPr id="4" name="Picture 3">
-            <a:extLst>
-              <a:ext uri="{FF2B5EF4-FFF2-40B4-BE49-F238E27FC236}">
-                <a16:creationId xmlns:a16="http://schemas.microsoft.com/office/drawing/2014/main" id="{82B13D83-D0C2-19A4-94C3-5E02FDA36FE3}"/>
-              </a:ext>
-            </a:extLst>
-          </p:cNvPr>
-          <p:cNvPicPr>
-            <a:picLocks noChangeAspect="1"/>
-          </p:cNvPicPr>
-          <p:nvPr/>
-        </p:nvPicPr>
-        <p:blipFill>
-          <a:blip r:embed="rId10">
-            <a:extLst>
-              <a:ext uri="{28A0092B-C50C-407E-A947-70E740481C1C}">
-                <a14:useLocalDpi xmlns:a14="http://schemas.microsoft.com/office/drawing/2010/main" val="0"/>
-              </a:ext>
-            </a:extLst>
-          </a:blip>
-          <a:stretch>
-            <a:fillRect/>
-          </a:stretch>
-        </p:blipFill>
-        <p:spPr>
-          <a:xfrm>
-            <a:off x="4454549" y="1498249"/>
-            <a:ext cx="1775687" cy="1775687"/>
-          </a:xfrm>
-          <a:prstGeom prst="rect">
-            <a:avLst/>
-          </a:prstGeom>
-        </p:spPr>
-      </p:pic>
-      <p:cxnSp>
-        <p:nvCxnSpPr>
-          <p:cNvPr id="30" name="Connector: Elbow 29">
-            <a:extLst>
-              <a:ext uri="{FF2B5EF4-FFF2-40B4-BE49-F238E27FC236}">
-                <a16:creationId xmlns:a16="http://schemas.microsoft.com/office/drawing/2014/main" id="{51B5AC20-70A3-D1CA-AD35-02F326787A6E}"/>
-              </a:ext>
-            </a:extLst>
-          </p:cNvPr>
-          <p:cNvCxnSpPr>
-            <a:stCxn id="4" idx="1"/>
-            <a:endCxn id="3" idx="0"/>
-          </p:cNvCxnSpPr>
-          <p:nvPr/>
-        </p:nvCxnSpPr>
-        <p:spPr>
-          <a:xfrm rot="10800000" flipV="1">
-            <a:off x="1295401" y="2386092"/>
-            <a:ext cx="3159149" cy="876555"/>
-          </a:xfrm>
-          <a:prstGeom prst="bentConnector2">
-            <a:avLst/>
-          </a:prstGeom>
-          <a:ln w="19050">
-            <a:solidFill>
-              <a:schemeClr val="tx1"/>
-            </a:solidFill>
-            <a:tailEnd type="triangle"/>
-          </a:ln>
-        </p:spPr>
-        <p:style>
-          <a:lnRef idx="1">
-            <a:schemeClr val="accent1"/>
-          </a:lnRef>
-          <a:fillRef idx="0">
-            <a:schemeClr val="accent1"/>
-          </a:fillRef>
-          <a:effectRef idx="0">
-            <a:schemeClr val="accent1"/>
-          </a:effectRef>
-          <a:fontRef idx="minor">
-            <a:schemeClr val="tx1"/>
-          </a:fontRef>
-        </p:style>
-      </p:cxnSp>
-      <p:cxnSp>
-        <p:nvCxnSpPr>
-          <p:cNvPr id="33" name="Connector: Elbow 32">
-            <a:extLst>
-              <a:ext uri="{FF2B5EF4-FFF2-40B4-BE49-F238E27FC236}">
-                <a16:creationId xmlns:a16="http://schemas.microsoft.com/office/drawing/2014/main" id="{5DFD5427-94A1-680C-4150-55F038A36F94}"/>
-              </a:ext>
-            </a:extLst>
-          </p:cNvPr>
-          <p:cNvCxnSpPr>
-            <a:cxnSpLocks/>
-            <a:stCxn id="4" idx="3"/>
-            <a:endCxn id="35" idx="0"/>
-          </p:cNvCxnSpPr>
-          <p:nvPr/>
-        </p:nvCxnSpPr>
-        <p:spPr>
-          <a:xfrm>
-            <a:off x="6230236" y="2386093"/>
-            <a:ext cx="3716382" cy="643870"/>
-          </a:xfrm>
-          <a:prstGeom prst="bentConnector2">
-            <a:avLst/>
-          </a:prstGeom>
-          <a:ln w="19050">
-            <a:solidFill>
-              <a:schemeClr val="tx1"/>
-            </a:solidFill>
-            <a:tailEnd type="triangle"/>
-          </a:ln>
-        </p:spPr>
-        <p:style>
-          <a:lnRef idx="1">
-            <a:schemeClr val="accent1"/>
-          </a:lnRef>
-          <a:fillRef idx="0">
-            <a:schemeClr val="accent1"/>
-          </a:fillRef>
-          <a:effectRef idx="0">
-            <a:schemeClr val="accent1"/>
-          </a:effectRef>
-          <a:fontRef idx="minor">
-            <a:schemeClr val="tx1"/>
-          </a:fontRef>
-        </p:style>
-      </p:cxnSp>
-      <p:cxnSp>
-        <p:nvCxnSpPr>
-          <p:cNvPr id="51" name="Connector: Elbow 50">
-            <a:extLst>
-              <a:ext uri="{FF2B5EF4-FFF2-40B4-BE49-F238E27FC236}">
-                <a16:creationId xmlns:a16="http://schemas.microsoft.com/office/drawing/2014/main" id="{534075B6-0593-9A58-B852-420B2823E5A0}"/>
-              </a:ext>
-            </a:extLst>
-          </p:cNvPr>
-          <p:cNvCxnSpPr>
-            <a:stCxn id="4" idx="0"/>
-            <a:endCxn id="16" idx="3"/>
-          </p:cNvCxnSpPr>
-          <p:nvPr/>
-        </p:nvCxnSpPr>
-        <p:spPr>
-          <a:xfrm rot="16200000" flipH="1">
-            <a:off x="4349076" y="2491566"/>
-            <a:ext cx="4140348" cy="2153715"/>
-          </a:xfrm>
-          <a:prstGeom prst="bentConnector4">
-            <a:avLst>
-              <a:gd name="adj1" fmla="val -1840"/>
-              <a:gd name="adj2" fmla="val 253906"/>
-            </a:avLst>
-          </a:prstGeom>
-          <a:ln w="19050">
-            <a:solidFill>
-              <a:schemeClr val="tx1"/>
-            </a:solidFill>
-            <a:tailEnd type="triangle"/>
-          </a:ln>
-        </p:spPr>
-        <p:style>
-          <a:lnRef idx="1">
-            <a:schemeClr val="accent1"/>
-          </a:lnRef>
-          <a:fillRef idx="0">
-            <a:schemeClr val="accent1"/>
-          </a:fillRef>
-          <a:effectRef idx="0">
-            <a:schemeClr val="accent1"/>
-          </a:effectRef>
-          <a:fontRef idx="minor">
-            <a:schemeClr val="tx1"/>
-          </a:fontRef>
-        </p:style>
-      </p:cxnSp>
-      <p:sp>
-        <p:nvSpPr>
-          <p:cNvPr id="54" name="TextBox 53">
-            <a:extLst>
-              <a:ext uri="{FF2B5EF4-FFF2-40B4-BE49-F238E27FC236}">
-                <a16:creationId xmlns:a16="http://schemas.microsoft.com/office/drawing/2014/main" id="{01486DFB-64CC-1EDC-BE0D-1AA9420AAC89}"/>
-              </a:ext>
-            </a:extLst>
-          </p:cNvPr>
-          <p:cNvSpPr txBox="1"/>
-          <p:nvPr/>
-        </p:nvSpPr>
-        <p:spPr>
-          <a:xfrm>
-            <a:off x="2331346" y="1390599"/>
-            <a:ext cx="2744334" cy="369332"/>
-          </a:xfrm>
-          <a:prstGeom prst="rect">
-            <a:avLst/>
-          </a:prstGeom>
-          <a:noFill/>
-        </p:spPr>
-        <p:txBody>
-          <a:bodyPr wrap="square" rtlCol="0">
-            <a:spAutoFit/>
-          </a:bodyPr>
-          <a:lstStyle/>
-          <a:p>
-            <a:r>
-              <a:rPr lang="en-US" dirty="0"/>
-              <a:t>DBN based Data Generator</a:t>
-            </a:r>
-            <a:endParaRPr lang="en-IN" dirty="0"/>
+              <a:t>It is flexible so it can be adjusted to replicate any real-world scenario.</a:t>
+            </a:r>
           </a:p>
         </p:txBody>
       </p:sp>
     </p:spTree>
     <p:extLst>
       <p:ext uri="{BB962C8B-B14F-4D97-AF65-F5344CB8AC3E}">
-        <p14:creationId xmlns:p14="http://schemas.microsoft.com/office/powerpoint/2010/main" val="2302631972"/>
+        <p14:creationId xmlns:p14="http://schemas.microsoft.com/office/powerpoint/2010/main" val="423098696"/>
       </p:ext>
     </p:extLst>
   </p:cSld>
@@ -7429,13 +6775,7 @@
   <p:cSld>
     <p:spTree>
       <p:nvGrpSpPr>
-        <p:cNvPr id="1" name="">
-          <a:extLst>
-            <a:ext uri="{FF2B5EF4-FFF2-40B4-BE49-F238E27FC236}">
-              <a16:creationId xmlns:a16="http://schemas.microsoft.com/office/drawing/2014/main" id="{752EAE65-FDCB-BEAB-3E61-947CA5900DA2}"/>
-            </a:ext>
-          </a:extLst>
-        </p:cNvPr>
+        <p:cNvPr id="1" name=""/>
         <p:cNvGrpSpPr/>
         <p:nvPr/>
       </p:nvGrpSpPr>
@@ -7449,88 +6789,973 @@
       </p:grpSpPr>
       <p:sp>
         <p:nvSpPr>
-          <p:cNvPr id="3" name="Title 2">
-            <a:extLst>
-              <a:ext uri="{FF2B5EF4-FFF2-40B4-BE49-F238E27FC236}">
-                <a16:creationId xmlns:a16="http://schemas.microsoft.com/office/drawing/2014/main" id="{80137EE9-12F9-6A87-66CC-39151CE63097}"/>
-              </a:ext>
-            </a:extLst>
-          </p:cNvPr>
-          <p:cNvSpPr>
-            <a:spLocks noGrp="1"/>
-          </p:cNvSpPr>
-          <p:nvPr>
-            <p:ph type="title"/>
-          </p:nvPr>
+          <p:cNvPr id="3" name="Oval 2">
+            <a:extLst>
+              <a:ext uri="{FF2B5EF4-FFF2-40B4-BE49-F238E27FC236}">
+                <a16:creationId xmlns:a16="http://schemas.microsoft.com/office/drawing/2014/main" id="{359E8021-2640-55E7-A24A-852D102EEA7D}"/>
+              </a:ext>
+            </a:extLst>
+          </p:cNvPr>
+          <p:cNvSpPr/>
+          <p:nvPr/>
         </p:nvSpPr>
         <p:spPr>
           <a:xfrm>
-            <a:off x="838200" y="365125"/>
-            <a:ext cx="10515600" cy="1812467"/>
+            <a:off x="397108" y="4596052"/>
+            <a:ext cx="1443318" cy="510989"/>
           </a:xfrm>
+          <a:prstGeom prst="ellipse">
+            <a:avLst/>
+          </a:prstGeom>
+          <a:solidFill>
+            <a:schemeClr val="accent1">
+              <a:lumMod val="20000"/>
+              <a:lumOff val="80000"/>
+            </a:schemeClr>
+          </a:solidFill>
         </p:spPr>
+        <p:style>
+          <a:lnRef idx="2">
+            <a:schemeClr val="accent1">
+              <a:shade val="15000"/>
+            </a:schemeClr>
+          </a:lnRef>
+          <a:fillRef idx="1">
+            <a:schemeClr val="accent1"/>
+          </a:fillRef>
+          <a:effectRef idx="0">
+            <a:schemeClr val="accent1"/>
+          </a:effectRef>
+          <a:fontRef idx="minor">
+            <a:schemeClr val="lt1"/>
+          </a:fontRef>
+        </p:style>
         <p:txBody>
-          <a:bodyPr/>
+          <a:bodyPr rtlCol="0" anchor="ctr"/>
           <a:lstStyle/>
           <a:p>
-            <a:r>
-              <a:rPr lang="en-IN" b="1" dirty="0"/>
-              <a:t>Setup with DBN based Data Generator (Contd.)</a:t>
-            </a:r>
-            <a:endParaRPr lang="en-IN" dirty="0"/>
+            <a:pPr algn="ctr"/>
+            <a:r>
+              <a:rPr lang="en-IN" sz="1400" dirty="0">
+                <a:solidFill>
+                  <a:schemeClr val="tx1"/>
+                </a:solidFill>
+              </a:rPr>
+              <a:t>Discount (%)</a:t>
+            </a:r>
           </a:p>
         </p:txBody>
       </p:sp>
       <p:sp>
         <p:nvSpPr>
-          <p:cNvPr id="4" name="Content Placeholder 3">
-            <a:extLst>
-              <a:ext uri="{FF2B5EF4-FFF2-40B4-BE49-F238E27FC236}">
-                <a16:creationId xmlns:a16="http://schemas.microsoft.com/office/drawing/2014/main" id="{B0DA3D33-5B51-BE6C-135E-D15BD0787771}"/>
-              </a:ext>
-            </a:extLst>
-          </p:cNvPr>
-          <p:cNvSpPr>
-            <a:spLocks noGrp="1"/>
-          </p:cNvSpPr>
-          <p:nvPr>
-            <p:ph idx="1"/>
-          </p:nvPr>
+          <p:cNvPr id="4" name="Oval 3">
+            <a:extLst>
+              <a:ext uri="{FF2B5EF4-FFF2-40B4-BE49-F238E27FC236}">
+                <a16:creationId xmlns:a16="http://schemas.microsoft.com/office/drawing/2014/main" id="{9C7016EF-B80E-E33C-B97F-B87E72A2F2E5}"/>
+              </a:ext>
+            </a:extLst>
+          </p:cNvPr>
+          <p:cNvSpPr/>
+          <p:nvPr/>
         </p:nvSpPr>
         <p:spPr>
           <a:xfrm>
-            <a:off x="838200" y="2762053"/>
-            <a:ext cx="10515600" cy="3414909"/>
+            <a:off x="307899" y="3477212"/>
+            <a:ext cx="1443318" cy="510989"/>
           </a:xfrm>
+          <a:prstGeom prst="ellipse">
+            <a:avLst/>
+          </a:prstGeom>
+          <a:solidFill>
+            <a:schemeClr val="accent1">
+              <a:lumMod val="20000"/>
+              <a:lumOff val="80000"/>
+            </a:schemeClr>
+          </a:solidFill>
+        </p:spPr>
+        <p:style>
+          <a:lnRef idx="2">
+            <a:schemeClr val="accent1">
+              <a:shade val="15000"/>
+            </a:schemeClr>
+          </a:lnRef>
+          <a:fillRef idx="1">
+            <a:schemeClr val="accent1"/>
+          </a:fillRef>
+          <a:effectRef idx="0">
+            <a:schemeClr val="accent1"/>
+          </a:effectRef>
+          <a:fontRef idx="minor">
+            <a:schemeClr val="lt1"/>
+          </a:fontRef>
+        </p:style>
+        <p:txBody>
+          <a:bodyPr rtlCol="0" anchor="ctr"/>
+          <a:lstStyle/>
+          <a:p>
+            <a:pPr algn="ctr"/>
+            <a:r>
+              <a:rPr lang="en-IN" sz="1400" dirty="0">
+                <a:solidFill>
+                  <a:schemeClr val="tx1"/>
+                </a:solidFill>
+              </a:rPr>
+              <a:t>Sales</a:t>
+            </a:r>
+          </a:p>
+        </p:txBody>
+      </p:sp>
+      <p:sp>
+        <p:nvSpPr>
+          <p:cNvPr id="6" name="Oval 5">
+            <a:extLst>
+              <a:ext uri="{FF2B5EF4-FFF2-40B4-BE49-F238E27FC236}">
+                <a16:creationId xmlns:a16="http://schemas.microsoft.com/office/drawing/2014/main" id="{17E18B13-EFD4-44FB-2496-9D47857EC610}"/>
+              </a:ext>
+            </a:extLst>
+          </p:cNvPr>
+          <p:cNvSpPr/>
+          <p:nvPr/>
+        </p:nvSpPr>
+        <p:spPr>
+          <a:xfrm>
+            <a:off x="3597946" y="3477213"/>
+            <a:ext cx="1443318" cy="510989"/>
+          </a:xfrm>
+          <a:prstGeom prst="ellipse">
+            <a:avLst/>
+          </a:prstGeom>
+          <a:solidFill>
+            <a:schemeClr val="accent1">
+              <a:lumMod val="20000"/>
+              <a:lumOff val="80000"/>
+            </a:schemeClr>
+          </a:solidFill>
+        </p:spPr>
+        <p:style>
+          <a:lnRef idx="2">
+            <a:schemeClr val="accent1">
+              <a:shade val="15000"/>
+            </a:schemeClr>
+          </a:lnRef>
+          <a:fillRef idx="1">
+            <a:schemeClr val="accent1"/>
+          </a:fillRef>
+          <a:effectRef idx="0">
+            <a:schemeClr val="accent1"/>
+          </a:effectRef>
+          <a:fontRef idx="minor">
+            <a:schemeClr val="lt1"/>
+          </a:fontRef>
+        </p:style>
+        <p:txBody>
+          <a:bodyPr rtlCol="0" anchor="ctr"/>
+          <a:lstStyle/>
+          <a:p>
+            <a:pPr algn="ctr"/>
+            <a:r>
+              <a:rPr lang="en-IN" sz="1400" dirty="0">
+                <a:solidFill>
+                  <a:schemeClr val="tx1"/>
+                </a:solidFill>
+              </a:rPr>
+              <a:t>Sales</a:t>
+            </a:r>
+          </a:p>
+        </p:txBody>
+      </p:sp>
+      <p:sp>
+        <p:nvSpPr>
+          <p:cNvPr id="7" name="Oval 6">
+            <a:extLst>
+              <a:ext uri="{FF2B5EF4-FFF2-40B4-BE49-F238E27FC236}">
+                <a16:creationId xmlns:a16="http://schemas.microsoft.com/office/drawing/2014/main" id="{87999191-085A-510A-13C9-A4E0B90A68B1}"/>
+              </a:ext>
+            </a:extLst>
+          </p:cNvPr>
+          <p:cNvSpPr/>
+          <p:nvPr/>
+        </p:nvSpPr>
+        <p:spPr>
+          <a:xfrm>
+            <a:off x="3580959" y="4596052"/>
+            <a:ext cx="1443318" cy="510989"/>
+          </a:xfrm>
+          <a:prstGeom prst="ellipse">
+            <a:avLst/>
+          </a:prstGeom>
+          <a:solidFill>
+            <a:schemeClr val="accent1">
+              <a:lumMod val="20000"/>
+              <a:lumOff val="80000"/>
+            </a:schemeClr>
+          </a:solidFill>
+        </p:spPr>
+        <p:style>
+          <a:lnRef idx="2">
+            <a:schemeClr val="accent1">
+              <a:shade val="15000"/>
+            </a:schemeClr>
+          </a:lnRef>
+          <a:fillRef idx="1">
+            <a:schemeClr val="accent1"/>
+          </a:fillRef>
+          <a:effectRef idx="0">
+            <a:schemeClr val="accent1"/>
+          </a:effectRef>
+          <a:fontRef idx="minor">
+            <a:schemeClr val="lt1"/>
+          </a:fontRef>
+        </p:style>
+        <p:txBody>
+          <a:bodyPr rtlCol="0" anchor="ctr"/>
+          <a:lstStyle/>
+          <a:p>
+            <a:pPr algn="ctr"/>
+            <a:r>
+              <a:rPr lang="en-IN" sz="1400" dirty="0">
+                <a:solidFill>
+                  <a:schemeClr val="tx1"/>
+                </a:solidFill>
+              </a:rPr>
+              <a:t>Base Price</a:t>
+            </a:r>
+          </a:p>
+        </p:txBody>
+      </p:sp>
+      <p:sp>
+        <p:nvSpPr>
+          <p:cNvPr id="8" name="Oval 7">
+            <a:extLst>
+              <a:ext uri="{FF2B5EF4-FFF2-40B4-BE49-F238E27FC236}">
+                <a16:creationId xmlns:a16="http://schemas.microsoft.com/office/drawing/2014/main" id="{4B6734B0-0718-853F-18EF-774BF47E796B}"/>
+              </a:ext>
+            </a:extLst>
+          </p:cNvPr>
+          <p:cNvSpPr/>
+          <p:nvPr/>
+        </p:nvSpPr>
+        <p:spPr>
+          <a:xfrm>
+            <a:off x="3597946" y="2020448"/>
+            <a:ext cx="1443318" cy="510989"/>
+          </a:xfrm>
+          <a:prstGeom prst="ellipse">
+            <a:avLst/>
+          </a:prstGeom>
+          <a:solidFill>
+            <a:schemeClr val="accent1">
+              <a:lumMod val="20000"/>
+              <a:lumOff val="80000"/>
+            </a:schemeClr>
+          </a:solidFill>
+        </p:spPr>
+        <p:style>
+          <a:lnRef idx="2">
+            <a:schemeClr val="accent1">
+              <a:shade val="15000"/>
+            </a:schemeClr>
+          </a:lnRef>
+          <a:fillRef idx="1">
+            <a:schemeClr val="accent1"/>
+          </a:fillRef>
+          <a:effectRef idx="0">
+            <a:schemeClr val="accent1"/>
+          </a:effectRef>
+          <a:fontRef idx="minor">
+            <a:schemeClr val="lt1"/>
+          </a:fontRef>
+        </p:style>
+        <p:txBody>
+          <a:bodyPr rtlCol="0" anchor="ctr"/>
+          <a:lstStyle/>
+          <a:p>
+            <a:pPr algn="ctr"/>
+            <a:r>
+              <a:rPr lang="en-IN" sz="1400" dirty="0">
+                <a:solidFill>
+                  <a:schemeClr val="tx1"/>
+                </a:solidFill>
+              </a:rPr>
+              <a:t>Year</a:t>
+            </a:r>
+          </a:p>
+        </p:txBody>
+      </p:sp>
+      <p:cxnSp>
+        <p:nvCxnSpPr>
+          <p:cNvPr id="11" name="Straight Arrow Connector 10">
+            <a:extLst>
+              <a:ext uri="{FF2B5EF4-FFF2-40B4-BE49-F238E27FC236}">
+                <a16:creationId xmlns:a16="http://schemas.microsoft.com/office/drawing/2014/main" id="{649CA92D-C919-42D8-A70F-930E6DC3EBFB}"/>
+              </a:ext>
+            </a:extLst>
+          </p:cNvPr>
+          <p:cNvCxnSpPr>
+            <a:stCxn id="7" idx="0"/>
+            <a:endCxn id="6" idx="4"/>
+          </p:cNvCxnSpPr>
+          <p:nvPr/>
+        </p:nvCxnSpPr>
+        <p:spPr>
+          <a:xfrm flipV="1">
+            <a:off x="4302618" y="3988202"/>
+            <a:ext cx="16987" cy="607850"/>
+          </a:xfrm>
+          <a:prstGeom prst="straightConnector1">
+            <a:avLst/>
+          </a:prstGeom>
+          <a:ln>
+            <a:tailEnd type="triangle"/>
+          </a:ln>
+        </p:spPr>
+        <p:style>
+          <a:lnRef idx="1">
+            <a:schemeClr val="accent1"/>
+          </a:lnRef>
+          <a:fillRef idx="0">
+            <a:schemeClr val="accent1"/>
+          </a:fillRef>
+          <a:effectRef idx="0">
+            <a:schemeClr val="accent1"/>
+          </a:effectRef>
+          <a:fontRef idx="minor">
+            <a:schemeClr val="tx1"/>
+          </a:fontRef>
+        </p:style>
+      </p:cxnSp>
+      <mc:AlternateContent xmlns:mc="http://schemas.openxmlformats.org/markup-compatibility/2006">
+        <mc:Choice xmlns:a14="http://schemas.microsoft.com/office/drawing/2010/main" Requires="a14">
+          <p:sp>
+            <p:nvSpPr>
+              <p:cNvPr id="22" name="TextBox 21">
+                <a:extLst>
+                  <a:ext uri="{FF2B5EF4-FFF2-40B4-BE49-F238E27FC236}">
+                    <a16:creationId xmlns:a16="http://schemas.microsoft.com/office/drawing/2014/main" id="{6C0E784F-2010-53F9-A248-26FBB348129A}"/>
+                  </a:ext>
+                </a:extLst>
+              </p:cNvPr>
+              <p:cNvSpPr txBox="1"/>
+              <p:nvPr/>
+            </p:nvSpPr>
+            <p:spPr>
+              <a:xfrm>
+                <a:off x="5845617" y="1691867"/>
+                <a:ext cx="5205242" cy="4592668"/>
+              </a:xfrm>
+              <a:prstGeom prst="rect">
+                <a:avLst/>
+              </a:prstGeom>
+              <a:noFill/>
+            </p:spPr>
+            <p:txBody>
+              <a:bodyPr wrap="square" rtlCol="0">
+                <a:spAutoFit/>
+              </a:bodyPr>
+              <a:lstStyle/>
+              <a:p>
+                <a:pPr/>
+                <a14:m>
+                  <m:oMathPara xmlns:m="http://schemas.openxmlformats.org/officeDocument/2006/math">
+                    <m:oMathParaPr>
+                      <m:jc m:val="left"/>
+                    </m:oMathParaPr>
+                    <m:oMath xmlns:m="http://schemas.openxmlformats.org/officeDocument/2006/math">
+                      <m:r>
+                        <m:rPr>
+                          <m:nor/>
+                        </m:rPr>
+                        <a:rPr lang="en-IN" b="0" i="0" smtClean="0">
+                          <a:latin typeface="Cambria Math" panose="02040503050406030204" pitchFamily="18" charset="0"/>
+                        </a:rPr>
+                        <m:t>Sales</m:t>
+                      </m:r>
+                      <m:d>
+                        <m:dPr>
+                          <m:ctrlPr>
+                            <a:rPr lang="en-IN" b="0" i="1" smtClean="0">
+                              <a:latin typeface="Cambria Math" panose="02040503050406030204" pitchFamily="18" charset="0"/>
+                            </a:rPr>
+                          </m:ctrlPr>
+                        </m:dPr>
+                        <m:e>
+                          <m:sSub>
+                            <m:sSubPr>
+                              <m:ctrlPr>
+                                <a:rPr lang="en-IN" b="0" i="1" smtClean="0">
+                                  <a:latin typeface="Cambria Math" panose="02040503050406030204" pitchFamily="18" charset="0"/>
+                                </a:rPr>
+                              </m:ctrlPr>
+                            </m:sSubPr>
+                            <m:e>
+                              <m:r>
+                                <a:rPr lang="en-IN" b="0" i="1" smtClean="0">
+                                  <a:latin typeface="Cambria Math" panose="02040503050406030204" pitchFamily="18" charset="0"/>
+                                </a:rPr>
+                                <m:t>𝑡</m:t>
+                              </m:r>
+                            </m:e>
+                            <m:sub>
+                              <m:r>
+                                <a:rPr lang="en-IN" b="0" i="1" smtClean="0">
+                                  <a:latin typeface="Cambria Math" panose="02040503050406030204" pitchFamily="18" charset="0"/>
+                                </a:rPr>
+                                <m:t>1</m:t>
+                              </m:r>
+                            </m:sub>
+                          </m:sSub>
+                        </m:e>
+                      </m:d>
+                    </m:oMath>
+                    <m:oMath xmlns:m="http://schemas.openxmlformats.org/officeDocument/2006/math">
+                      <m:r>
+                        <a:rPr lang="en-IN" b="0" i="1" smtClean="0">
+                          <a:latin typeface="Cambria Math" panose="02040503050406030204" pitchFamily="18" charset="0"/>
+                        </a:rPr>
+                        <m:t>=</m:t>
+                      </m:r>
+                      <m:r>
+                        <a:rPr lang="en-IN" b="0" i="1" smtClean="0">
+                          <a:latin typeface="Cambria Math" panose="02040503050406030204" pitchFamily="18" charset="0"/>
+                        </a:rPr>
+                        <m:t>𝑓</m:t>
+                      </m:r>
+                      <m:d>
+                        <m:dPr>
+                          <m:ctrlPr>
+                            <a:rPr lang="en-IN" b="0" i="1" smtClean="0">
+                              <a:latin typeface="Cambria Math" panose="02040503050406030204" pitchFamily="18" charset="0"/>
+                            </a:rPr>
+                          </m:ctrlPr>
+                        </m:dPr>
+                        <m:e>
+                          <m:eqArr>
+                            <m:eqArrPr>
+                              <m:ctrlPr>
+                                <a:rPr lang="en-IN" b="0" i="0" smtClean="0">
+                                  <a:latin typeface="Cambria Math" panose="02040503050406030204" pitchFamily="18" charset="0"/>
+                                </a:rPr>
+                              </m:ctrlPr>
+                            </m:eqArrPr>
+                            <m:e>
+                              <m:r>
+                                <m:rPr>
+                                  <m:nor/>
+                                </m:rPr>
+                                <a:rPr lang="en-IN" b="0" i="0" smtClean="0">
+                                  <a:latin typeface="Cambria Math" panose="02040503050406030204" pitchFamily="18" charset="0"/>
+                                </a:rPr>
+                                <m:t>Base</m:t>
+                              </m:r>
+                              <m:r>
+                                <m:rPr>
+                                  <m:nor/>
+                                </m:rPr>
+                                <a:rPr lang="en-IN" b="0" i="0" smtClean="0">
+                                  <a:latin typeface="Cambria Math" panose="02040503050406030204" pitchFamily="18" charset="0"/>
+                                </a:rPr>
+                                <m:t> </m:t>
+                              </m:r>
+                              <m:r>
+                                <m:rPr>
+                                  <m:nor/>
+                                </m:rPr>
+                                <a:rPr lang="en-IN" b="0" i="0" smtClean="0">
+                                  <a:latin typeface="Cambria Math" panose="02040503050406030204" pitchFamily="18" charset="0"/>
+                                </a:rPr>
+                                <m:t>Price</m:t>
+                              </m:r>
+                              <m:d>
+                                <m:dPr>
+                                  <m:ctrlPr>
+                                    <a:rPr lang="en-IN" b="0" i="1" smtClean="0">
+                                      <a:latin typeface="Cambria Math" panose="02040503050406030204" pitchFamily="18" charset="0"/>
+                                    </a:rPr>
+                                  </m:ctrlPr>
+                                </m:dPr>
+                                <m:e>
+                                  <m:sSub>
+                                    <m:sSubPr>
+                                      <m:ctrlPr>
+                                        <a:rPr lang="en-IN" b="0" i="1" smtClean="0">
+                                          <a:latin typeface="Cambria Math" panose="02040503050406030204" pitchFamily="18" charset="0"/>
+                                        </a:rPr>
+                                      </m:ctrlPr>
+                                    </m:sSubPr>
+                                    <m:e>
+                                      <m:r>
+                                        <a:rPr lang="en-IN" b="0" i="1" smtClean="0">
+                                          <a:latin typeface="Cambria Math" panose="02040503050406030204" pitchFamily="18" charset="0"/>
+                                        </a:rPr>
+                                        <m:t>𝑡</m:t>
+                                      </m:r>
+                                    </m:e>
+                                    <m:sub>
+                                      <m:r>
+                                        <a:rPr lang="en-IN" b="0" i="1" smtClean="0">
+                                          <a:latin typeface="Cambria Math" panose="02040503050406030204" pitchFamily="18" charset="0"/>
+                                        </a:rPr>
+                                        <m:t>10</m:t>
+                                      </m:r>
+                                    </m:sub>
+                                  </m:sSub>
+                                </m:e>
+                              </m:d>
+                              <m:r>
+                                <a:rPr lang="en-IN" b="0" i="1" smtClean="0">
+                                  <a:latin typeface="Cambria Math" panose="02040503050406030204" pitchFamily="18" charset="0"/>
+                                </a:rPr>
+                                <m:t>, </m:t>
+                              </m:r>
+                              <m:r>
+                                <m:rPr>
+                                  <m:nor/>
+                                </m:rPr>
+                                <a:rPr lang="en-IN" b="0" i="0" smtClean="0">
+                                  <a:latin typeface="Cambria Math" panose="02040503050406030204" pitchFamily="18" charset="0"/>
+                                </a:rPr>
+                                <m:t>Year</m:t>
+                              </m:r>
+                              <m:d>
+                                <m:dPr>
+                                  <m:ctrlPr>
+                                    <a:rPr lang="en-IN" b="0" i="1" smtClean="0">
+                                      <a:latin typeface="Cambria Math" panose="02040503050406030204" pitchFamily="18" charset="0"/>
+                                    </a:rPr>
+                                  </m:ctrlPr>
+                                </m:dPr>
+                                <m:e>
+                                  <m:sSub>
+                                    <m:sSubPr>
+                                      <m:ctrlPr>
+                                        <a:rPr lang="en-IN" b="0" i="1" smtClean="0">
+                                          <a:latin typeface="Cambria Math" panose="02040503050406030204" pitchFamily="18" charset="0"/>
+                                        </a:rPr>
+                                      </m:ctrlPr>
+                                    </m:sSubPr>
+                                    <m:e>
+                                      <m:r>
+                                        <a:rPr lang="en-IN" b="0" i="1" smtClean="0">
+                                          <a:latin typeface="Cambria Math" panose="02040503050406030204" pitchFamily="18" charset="0"/>
+                                        </a:rPr>
+                                        <m:t>𝑡</m:t>
+                                      </m:r>
+                                    </m:e>
+                                    <m:sub>
+                                      <m:r>
+                                        <a:rPr lang="en-IN" b="0" i="1" smtClean="0">
+                                          <a:latin typeface="Cambria Math" panose="02040503050406030204" pitchFamily="18" charset="0"/>
+                                        </a:rPr>
+                                        <m:t>10</m:t>
+                                      </m:r>
+                                    </m:sub>
+                                  </m:sSub>
+                                </m:e>
+                              </m:d>
+                              <m:r>
+                                <a:rPr lang="en-IN" b="0" i="1" smtClean="0">
+                                  <a:latin typeface="Cambria Math" panose="02040503050406030204" pitchFamily="18" charset="0"/>
+                                </a:rPr>
+                                <m:t>,</m:t>
+                              </m:r>
+                            </m:e>
+                            <m:e>
+                              <m:r>
+                                <m:rPr>
+                                  <m:nor/>
+                                </m:rPr>
+                                <a:rPr lang="en-IN" b="0" i="0" smtClean="0">
+                                  <a:latin typeface="Cambria Math" panose="02040503050406030204" pitchFamily="18" charset="0"/>
+                                </a:rPr>
+                                <m:t>Discount</m:t>
+                              </m:r>
+                              <m:d>
+                                <m:dPr>
+                                  <m:ctrlPr>
+                                    <a:rPr lang="en-IN" b="0" i="1" smtClean="0">
+                                      <a:latin typeface="Cambria Math" panose="02040503050406030204" pitchFamily="18" charset="0"/>
+                                    </a:rPr>
+                                  </m:ctrlPr>
+                                </m:dPr>
+                                <m:e>
+                                  <m:sSub>
+                                    <m:sSubPr>
+                                      <m:ctrlPr>
+                                        <a:rPr lang="en-IN" b="0" i="1" smtClean="0">
+                                          <a:latin typeface="Cambria Math" panose="02040503050406030204" pitchFamily="18" charset="0"/>
+                                        </a:rPr>
+                                      </m:ctrlPr>
+                                    </m:sSubPr>
+                                    <m:e>
+                                      <m:r>
+                                        <a:rPr lang="en-IN" b="0" i="1" smtClean="0">
+                                          <a:latin typeface="Cambria Math" panose="02040503050406030204" pitchFamily="18" charset="0"/>
+                                        </a:rPr>
+                                        <m:t>𝑡</m:t>
+                                      </m:r>
+                                    </m:e>
+                                    <m:sub>
+                                      <m:r>
+                                        <a:rPr lang="en-IN" b="0" i="1" smtClean="0">
+                                          <a:latin typeface="Cambria Math" panose="02040503050406030204" pitchFamily="18" charset="0"/>
+                                        </a:rPr>
+                                        <m:t>9</m:t>
+                                      </m:r>
+                                    </m:sub>
+                                  </m:sSub>
+                                </m:e>
+                              </m:d>
+                              <m:r>
+                                <a:rPr lang="en-IN" b="0" i="1" smtClean="0">
+                                  <a:latin typeface="Cambria Math" panose="02040503050406030204" pitchFamily="18" charset="0"/>
+                                </a:rPr>
+                                <m:t>, </m:t>
+                              </m:r>
+                              <m:r>
+                                <m:rPr>
+                                  <m:nor/>
+                                </m:rPr>
+                                <a:rPr lang="en-IN" b="0" i="0" smtClean="0">
+                                  <a:latin typeface="Cambria Math" panose="02040503050406030204" pitchFamily="18" charset="0"/>
+                                </a:rPr>
+                                <m:t>Sales</m:t>
+                              </m:r>
+                              <m:d>
+                                <m:dPr>
+                                  <m:ctrlPr>
+                                    <a:rPr lang="en-IN" b="0" i="1" smtClean="0">
+                                      <a:latin typeface="Cambria Math" panose="02040503050406030204" pitchFamily="18" charset="0"/>
+                                    </a:rPr>
+                                  </m:ctrlPr>
+                                </m:dPr>
+                                <m:e>
+                                  <m:sSub>
+                                    <m:sSubPr>
+                                      <m:ctrlPr>
+                                        <a:rPr lang="en-IN" b="0" i="1" smtClean="0">
+                                          <a:latin typeface="Cambria Math" panose="02040503050406030204" pitchFamily="18" charset="0"/>
+                                        </a:rPr>
+                                      </m:ctrlPr>
+                                    </m:sSubPr>
+                                    <m:e>
+                                      <m:r>
+                                        <a:rPr lang="en-IN" b="0" i="1" smtClean="0">
+                                          <a:latin typeface="Cambria Math" panose="02040503050406030204" pitchFamily="18" charset="0"/>
+                                        </a:rPr>
+                                        <m:t>𝑡</m:t>
+                                      </m:r>
+                                    </m:e>
+                                    <m:sub>
+                                      <m:r>
+                                        <a:rPr lang="en-IN" b="0" i="1" smtClean="0">
+                                          <a:latin typeface="Cambria Math" panose="02040503050406030204" pitchFamily="18" charset="0"/>
+                                        </a:rPr>
+                                        <m:t>9</m:t>
+                                      </m:r>
+                                    </m:sub>
+                                  </m:sSub>
+                                </m:e>
+                              </m:d>
+                            </m:e>
+                          </m:eqArr>
+                        </m:e>
+                      </m:d>
+                    </m:oMath>
+                  </m:oMathPara>
+                </a14:m>
+                <a:endParaRPr lang="en-IN" dirty="0"/>
+              </a:p>
+              <a:p>
+                <a:pPr/>
+                <a:endParaRPr lang="en-IN" dirty="0"/>
+              </a:p>
+              <a:p>
+                <a:pPr/>
+                <a:r>
+                  <a:rPr lang="en-IN" dirty="0"/>
+                  <a:t>The function </a:t>
+                </a:r>
+                <a14:m>
+                  <m:oMath xmlns:m="http://schemas.openxmlformats.org/officeDocument/2006/math">
+                    <m:r>
+                      <a:rPr lang="en-IN" b="0" i="1" smtClean="0">
+                        <a:latin typeface="Cambria Math" panose="02040503050406030204" pitchFamily="18" charset="0"/>
+                      </a:rPr>
+                      <m:t>𝑓</m:t>
+                    </m:r>
+                  </m:oMath>
+                </a14:m>
+                <a:r>
+                  <a:rPr lang="en-IN" dirty="0"/>
+                  <a:t> can be given any specific form according to business knowledge.</a:t>
+                </a:r>
+              </a:p>
+              <a:p>
+                <a:pPr/>
+                <a:endParaRPr lang="en-IN" dirty="0"/>
+              </a:p>
+              <a:p>
+                <a:pPr/>
+                <a:r>
+                  <a:rPr lang="en-IN" dirty="0"/>
+                  <a:t>The network structure is one level of business knowledge. The details of </a:t>
+                </a:r>
+                <a14:m>
+                  <m:oMath xmlns:m="http://schemas.openxmlformats.org/officeDocument/2006/math">
+                    <m:r>
+                      <a:rPr lang="en-IN" b="0" i="1" smtClean="0">
+                        <a:latin typeface="Cambria Math" panose="02040503050406030204" pitchFamily="18" charset="0"/>
+                      </a:rPr>
+                      <m:t>𝑓</m:t>
+                    </m:r>
+                  </m:oMath>
+                </a14:m>
+                <a:r>
+                  <a:rPr lang="en-IN" dirty="0"/>
+                  <a:t> represent another layer of business knowledge. The structure and formulation together capture the entirety of the business knowledge</a:t>
+                </a:r>
+              </a:p>
+              <a:p>
+                <a:pPr/>
+                <a:endParaRPr lang="en-IN" dirty="0"/>
+              </a:p>
+              <a:p>
+                <a:pPr/>
+                <a:r>
+                  <a:rPr lang="en-IN" dirty="0"/>
+                  <a:t>Many CPG and Retail industries would have the same network structure. But they would differ in the formulation of </a:t>
+                </a:r>
+                <a14:m>
+                  <m:oMath xmlns:m="http://schemas.openxmlformats.org/officeDocument/2006/math">
+                    <m:r>
+                      <a:rPr lang="en-IN" b="0" i="1" smtClean="0">
+                        <a:latin typeface="Cambria Math" panose="02040503050406030204" pitchFamily="18" charset="0"/>
+                      </a:rPr>
+                      <m:t>𝑓</m:t>
+                    </m:r>
+                  </m:oMath>
+                </a14:m>
+                <a:r>
+                  <a:rPr lang="en-IN" dirty="0"/>
+                  <a:t>.</a:t>
+                </a:r>
+              </a:p>
+            </p:txBody>
+          </p:sp>
+        </mc:Choice>
+        <mc:Fallback>
+          <p:sp>
+            <p:nvSpPr>
+              <p:cNvPr id="22" name="TextBox 21">
+                <a:extLst>
+                  <a:ext uri="{FF2B5EF4-FFF2-40B4-BE49-F238E27FC236}">
+                    <a16:creationId xmlns:a16="http://schemas.microsoft.com/office/drawing/2014/main" id="{6C0E784F-2010-53F9-A248-26FBB348129A}"/>
+                  </a:ext>
+                </a:extLst>
+              </p:cNvPr>
+              <p:cNvSpPr txBox="1">
+                <a:spLocks noRot="1" noChangeAspect="1" noMove="1" noResize="1" noEditPoints="1" noAdjustHandles="1" noChangeArrowheads="1" noChangeShapeType="1" noTextEdit="1"/>
+              </p:cNvSpPr>
+              <p:nvPr/>
+            </p:nvSpPr>
+            <p:spPr>
+              <a:xfrm>
+                <a:off x="5845617" y="1691867"/>
+                <a:ext cx="5205242" cy="4592668"/>
+              </a:xfrm>
+              <a:prstGeom prst="rect">
+                <a:avLst/>
+              </a:prstGeom>
+              <a:blipFill>
+                <a:blip r:embed="rId2"/>
+                <a:stretch>
+                  <a:fillRect l="-1054" r="-1639" b="-1195"/>
+                </a:stretch>
+              </a:blipFill>
+            </p:spPr>
+            <p:txBody>
+              <a:bodyPr/>
+              <a:lstStyle/>
+              <a:p>
+                <a:r>
+                  <a:rPr lang="en-IN">
+                    <a:noFill/>
+                  </a:rPr>
+                  <a:t> </a:t>
+                </a:r>
+              </a:p>
+            </p:txBody>
+          </p:sp>
+        </mc:Fallback>
+      </mc:AlternateContent>
+      <p:cxnSp>
+        <p:nvCxnSpPr>
+          <p:cNvPr id="27" name="Straight Arrow Connector 26">
+            <a:extLst>
+              <a:ext uri="{FF2B5EF4-FFF2-40B4-BE49-F238E27FC236}">
+                <a16:creationId xmlns:a16="http://schemas.microsoft.com/office/drawing/2014/main" id="{E57D2452-6D4A-FDAD-37A0-CC977AE3509C}"/>
+              </a:ext>
+            </a:extLst>
+          </p:cNvPr>
+          <p:cNvCxnSpPr>
+            <a:stCxn id="4" idx="6"/>
+            <a:endCxn id="6" idx="2"/>
+          </p:cNvCxnSpPr>
+          <p:nvPr/>
+        </p:nvCxnSpPr>
+        <p:spPr>
+          <a:xfrm>
+            <a:off x="1751217" y="3732707"/>
+            <a:ext cx="1846729" cy="1"/>
+          </a:xfrm>
+          <a:prstGeom prst="straightConnector1">
+            <a:avLst/>
+          </a:prstGeom>
+          <a:ln>
+            <a:tailEnd type="triangle"/>
+          </a:ln>
+        </p:spPr>
+        <p:style>
+          <a:lnRef idx="1">
+            <a:schemeClr val="accent1"/>
+          </a:lnRef>
+          <a:fillRef idx="0">
+            <a:schemeClr val="accent1"/>
+          </a:fillRef>
+          <a:effectRef idx="0">
+            <a:schemeClr val="accent1"/>
+          </a:effectRef>
+          <a:fontRef idx="minor">
+            <a:schemeClr val="tx1"/>
+          </a:fontRef>
+        </p:style>
+      </p:cxnSp>
+      <p:cxnSp>
+        <p:nvCxnSpPr>
+          <p:cNvPr id="30" name="Straight Arrow Connector 29">
+            <a:extLst>
+              <a:ext uri="{FF2B5EF4-FFF2-40B4-BE49-F238E27FC236}">
+                <a16:creationId xmlns:a16="http://schemas.microsoft.com/office/drawing/2014/main" id="{D5EC72A2-42D9-B656-DE4A-08F261D6C337}"/>
+              </a:ext>
+            </a:extLst>
+          </p:cNvPr>
+          <p:cNvCxnSpPr>
+            <a:cxnSpLocks/>
+            <a:stCxn id="3" idx="6"/>
+            <a:endCxn id="6" idx="3"/>
+          </p:cNvCxnSpPr>
+          <p:nvPr/>
+        </p:nvCxnSpPr>
+        <p:spPr>
+          <a:xfrm flipV="1">
+            <a:off x="1840426" y="3913369"/>
+            <a:ext cx="1968889" cy="938178"/>
+          </a:xfrm>
+          <a:prstGeom prst="straightConnector1">
+            <a:avLst/>
+          </a:prstGeom>
+          <a:ln>
+            <a:tailEnd type="triangle"/>
+          </a:ln>
+        </p:spPr>
+        <p:style>
+          <a:lnRef idx="1">
+            <a:schemeClr val="accent1"/>
+          </a:lnRef>
+          <a:fillRef idx="0">
+            <a:schemeClr val="accent1"/>
+          </a:fillRef>
+          <a:effectRef idx="0">
+            <a:schemeClr val="accent1"/>
+          </a:effectRef>
+          <a:fontRef idx="minor">
+            <a:schemeClr val="tx1"/>
+          </a:fontRef>
+        </p:style>
+      </p:cxnSp>
+      <p:cxnSp>
+        <p:nvCxnSpPr>
+          <p:cNvPr id="33" name="Straight Arrow Connector 32">
+            <a:extLst>
+              <a:ext uri="{FF2B5EF4-FFF2-40B4-BE49-F238E27FC236}">
+                <a16:creationId xmlns:a16="http://schemas.microsoft.com/office/drawing/2014/main" id="{36420EAB-477B-1D49-B644-018C7A9AC992}"/>
+              </a:ext>
+            </a:extLst>
+          </p:cNvPr>
+          <p:cNvCxnSpPr>
+            <a:stCxn id="8" idx="4"/>
+            <a:endCxn id="6" idx="0"/>
+          </p:cNvCxnSpPr>
+          <p:nvPr/>
+        </p:nvCxnSpPr>
+        <p:spPr>
+          <a:xfrm>
+            <a:off x="4319605" y="2531437"/>
+            <a:ext cx="0" cy="945776"/>
+          </a:xfrm>
+          <a:prstGeom prst="straightConnector1">
+            <a:avLst/>
+          </a:prstGeom>
+          <a:ln>
+            <a:tailEnd type="triangle"/>
+          </a:ln>
+        </p:spPr>
+        <p:style>
+          <a:lnRef idx="1">
+            <a:schemeClr val="accent1"/>
+          </a:lnRef>
+          <a:fillRef idx="0">
+            <a:schemeClr val="accent1"/>
+          </a:fillRef>
+          <a:effectRef idx="0">
+            <a:schemeClr val="accent1"/>
+          </a:effectRef>
+          <a:fontRef idx="minor">
+            <a:schemeClr val="tx1"/>
+          </a:fontRef>
+        </p:style>
+      </p:cxnSp>
+      <p:sp>
+        <p:nvSpPr>
+          <p:cNvPr id="40" name="TextBox 39">
+            <a:extLst>
+              <a:ext uri="{FF2B5EF4-FFF2-40B4-BE49-F238E27FC236}">
+                <a16:creationId xmlns:a16="http://schemas.microsoft.com/office/drawing/2014/main" id="{C62F7C1E-C0DD-417C-F374-92EC7F4043B3}"/>
+              </a:ext>
+            </a:extLst>
+          </p:cNvPr>
+          <p:cNvSpPr txBox="1"/>
+          <p:nvPr/>
+        </p:nvSpPr>
+        <p:spPr>
+          <a:xfrm>
+            <a:off x="307899" y="267629"/>
+            <a:ext cx="11679662" cy="769441"/>
+          </a:xfrm>
+          <a:prstGeom prst="rect">
+            <a:avLst/>
+          </a:prstGeom>
+          <a:noFill/>
         </p:spPr>
         <p:txBody>
-          <a:bodyPr/>
+          <a:bodyPr wrap="square" rtlCol="0">
+            <a:spAutoFit/>
+          </a:bodyPr>
           <a:lstStyle/>
           <a:p>
             <a:r>
-              <a:rPr lang="en-US" dirty="0"/>
-              <a:t>The DBN Generator generates the data according to a given setting.</a:t>
-            </a:r>
-          </a:p>
-          <a:p>
-            <a:r>
-              <a:rPr lang="en-US" dirty="0"/>
-              <a:t>It allows continuous generation of new data which is used for testing forecast quality.</a:t>
-            </a:r>
-          </a:p>
-          <a:p>
-            <a:r>
-              <a:rPr lang="en-US" dirty="0"/>
-              <a:t>A compete knowledge of the data generating mechanism allows calculation of original contributions which is tallied against those from model output.</a:t>
-            </a:r>
-            <a:endParaRPr lang="en-IN" dirty="0"/>
+              <a:rPr lang="en-IN" sz="4400" dirty="0">
+                <a:latin typeface="+mj-lt"/>
+              </a:rPr>
+              <a:t>Sample Data Generation for a Node</a:t>
+            </a:r>
           </a:p>
         </p:txBody>
       </p:sp>
     </p:spTree>
     <p:extLst>
       <p:ext uri="{BB962C8B-B14F-4D97-AF65-F5344CB8AC3E}">
-        <p14:creationId xmlns:p14="http://schemas.microsoft.com/office/powerpoint/2010/main" val="115357806"/>
+        <p14:creationId xmlns:p14="http://schemas.microsoft.com/office/powerpoint/2010/main" val="1672295924"/>
       </p:ext>
     </p:extLst>
   </p:cSld>
@@ -7557,12 +7782,97 @@
           <a:chExt cx="0" cy="0"/>
         </a:xfrm>
       </p:grpSpPr>
+      <mc:AlternateContent xmlns:mc="http://schemas.openxmlformats.org/markup-compatibility/2006">
+        <mc:Choice xmlns:a14="http://schemas.microsoft.com/office/drawing/2010/main" Requires="a14">
+          <p:sp>
+            <p:nvSpPr>
+              <p:cNvPr id="2" name="Title 1">
+                <a:extLst>
+                  <a:ext uri="{FF2B5EF4-FFF2-40B4-BE49-F238E27FC236}">
+                    <a16:creationId xmlns:a16="http://schemas.microsoft.com/office/drawing/2014/main" id="{565C6378-C4CB-CAB0-ACB8-0C99D8736E58}"/>
+                  </a:ext>
+                </a:extLst>
+              </p:cNvPr>
+              <p:cNvSpPr>
+                <a:spLocks noGrp="1"/>
+              </p:cNvSpPr>
+              <p:nvPr>
+                <p:ph type="title"/>
+              </p:nvPr>
+            </p:nvSpPr>
+            <p:spPr/>
+            <p:txBody>
+              <a:bodyPr/>
+              <a:lstStyle/>
+              <a:p>
+                <a:r>
+                  <a:rPr lang="en-US" dirty="0"/>
+                  <a:t>How formulation of </a:t>
+                </a:r>
+                <a14:m>
+                  <m:oMath xmlns:m="http://schemas.openxmlformats.org/officeDocument/2006/math">
+                    <m:r>
+                      <a:rPr lang="en-IN" b="0" i="1" smtClean="0">
+                        <a:latin typeface="Cambria Math" panose="02040503050406030204" pitchFamily="18" charset="0"/>
+                      </a:rPr>
+                      <m:t>𝑓</m:t>
+                    </m:r>
+                  </m:oMath>
+                </a14:m>
+                <a:r>
+                  <a:rPr lang="en-US" dirty="0"/>
+                  <a:t> is motivated – an example</a:t>
+                </a:r>
+              </a:p>
+            </p:txBody>
+          </p:sp>
+        </mc:Choice>
+        <mc:Fallback>
+          <p:sp>
+            <p:nvSpPr>
+              <p:cNvPr id="2" name="Title 1">
+                <a:extLst>
+                  <a:ext uri="{FF2B5EF4-FFF2-40B4-BE49-F238E27FC236}">
+                    <a16:creationId xmlns:a16="http://schemas.microsoft.com/office/drawing/2014/main" id="{565C6378-C4CB-CAB0-ACB8-0C99D8736E58}"/>
+                  </a:ext>
+                </a:extLst>
+              </p:cNvPr>
+              <p:cNvSpPr>
+                <a:spLocks noGrp="1" noRot="1" noChangeAspect="1" noMove="1" noResize="1" noEditPoints="1" noAdjustHandles="1" noChangeArrowheads="1" noChangeShapeType="1" noTextEdit="1"/>
+              </p:cNvSpPr>
+              <p:nvPr>
+                <p:ph type="title"/>
+              </p:nvPr>
+            </p:nvSpPr>
+            <p:spPr>
+              <a:blipFill>
+                <a:blip r:embed="rId2"/>
+                <a:stretch>
+                  <a:fillRect l="-2377" t="-13364" b="-21198"/>
+                </a:stretch>
+              </a:blipFill>
+            </p:spPr>
+            <p:txBody>
+              <a:bodyPr/>
+              <a:lstStyle/>
+              <a:p>
+                <a:r>
+                  <a:rPr lang="en-IN">
+                    <a:noFill/>
+                  </a:rPr>
+                  <a:t> </a:t>
+                </a:r>
+              </a:p>
+            </p:txBody>
+          </p:sp>
+        </mc:Fallback>
+      </mc:AlternateContent>
       <p:sp>
         <p:nvSpPr>
-          <p:cNvPr id="2" name="Title 1">
-            <a:extLst>
-              <a:ext uri="{FF2B5EF4-FFF2-40B4-BE49-F238E27FC236}">
-                <a16:creationId xmlns:a16="http://schemas.microsoft.com/office/drawing/2014/main" id="{6990AFC1-E7E7-D91C-2DE0-067A6F856319}"/>
+          <p:cNvPr id="7" name="Text Placeholder 6">
+            <a:extLst>
+              <a:ext uri="{FF2B5EF4-FFF2-40B4-BE49-F238E27FC236}">
+                <a16:creationId xmlns:a16="http://schemas.microsoft.com/office/drawing/2014/main" id="{BEACA91F-1517-7996-36BE-83C562BEB0F7}"/>
               </a:ext>
             </a:extLst>
           </p:cNvPr>
@@ -7570,120 +7880,1267 @@
             <a:spLocks noGrp="1"/>
           </p:cNvSpPr>
           <p:nvPr>
-            <p:ph type="title"/>
+            <p:ph type="body" sz="quarter" idx="3"/>
+          </p:nvPr>
+        </p:nvSpPr>
+        <p:spPr>
+          <a:xfrm>
+            <a:off x="6172200" y="1681163"/>
+            <a:ext cx="5183188" cy="604837"/>
+          </a:xfrm>
+        </p:spPr>
+        <p:txBody>
+          <a:bodyPr/>
+          <a:lstStyle/>
+          <a:p>
+            <a:r>
+              <a:rPr lang="en-IN" dirty="0"/>
+              <a:t>Mathematical Formulation</a:t>
+            </a:r>
+          </a:p>
+        </p:txBody>
+      </p:sp>
+      <mc:AlternateContent xmlns:mc="http://schemas.openxmlformats.org/markup-compatibility/2006">
+        <mc:Choice xmlns:a14="http://schemas.microsoft.com/office/drawing/2010/main" Requires="a14">
+          <p:sp>
+            <p:nvSpPr>
+              <p:cNvPr id="5" name="Content Placeholder 4">
+                <a:extLst>
+                  <a:ext uri="{FF2B5EF4-FFF2-40B4-BE49-F238E27FC236}">
+                    <a16:creationId xmlns:a16="http://schemas.microsoft.com/office/drawing/2014/main" id="{55DCB47E-F086-3B58-5E6D-09217A0F001A}"/>
+                  </a:ext>
+                </a:extLst>
+              </p:cNvPr>
+              <p:cNvSpPr>
+                <a:spLocks noGrp="1"/>
+              </p:cNvSpPr>
+              <p:nvPr>
+                <p:ph sz="quarter" idx="4"/>
+              </p:nvPr>
+            </p:nvSpPr>
+            <p:spPr/>
+            <p:txBody>
+              <a:bodyPr>
+                <a:normAutofit lnSpcReduction="10000"/>
+              </a:bodyPr>
+              <a:lstStyle/>
+              <a:p>
+                <a:pPr marL="514350" indent="-514350">
+                  <a:buFont typeface="+mj-lt"/>
+                  <a:buAutoNum type="arabicPeriod"/>
+                </a:pPr>
+                <a14:m>
+                  <m:oMath xmlns:m="http://schemas.openxmlformats.org/officeDocument/2006/math">
+                    <m:r>
+                      <m:rPr>
+                        <m:nor/>
+                      </m:rPr>
+                      <a:rPr lang="en-IN" sz="1400" smtClean="0">
+                        <a:latin typeface="Cambria Math" panose="02040503050406030204" pitchFamily="18" charset="0"/>
+                      </a:rPr>
+                      <m:t>Baseline</m:t>
+                    </m:r>
+                    <m:r>
+                      <m:rPr>
+                        <m:nor/>
+                      </m:rPr>
+                      <a:rPr lang="en-IN" sz="1400" smtClean="0">
+                        <a:latin typeface="Cambria Math" panose="02040503050406030204" pitchFamily="18" charset="0"/>
+                      </a:rPr>
+                      <m:t> </m:t>
+                    </m:r>
+                    <m:r>
+                      <m:rPr>
+                        <m:nor/>
+                      </m:rPr>
+                      <a:rPr lang="en-IN" sz="1400" smtClean="0">
+                        <a:latin typeface="Cambria Math" panose="02040503050406030204" pitchFamily="18" charset="0"/>
+                      </a:rPr>
+                      <m:t>Sales</m:t>
+                    </m:r>
+                    <m:r>
+                      <a:rPr lang="en-IN" sz="1400" i="1">
+                        <a:latin typeface="Cambria Math" panose="02040503050406030204" pitchFamily="18" charset="0"/>
+                      </a:rPr>
+                      <m:t>=2000</m:t>
+                    </m:r>
+                  </m:oMath>
+                </a14:m>
+                <a:endParaRPr lang="en-IN" sz="1400" dirty="0"/>
+              </a:p>
+              <a:p>
+                <a:pPr marL="514350" indent="-514350">
+                  <a:buFont typeface="+mj-lt"/>
+                  <a:buAutoNum type="arabicPeriod"/>
+                </a:pPr>
+                <a:r>
+                  <a:rPr lang="en-IN" sz="1400" dirty="0"/>
+                  <a:t>Gaussian around the baseline sales. </a:t>
+                </a:r>
+                <a14:m>
+                  <m:oMath xmlns:m="http://schemas.openxmlformats.org/officeDocument/2006/math">
+                    <m:r>
+                      <a:rPr lang="en-IN" sz="1400" i="1">
+                        <a:latin typeface="Cambria Math" panose="02040503050406030204" pitchFamily="18" charset="0"/>
+                        <a:ea typeface="Cambria Math" panose="02040503050406030204" pitchFamily="18" charset="0"/>
+                      </a:rPr>
+                      <m:t>𝒩</m:t>
+                    </m:r>
+                    <m:d>
+                      <m:dPr>
+                        <m:ctrlPr>
+                          <a:rPr lang="en-IN" sz="1400" i="1">
+                            <a:latin typeface="Cambria Math" panose="02040503050406030204" pitchFamily="18" charset="0"/>
+                            <a:ea typeface="Cambria Math" panose="02040503050406030204" pitchFamily="18" charset="0"/>
+                          </a:rPr>
+                        </m:ctrlPr>
+                      </m:dPr>
+                      <m:e>
+                        <m:eqArr>
+                          <m:eqArrPr>
+                            <m:ctrlPr>
+                              <a:rPr lang="en-IN" sz="1400" i="1">
+                                <a:latin typeface="Cambria Math" panose="02040503050406030204" pitchFamily="18" charset="0"/>
+                                <a:ea typeface="Cambria Math" panose="02040503050406030204" pitchFamily="18" charset="0"/>
+                              </a:rPr>
+                            </m:ctrlPr>
+                          </m:eqArrPr>
+                          <m:e>
+                            <m:r>
+                              <a:rPr lang="en-IN" sz="1400" i="1">
+                                <a:latin typeface="Cambria Math" panose="02040503050406030204" pitchFamily="18" charset="0"/>
+                                <a:ea typeface="Cambria Math" panose="02040503050406030204" pitchFamily="18" charset="0"/>
+                              </a:rPr>
+                              <m:t>𝜇</m:t>
+                            </m:r>
+                            <m:r>
+                              <a:rPr lang="en-IN" sz="1400" i="1">
+                                <a:latin typeface="Cambria Math" panose="02040503050406030204" pitchFamily="18" charset="0"/>
+                                <a:ea typeface="Cambria Math" panose="02040503050406030204" pitchFamily="18" charset="0"/>
+                              </a:rPr>
+                              <m:t>=</m:t>
+                            </m:r>
+                            <m:r>
+                              <m:rPr>
+                                <m:nor/>
+                              </m:rPr>
+                              <a:rPr lang="en-IN" sz="1400">
+                                <a:latin typeface="Cambria Math" panose="02040503050406030204" pitchFamily="18" charset="0"/>
+                                <a:ea typeface="Cambria Math" panose="02040503050406030204" pitchFamily="18" charset="0"/>
+                              </a:rPr>
+                              <m:t>Baseline</m:t>
+                            </m:r>
+                            <m:r>
+                              <m:rPr>
+                                <m:nor/>
+                              </m:rPr>
+                              <a:rPr lang="en-IN" sz="1400">
+                                <a:latin typeface="Cambria Math" panose="02040503050406030204" pitchFamily="18" charset="0"/>
+                                <a:ea typeface="Cambria Math" panose="02040503050406030204" pitchFamily="18" charset="0"/>
+                              </a:rPr>
+                              <m:t> </m:t>
+                            </m:r>
+                            <m:r>
+                              <m:rPr>
+                                <m:nor/>
+                              </m:rPr>
+                              <a:rPr lang="en-IN" sz="1400">
+                                <a:latin typeface="Cambria Math" panose="02040503050406030204" pitchFamily="18" charset="0"/>
+                                <a:ea typeface="Cambria Math" panose="02040503050406030204" pitchFamily="18" charset="0"/>
+                              </a:rPr>
+                              <m:t>Sales</m:t>
+                            </m:r>
+                            <m:r>
+                              <a:rPr lang="en-IN" sz="1400" i="1">
+                                <a:latin typeface="Cambria Math" panose="02040503050406030204" pitchFamily="18" charset="0"/>
+                                <a:ea typeface="Cambria Math" panose="02040503050406030204" pitchFamily="18" charset="0"/>
+                              </a:rPr>
+                              <m:t>,</m:t>
+                            </m:r>
+                            <m:r>
+                              <a:rPr lang="en-IN" sz="1400" i="1">
+                                <a:latin typeface="Cambria Math" panose="02040503050406030204" pitchFamily="18" charset="0"/>
+                                <a:ea typeface="Cambria Math" panose="02040503050406030204" pitchFamily="18" charset="0"/>
+                              </a:rPr>
+                              <m:t>𝜎</m:t>
+                            </m:r>
+                            <m:r>
+                              <a:rPr lang="en-IN" sz="1400" i="1">
+                                <a:latin typeface="Cambria Math" panose="02040503050406030204" pitchFamily="18" charset="0"/>
+                                <a:ea typeface="Cambria Math" panose="02040503050406030204" pitchFamily="18" charset="0"/>
+                              </a:rPr>
+                              <m:t>=100</m:t>
+                            </m:r>
+                          </m:e>
+                        </m:eqArr>
+                      </m:e>
+                    </m:d>
+                  </m:oMath>
+                </a14:m>
+                <a:endParaRPr lang="en-IN" sz="1400" i="1" dirty="0">
+                  <a:latin typeface="Cambria Math" panose="02040503050406030204" pitchFamily="18" charset="0"/>
+                  <a:ea typeface="Cambria Math" panose="02040503050406030204" pitchFamily="18" charset="0"/>
+                </a:endParaRPr>
+              </a:p>
+              <a:p>
+                <a:pPr marL="514350" indent="-514350">
+                  <a:buFont typeface="+mj-lt"/>
+                  <a:buAutoNum type="arabicPeriod"/>
+                </a:pPr>
+                <a:r>
+                  <a:rPr lang="en-IN" sz="1400" dirty="0">
+                    <a:ea typeface="Cambria Math" panose="02040503050406030204" pitchFamily="18" charset="0"/>
+                  </a:rPr>
+                  <a:t>Linear gaussian with negative slope. The threshold price is 10. </a:t>
+                </a:r>
+                <a14:m>
+                  <m:oMath xmlns:m="http://schemas.openxmlformats.org/officeDocument/2006/math">
+                    <m:r>
+                      <a:rPr lang="en-IN" sz="1400" i="1">
+                        <a:latin typeface="Cambria Math" panose="02040503050406030204" pitchFamily="18" charset="0"/>
+                        <a:ea typeface="Cambria Math" panose="02040503050406030204" pitchFamily="18" charset="0"/>
+                      </a:rPr>
+                      <m:t>𝒩</m:t>
+                    </m:r>
+                    <m:d>
+                      <m:dPr>
+                        <m:ctrlPr>
+                          <a:rPr lang="en-IN" sz="1400" i="1">
+                            <a:latin typeface="Cambria Math" panose="02040503050406030204" pitchFamily="18" charset="0"/>
+                            <a:ea typeface="Cambria Math" panose="02040503050406030204" pitchFamily="18" charset="0"/>
+                          </a:rPr>
+                        </m:ctrlPr>
+                      </m:dPr>
+                      <m:e>
+                        <m:eqArr>
+                          <m:eqArrPr>
+                            <m:ctrlPr>
+                              <a:rPr lang="en-IN" sz="1400" i="1">
+                                <a:latin typeface="Cambria Math" panose="02040503050406030204" pitchFamily="18" charset="0"/>
+                                <a:ea typeface="Cambria Math" panose="02040503050406030204" pitchFamily="18" charset="0"/>
+                              </a:rPr>
+                            </m:ctrlPr>
+                          </m:eqArrPr>
+                          <m:e>
+                            <m:r>
+                              <a:rPr lang="en-IN" sz="1400" i="1">
+                                <a:latin typeface="Cambria Math" panose="02040503050406030204" pitchFamily="18" charset="0"/>
+                                <a:ea typeface="Cambria Math" panose="02040503050406030204" pitchFamily="18" charset="0"/>
+                              </a:rPr>
+                              <m:t>𝜇</m:t>
+                            </m:r>
+                            <m:r>
+                              <a:rPr lang="en-IN" sz="1400" i="1">
+                                <a:latin typeface="Cambria Math" panose="02040503050406030204" pitchFamily="18" charset="0"/>
+                                <a:ea typeface="Cambria Math" panose="02040503050406030204" pitchFamily="18" charset="0"/>
+                              </a:rPr>
+                              <m:t>=−50×</m:t>
+                            </m:r>
+                            <m:d>
+                              <m:dPr>
+                                <m:begChr m:val="{"/>
+                                <m:endChr m:val="}"/>
+                                <m:ctrlPr>
+                                  <a:rPr lang="en-IN" sz="1400" i="1">
+                                    <a:latin typeface="Cambria Math" panose="02040503050406030204" pitchFamily="18" charset="0"/>
+                                    <a:ea typeface="Cambria Math" panose="02040503050406030204" pitchFamily="18" charset="0"/>
+                                  </a:rPr>
+                                </m:ctrlPr>
+                              </m:dPr>
+                              <m:e>
+                                <m:r>
+                                  <m:rPr>
+                                    <m:nor/>
+                                  </m:rPr>
+                                  <a:rPr lang="en-IN" sz="1400">
+                                    <a:latin typeface="Cambria Math" panose="02040503050406030204" pitchFamily="18" charset="0"/>
+                                    <a:ea typeface="Cambria Math" panose="02040503050406030204" pitchFamily="18" charset="0"/>
+                                  </a:rPr>
+                                  <m:t>Base</m:t>
+                                </m:r>
+                                <m:r>
+                                  <m:rPr>
+                                    <m:nor/>
+                                  </m:rPr>
+                                  <a:rPr lang="en-IN" sz="1400">
+                                    <a:latin typeface="Cambria Math" panose="02040503050406030204" pitchFamily="18" charset="0"/>
+                                    <a:ea typeface="Cambria Math" panose="02040503050406030204" pitchFamily="18" charset="0"/>
+                                  </a:rPr>
+                                  <m:t> </m:t>
+                                </m:r>
+                                <m:r>
+                                  <m:rPr>
+                                    <m:nor/>
+                                  </m:rPr>
+                                  <a:rPr lang="en-IN" sz="1400">
+                                    <a:latin typeface="Cambria Math" panose="02040503050406030204" pitchFamily="18" charset="0"/>
+                                    <a:ea typeface="Cambria Math" panose="02040503050406030204" pitchFamily="18" charset="0"/>
+                                  </a:rPr>
+                                  <m:t>Price</m:t>
+                                </m:r>
+                                <m:d>
+                                  <m:dPr>
+                                    <m:ctrlPr>
+                                      <a:rPr lang="en-IN" sz="1400" i="1">
+                                        <a:latin typeface="Cambria Math" panose="02040503050406030204" pitchFamily="18" charset="0"/>
+                                        <a:ea typeface="Cambria Math" panose="02040503050406030204" pitchFamily="18" charset="0"/>
+                                      </a:rPr>
+                                    </m:ctrlPr>
+                                  </m:dPr>
+                                  <m:e>
+                                    <m:sSub>
+                                      <m:sSubPr>
+                                        <m:ctrlPr>
+                                          <a:rPr lang="en-IN" sz="1400" i="1">
+                                            <a:latin typeface="Cambria Math" panose="02040503050406030204" pitchFamily="18" charset="0"/>
+                                            <a:ea typeface="Cambria Math" panose="02040503050406030204" pitchFamily="18" charset="0"/>
+                                          </a:rPr>
+                                        </m:ctrlPr>
+                                      </m:sSubPr>
+                                      <m:e>
+                                        <m:r>
+                                          <a:rPr lang="en-IN" sz="1400" i="1">
+                                            <a:latin typeface="Cambria Math" panose="02040503050406030204" pitchFamily="18" charset="0"/>
+                                            <a:ea typeface="Cambria Math" panose="02040503050406030204" pitchFamily="18" charset="0"/>
+                                          </a:rPr>
+                                          <m:t>𝑡</m:t>
+                                        </m:r>
+                                      </m:e>
+                                      <m:sub>
+                                        <m:r>
+                                          <a:rPr lang="en-IN" sz="1400" i="1">
+                                            <a:latin typeface="Cambria Math" panose="02040503050406030204" pitchFamily="18" charset="0"/>
+                                            <a:ea typeface="Cambria Math" panose="02040503050406030204" pitchFamily="18" charset="0"/>
+                                          </a:rPr>
+                                          <m:t>10</m:t>
+                                        </m:r>
+                                      </m:sub>
+                                    </m:sSub>
+                                  </m:e>
+                                </m:d>
+                                <m:r>
+                                  <a:rPr lang="en-IN" sz="1400" i="1">
+                                    <a:latin typeface="Cambria Math" panose="02040503050406030204" pitchFamily="18" charset="0"/>
+                                    <a:ea typeface="Cambria Math" panose="02040503050406030204" pitchFamily="18" charset="0"/>
+                                  </a:rPr>
+                                  <m:t>−10</m:t>
+                                </m:r>
+                              </m:e>
+                            </m:d>
+                            <m:r>
+                              <a:rPr lang="en-IN" sz="1400" i="1">
+                                <a:latin typeface="Cambria Math" panose="02040503050406030204" pitchFamily="18" charset="0"/>
+                                <a:ea typeface="Cambria Math" panose="02040503050406030204" pitchFamily="18" charset="0"/>
+                              </a:rPr>
+                              <m:t>,</m:t>
+                            </m:r>
+                            <m:r>
+                              <a:rPr lang="en-IN" sz="1400" i="1">
+                                <a:latin typeface="Cambria Math" panose="02040503050406030204" pitchFamily="18" charset="0"/>
+                                <a:ea typeface="Cambria Math" panose="02040503050406030204" pitchFamily="18" charset="0"/>
+                              </a:rPr>
+                              <m:t>𝜎</m:t>
+                            </m:r>
+                            <m:r>
+                              <a:rPr lang="en-IN" sz="1400" i="1">
+                                <a:latin typeface="Cambria Math" panose="02040503050406030204" pitchFamily="18" charset="0"/>
+                                <a:ea typeface="Cambria Math" panose="02040503050406030204" pitchFamily="18" charset="0"/>
+                              </a:rPr>
+                              <m:t>=10</m:t>
+                            </m:r>
+                          </m:e>
+                        </m:eqArr>
+                      </m:e>
+                    </m:d>
+                  </m:oMath>
+                </a14:m>
+                <a:r>
+                  <a:rPr lang="en-IN" sz="1400" dirty="0"/>
+                  <a:t>.</a:t>
+                </a:r>
+              </a:p>
+              <a:p>
+                <a:pPr marL="514350" indent="-514350">
+                  <a:buFont typeface="+mj-lt"/>
+                  <a:buAutoNum type="arabicPeriod"/>
+                </a:pPr>
+                <a:r>
+                  <a:rPr lang="en-IN" sz="1400" dirty="0"/>
+                  <a:t>Gaussian distribution around the logarithmic pattern. </a:t>
+                </a:r>
+                <a14:m>
+                  <m:oMath xmlns:m="http://schemas.openxmlformats.org/officeDocument/2006/math">
+                    <m:r>
+                      <a:rPr lang="en-IN" sz="1400" i="1">
+                        <a:latin typeface="Cambria Math" panose="02040503050406030204" pitchFamily="18" charset="0"/>
+                        <a:ea typeface="Cambria Math" panose="02040503050406030204" pitchFamily="18" charset="0"/>
+                      </a:rPr>
+                      <m:t>𝒩</m:t>
+                    </m:r>
+                    <m:d>
+                      <m:dPr>
+                        <m:ctrlPr>
+                          <a:rPr lang="en-IN" sz="1400" i="1">
+                            <a:latin typeface="Cambria Math" panose="02040503050406030204" pitchFamily="18" charset="0"/>
+                            <a:ea typeface="Cambria Math" panose="02040503050406030204" pitchFamily="18" charset="0"/>
+                          </a:rPr>
+                        </m:ctrlPr>
+                      </m:dPr>
+                      <m:e>
+                        <m:eqArr>
+                          <m:eqArrPr>
+                            <m:ctrlPr>
+                              <a:rPr lang="en-IN" sz="1400" i="1">
+                                <a:latin typeface="Cambria Math" panose="02040503050406030204" pitchFamily="18" charset="0"/>
+                                <a:ea typeface="Cambria Math" panose="02040503050406030204" pitchFamily="18" charset="0"/>
+                              </a:rPr>
+                            </m:ctrlPr>
+                          </m:eqArrPr>
+                          <m:e>
+                            <m:r>
+                              <a:rPr lang="en-IN" sz="1400" i="1">
+                                <a:latin typeface="Cambria Math" panose="02040503050406030204" pitchFamily="18" charset="0"/>
+                                <a:ea typeface="Cambria Math" panose="02040503050406030204" pitchFamily="18" charset="0"/>
+                              </a:rPr>
+                              <m:t>𝜇</m:t>
+                            </m:r>
+                            <m:r>
+                              <a:rPr lang="en-IN" sz="1400" i="1">
+                                <a:latin typeface="Cambria Math" panose="02040503050406030204" pitchFamily="18" charset="0"/>
+                                <a:ea typeface="Cambria Math" panose="02040503050406030204" pitchFamily="18" charset="0"/>
+                              </a:rPr>
+                              <m:t>=1.7×</m:t>
+                            </m:r>
+                            <m:func>
+                              <m:funcPr>
+                                <m:ctrlPr>
+                                  <a:rPr lang="en-IN" sz="1400" i="1">
+                                    <a:latin typeface="Cambria Math" panose="02040503050406030204" pitchFamily="18" charset="0"/>
+                                    <a:ea typeface="Cambria Math" panose="02040503050406030204" pitchFamily="18" charset="0"/>
+                                  </a:rPr>
+                                </m:ctrlPr>
+                              </m:funcPr>
+                              <m:fName>
+                                <m:r>
+                                  <m:rPr>
+                                    <m:sty m:val="p"/>
+                                  </m:rPr>
+                                  <a:rPr lang="en-IN" sz="1400">
+                                    <a:latin typeface="Cambria Math" panose="02040503050406030204" pitchFamily="18" charset="0"/>
+                                    <a:ea typeface="Cambria Math" panose="02040503050406030204" pitchFamily="18" charset="0"/>
+                                  </a:rPr>
+                                  <m:t>ln</m:t>
+                                </m:r>
+                              </m:fName>
+                              <m:e>
+                                <m:r>
+                                  <m:rPr>
+                                    <m:nor/>
+                                  </m:rPr>
+                                  <a:rPr lang="en-IN" sz="1400">
+                                    <a:latin typeface="Cambria Math" panose="02040503050406030204" pitchFamily="18" charset="0"/>
+                                    <a:ea typeface="Cambria Math" panose="02040503050406030204" pitchFamily="18" charset="0"/>
+                                  </a:rPr>
+                                  <m:t>{</m:t>
+                                </m:r>
+                                <m:r>
+                                  <m:rPr>
+                                    <m:nor/>
+                                  </m:rPr>
+                                  <a:rPr lang="en-IN" sz="1400">
+                                    <a:latin typeface="Cambria Math" panose="02040503050406030204" pitchFamily="18" charset="0"/>
+                                    <a:ea typeface="Cambria Math" panose="02040503050406030204" pitchFamily="18" charset="0"/>
+                                  </a:rPr>
+                                  <m:t>Year</m:t>
+                                </m:r>
+                                <m:d>
+                                  <m:dPr>
+                                    <m:ctrlPr>
+                                      <a:rPr lang="en-IN" sz="1400" i="1">
+                                        <a:latin typeface="Cambria Math" panose="02040503050406030204" pitchFamily="18" charset="0"/>
+                                        <a:ea typeface="Cambria Math" panose="02040503050406030204" pitchFamily="18" charset="0"/>
+                                      </a:rPr>
+                                    </m:ctrlPr>
+                                  </m:dPr>
+                                  <m:e>
+                                    <m:sSub>
+                                      <m:sSubPr>
+                                        <m:ctrlPr>
+                                          <a:rPr lang="en-IN" sz="1400" i="1">
+                                            <a:latin typeface="Cambria Math" panose="02040503050406030204" pitchFamily="18" charset="0"/>
+                                            <a:ea typeface="Cambria Math" panose="02040503050406030204" pitchFamily="18" charset="0"/>
+                                          </a:rPr>
+                                        </m:ctrlPr>
+                                      </m:sSubPr>
+                                      <m:e>
+                                        <m:r>
+                                          <a:rPr lang="en-IN" sz="1400" i="1">
+                                            <a:latin typeface="Cambria Math" panose="02040503050406030204" pitchFamily="18" charset="0"/>
+                                            <a:ea typeface="Cambria Math" panose="02040503050406030204" pitchFamily="18" charset="0"/>
+                                          </a:rPr>
+                                          <m:t>𝑡</m:t>
+                                        </m:r>
+                                      </m:e>
+                                      <m:sub>
+                                        <m:r>
+                                          <a:rPr lang="en-IN" sz="1400" i="1">
+                                            <a:latin typeface="Cambria Math" panose="02040503050406030204" pitchFamily="18" charset="0"/>
+                                            <a:ea typeface="Cambria Math" panose="02040503050406030204" pitchFamily="18" charset="0"/>
+                                          </a:rPr>
+                                          <m:t>10</m:t>
+                                        </m:r>
+                                      </m:sub>
+                                    </m:sSub>
+                                  </m:e>
+                                </m:d>
+                                <m:r>
+                                  <a:rPr lang="en-IN" sz="1400" i="1">
+                                    <a:latin typeface="Cambria Math" panose="02040503050406030204" pitchFamily="18" charset="0"/>
+                                    <a:ea typeface="Cambria Math" panose="02040503050406030204" pitchFamily="18" charset="0"/>
+                                  </a:rPr>
+                                  <m:t> −</m:t>
+                                </m:r>
+                                <m:r>
+                                  <a:rPr lang="en-IN" sz="1400" b="0" i="1" smtClean="0">
+                                    <a:latin typeface="Cambria Math" panose="02040503050406030204" pitchFamily="18" charset="0"/>
+                                    <a:ea typeface="Cambria Math" panose="02040503050406030204" pitchFamily="18" charset="0"/>
+                                  </a:rPr>
+                                  <m:t>2005</m:t>
+                                </m:r>
+                                <m:r>
+                                  <a:rPr lang="en-IN" sz="1400" i="1">
+                                    <a:latin typeface="Cambria Math" panose="02040503050406030204" pitchFamily="18" charset="0"/>
+                                    <a:ea typeface="Cambria Math" panose="02040503050406030204" pitchFamily="18" charset="0"/>
+                                  </a:rPr>
+                                  <m:t>}</m:t>
+                                </m:r>
+                              </m:e>
+                            </m:func>
+                            <m:r>
+                              <a:rPr lang="en-IN" sz="1400" i="1">
+                                <a:latin typeface="Cambria Math" panose="02040503050406030204" pitchFamily="18" charset="0"/>
+                                <a:ea typeface="Cambria Math" panose="02040503050406030204" pitchFamily="18" charset="0"/>
+                              </a:rPr>
+                              <m:t>,</m:t>
+                            </m:r>
+                            <m:r>
+                              <a:rPr lang="en-IN" sz="1400" i="1">
+                                <a:latin typeface="Cambria Math" panose="02040503050406030204" pitchFamily="18" charset="0"/>
+                                <a:ea typeface="Cambria Math" panose="02040503050406030204" pitchFamily="18" charset="0"/>
+                              </a:rPr>
+                              <m:t>𝜎</m:t>
+                            </m:r>
+                            <m:r>
+                              <a:rPr lang="en-IN" sz="1400" i="1">
+                                <a:latin typeface="Cambria Math" panose="02040503050406030204" pitchFamily="18" charset="0"/>
+                                <a:ea typeface="Cambria Math" panose="02040503050406030204" pitchFamily="18" charset="0"/>
+                              </a:rPr>
+                              <m:t>=30</m:t>
+                            </m:r>
+                          </m:e>
+                        </m:eqArr>
+                      </m:e>
+                    </m:d>
+                  </m:oMath>
+                </a14:m>
+                <a:r>
+                  <a:rPr lang="en-IN" sz="1400" dirty="0"/>
+                  <a:t>.</a:t>
+                </a:r>
+              </a:p>
+              <a:p>
+                <a:pPr marL="514350" indent="-514350">
+                  <a:buFont typeface="+mj-lt"/>
+                  <a:buAutoNum type="arabicPeriod"/>
+                </a:pPr>
+                <a:r>
+                  <a:rPr lang="en-IN" sz="1400" dirty="0"/>
+                  <a:t>Gaussian distribution around the increase/decrease of sales from the baseline in the earlier time-step. </a:t>
+                </a:r>
+                <a14:m>
+                  <m:oMath xmlns:m="http://schemas.openxmlformats.org/officeDocument/2006/math">
+                    <m:r>
+                      <a:rPr lang="en-IN" sz="1400" i="1">
+                        <a:latin typeface="Cambria Math" panose="02040503050406030204" pitchFamily="18" charset="0"/>
+                        <a:ea typeface="Cambria Math" panose="02040503050406030204" pitchFamily="18" charset="0"/>
+                      </a:rPr>
+                      <m:t>𝒩</m:t>
+                    </m:r>
+                    <m:d>
+                      <m:dPr>
+                        <m:ctrlPr>
+                          <a:rPr lang="en-IN" sz="1400" i="1">
+                            <a:latin typeface="Cambria Math" panose="02040503050406030204" pitchFamily="18" charset="0"/>
+                            <a:ea typeface="Cambria Math" panose="02040503050406030204" pitchFamily="18" charset="0"/>
+                          </a:rPr>
+                        </m:ctrlPr>
+                      </m:dPr>
+                      <m:e>
+                        <m:eqArr>
+                          <m:eqArrPr>
+                            <m:ctrlPr>
+                              <a:rPr lang="en-IN" sz="1400" i="1">
+                                <a:latin typeface="Cambria Math" panose="02040503050406030204" pitchFamily="18" charset="0"/>
+                                <a:ea typeface="Cambria Math" panose="02040503050406030204" pitchFamily="18" charset="0"/>
+                              </a:rPr>
+                            </m:ctrlPr>
+                          </m:eqArrPr>
+                          <m:e>
+                            <m:r>
+                              <a:rPr lang="en-IN" sz="1400" i="1">
+                                <a:latin typeface="Cambria Math" panose="02040503050406030204" pitchFamily="18" charset="0"/>
+                                <a:ea typeface="Cambria Math" panose="02040503050406030204" pitchFamily="18" charset="0"/>
+                              </a:rPr>
+                              <m:t>𝜇</m:t>
+                            </m:r>
+                            <m:r>
+                              <a:rPr lang="en-IN" sz="1400" i="1">
+                                <a:latin typeface="Cambria Math" panose="02040503050406030204" pitchFamily="18" charset="0"/>
+                                <a:ea typeface="Cambria Math" panose="02040503050406030204" pitchFamily="18" charset="0"/>
+                              </a:rPr>
+                              <m:t>=</m:t>
+                            </m:r>
+                            <m:r>
+                              <m:rPr>
+                                <m:nor/>
+                              </m:rPr>
+                              <a:rPr lang="en-IN" sz="1400">
+                                <a:latin typeface="Cambria Math" panose="02040503050406030204" pitchFamily="18" charset="0"/>
+                                <a:ea typeface="Cambria Math" panose="02040503050406030204" pitchFamily="18" charset="0"/>
+                              </a:rPr>
+                              <m:t>Sales</m:t>
+                            </m:r>
+                            <m:d>
+                              <m:dPr>
+                                <m:ctrlPr>
+                                  <a:rPr lang="en-IN" sz="1400" i="1">
+                                    <a:latin typeface="Cambria Math" panose="02040503050406030204" pitchFamily="18" charset="0"/>
+                                    <a:ea typeface="Cambria Math" panose="02040503050406030204" pitchFamily="18" charset="0"/>
+                                  </a:rPr>
+                                </m:ctrlPr>
+                              </m:dPr>
+                              <m:e>
+                                <m:sSub>
+                                  <m:sSubPr>
+                                    <m:ctrlPr>
+                                      <a:rPr lang="en-IN" sz="1400" i="1">
+                                        <a:latin typeface="Cambria Math" panose="02040503050406030204" pitchFamily="18" charset="0"/>
+                                        <a:ea typeface="Cambria Math" panose="02040503050406030204" pitchFamily="18" charset="0"/>
+                                      </a:rPr>
+                                    </m:ctrlPr>
+                                  </m:sSubPr>
+                                  <m:e>
+                                    <m:r>
+                                      <a:rPr lang="en-IN" sz="1400" i="1">
+                                        <a:latin typeface="Cambria Math" panose="02040503050406030204" pitchFamily="18" charset="0"/>
+                                        <a:ea typeface="Cambria Math" panose="02040503050406030204" pitchFamily="18" charset="0"/>
+                                      </a:rPr>
+                                      <m:t>𝑡</m:t>
+                                    </m:r>
+                                  </m:e>
+                                  <m:sub>
+                                    <m:r>
+                                      <a:rPr lang="en-IN" sz="1400" i="1">
+                                        <a:latin typeface="Cambria Math" panose="02040503050406030204" pitchFamily="18" charset="0"/>
+                                        <a:ea typeface="Cambria Math" panose="02040503050406030204" pitchFamily="18" charset="0"/>
+                                      </a:rPr>
+                                      <m:t>9</m:t>
+                                    </m:r>
+                                  </m:sub>
+                                </m:sSub>
+                              </m:e>
+                            </m:d>
+                            <m:r>
+                              <a:rPr lang="en-IN" sz="1400" i="1">
+                                <a:latin typeface="Cambria Math" panose="02040503050406030204" pitchFamily="18" charset="0"/>
+                                <a:ea typeface="Cambria Math" panose="02040503050406030204" pitchFamily="18" charset="0"/>
+                              </a:rPr>
+                              <m:t>−</m:t>
+                            </m:r>
+                            <m:r>
+                              <m:rPr>
+                                <m:nor/>
+                              </m:rPr>
+                              <a:rPr lang="en-IN" sz="1400">
+                                <a:latin typeface="Cambria Math" panose="02040503050406030204" pitchFamily="18" charset="0"/>
+                                <a:ea typeface="Cambria Math" panose="02040503050406030204" pitchFamily="18" charset="0"/>
+                              </a:rPr>
+                              <m:t>Baseline</m:t>
+                            </m:r>
+                            <m:r>
+                              <m:rPr>
+                                <m:nor/>
+                              </m:rPr>
+                              <a:rPr lang="en-IN" sz="1400">
+                                <a:latin typeface="Cambria Math" panose="02040503050406030204" pitchFamily="18" charset="0"/>
+                                <a:ea typeface="Cambria Math" panose="02040503050406030204" pitchFamily="18" charset="0"/>
+                              </a:rPr>
+                              <m:t> </m:t>
+                            </m:r>
+                            <m:r>
+                              <m:rPr>
+                                <m:nor/>
+                              </m:rPr>
+                              <a:rPr lang="en-IN" sz="1400">
+                                <a:latin typeface="Cambria Math" panose="02040503050406030204" pitchFamily="18" charset="0"/>
+                                <a:ea typeface="Cambria Math" panose="02040503050406030204" pitchFamily="18" charset="0"/>
+                              </a:rPr>
+                              <m:t>Sales</m:t>
+                            </m:r>
+                            <m:r>
+                              <a:rPr lang="en-IN" sz="1400" i="1">
+                                <a:latin typeface="Cambria Math" panose="02040503050406030204" pitchFamily="18" charset="0"/>
+                                <a:ea typeface="Cambria Math" panose="02040503050406030204" pitchFamily="18" charset="0"/>
+                              </a:rPr>
+                              <m:t>,</m:t>
+                            </m:r>
+                            <m:r>
+                              <a:rPr lang="en-IN" sz="1400" i="1">
+                                <a:latin typeface="Cambria Math" panose="02040503050406030204" pitchFamily="18" charset="0"/>
+                                <a:ea typeface="Cambria Math" panose="02040503050406030204" pitchFamily="18" charset="0"/>
+                              </a:rPr>
+                              <m:t>𝜎</m:t>
+                            </m:r>
+                            <m:r>
+                              <a:rPr lang="en-IN" sz="1400" i="1">
+                                <a:latin typeface="Cambria Math" panose="02040503050406030204" pitchFamily="18" charset="0"/>
+                                <a:ea typeface="Cambria Math" panose="02040503050406030204" pitchFamily="18" charset="0"/>
+                              </a:rPr>
+                              <m:t>=30</m:t>
+                            </m:r>
+                          </m:e>
+                        </m:eqArr>
+                      </m:e>
+                    </m:d>
+                  </m:oMath>
+                </a14:m>
+                <a:r>
+                  <a:rPr lang="en-IN" sz="1400" dirty="0"/>
+                  <a:t>.</a:t>
+                </a:r>
+              </a:p>
+              <a:p>
+                <a:pPr marL="514350" indent="-514350">
+                  <a:buFont typeface="+mj-lt"/>
+                  <a:buAutoNum type="arabicPeriod"/>
+                </a:pPr>
+                <a:r>
+                  <a:rPr lang="en-IN" sz="1400" dirty="0"/>
+                  <a:t>Gaussian distribution around a logarithmic curve capturing the saturating effect of discounts. </a:t>
+                </a:r>
+                <a14:m>
+                  <m:oMath xmlns:m="http://schemas.openxmlformats.org/officeDocument/2006/math">
+                    <m:r>
+                      <a:rPr lang="en-IN" sz="1400" i="1">
+                        <a:latin typeface="Cambria Math" panose="02040503050406030204" pitchFamily="18" charset="0"/>
+                        <a:ea typeface="Cambria Math" panose="02040503050406030204" pitchFamily="18" charset="0"/>
+                      </a:rPr>
+                      <m:t>𝒩</m:t>
+                    </m:r>
+                    <m:d>
+                      <m:dPr>
+                        <m:ctrlPr>
+                          <a:rPr lang="en-IN" sz="1400" i="1">
+                            <a:latin typeface="Cambria Math" panose="02040503050406030204" pitchFamily="18" charset="0"/>
+                            <a:ea typeface="Cambria Math" panose="02040503050406030204" pitchFamily="18" charset="0"/>
+                          </a:rPr>
+                        </m:ctrlPr>
+                      </m:dPr>
+                      <m:e>
+                        <m:eqArr>
+                          <m:eqArrPr>
+                            <m:ctrlPr>
+                              <a:rPr lang="en-IN" sz="1400" i="1">
+                                <a:latin typeface="Cambria Math" panose="02040503050406030204" pitchFamily="18" charset="0"/>
+                                <a:ea typeface="Cambria Math" panose="02040503050406030204" pitchFamily="18" charset="0"/>
+                              </a:rPr>
+                            </m:ctrlPr>
+                          </m:eqArrPr>
+                          <m:e>
+                            <m:r>
+                              <a:rPr lang="en-IN" sz="1400" i="1">
+                                <a:latin typeface="Cambria Math" panose="02040503050406030204" pitchFamily="18" charset="0"/>
+                                <a:ea typeface="Cambria Math" panose="02040503050406030204" pitchFamily="18" charset="0"/>
+                              </a:rPr>
+                              <m:t>𝜇</m:t>
+                            </m:r>
+                            <m:r>
+                              <a:rPr lang="en-IN" sz="1400" i="1">
+                                <a:latin typeface="Cambria Math" panose="02040503050406030204" pitchFamily="18" charset="0"/>
+                                <a:ea typeface="Cambria Math" panose="02040503050406030204" pitchFamily="18" charset="0"/>
+                              </a:rPr>
+                              <m:t>=</m:t>
+                            </m:r>
+                            <m:func>
+                              <m:funcPr>
+                                <m:ctrlPr>
+                                  <a:rPr lang="en-IN" sz="1400" b="0" i="1" smtClean="0">
+                                    <a:latin typeface="Cambria Math" panose="02040503050406030204" pitchFamily="18" charset="0"/>
+                                    <a:ea typeface="Cambria Math" panose="02040503050406030204" pitchFamily="18" charset="0"/>
+                                  </a:rPr>
+                                </m:ctrlPr>
+                              </m:funcPr>
+                              <m:fName>
+                                <m:r>
+                                  <m:rPr>
+                                    <m:sty m:val="p"/>
+                                  </m:rPr>
+                                  <a:rPr lang="en-IN" sz="1400" b="0" i="0" smtClean="0">
+                                    <a:latin typeface="Cambria Math" panose="02040503050406030204" pitchFamily="18" charset="0"/>
+                                    <a:ea typeface="Cambria Math" panose="02040503050406030204" pitchFamily="18" charset="0"/>
+                                  </a:rPr>
+                                  <m:t>log</m:t>
+                                </m:r>
+                              </m:fName>
+                              <m:e>
+                                <m:d>
+                                  <m:dPr>
+                                    <m:begChr m:val="{"/>
+                                    <m:endChr m:val="}"/>
+                                    <m:ctrlPr>
+                                      <a:rPr lang="en-IN" sz="1400" i="1">
+                                        <a:latin typeface="Cambria Math" panose="02040503050406030204" pitchFamily="18" charset="0"/>
+                                        <a:ea typeface="Cambria Math" panose="02040503050406030204" pitchFamily="18" charset="0"/>
+                                      </a:rPr>
+                                    </m:ctrlPr>
+                                  </m:dPr>
+                                  <m:e>
+                                    <m:r>
+                                      <a:rPr lang="en-IN" sz="1400" b="0" i="1" smtClean="0">
+                                        <a:latin typeface="Cambria Math" panose="02040503050406030204" pitchFamily="18" charset="0"/>
+                                        <a:ea typeface="Cambria Math" panose="02040503050406030204" pitchFamily="18" charset="0"/>
+                                      </a:rPr>
+                                      <m:t>20</m:t>
+                                    </m:r>
+                                    <m:r>
+                                      <a:rPr lang="en-IN" sz="1400" i="1">
+                                        <a:latin typeface="Cambria Math" panose="02040503050406030204" pitchFamily="18" charset="0"/>
+                                        <a:ea typeface="Cambria Math" panose="02040503050406030204" pitchFamily="18" charset="0"/>
+                                      </a:rPr>
+                                      <m:t>×</m:t>
+                                    </m:r>
+                                    <m:r>
+                                      <m:rPr>
+                                        <m:nor/>
+                                      </m:rPr>
+                                      <a:rPr lang="en-IN" sz="1400">
+                                        <a:latin typeface="Cambria Math" panose="02040503050406030204" pitchFamily="18" charset="0"/>
+                                        <a:ea typeface="Cambria Math" panose="02040503050406030204" pitchFamily="18" charset="0"/>
+                                      </a:rPr>
+                                      <m:t>Discount</m:t>
+                                    </m:r>
+                                    <m:r>
+                                      <a:rPr lang="en-IN" sz="1400" i="1">
+                                        <a:latin typeface="Cambria Math" panose="02040503050406030204" pitchFamily="18" charset="0"/>
+                                        <a:ea typeface="Cambria Math" panose="02040503050406030204" pitchFamily="18" charset="0"/>
+                                      </a:rPr>
+                                      <m:t> </m:t>
+                                    </m:r>
+                                    <m:d>
+                                      <m:dPr>
+                                        <m:ctrlPr>
+                                          <a:rPr lang="en-IN" sz="1400" i="1">
+                                            <a:latin typeface="Cambria Math" panose="02040503050406030204" pitchFamily="18" charset="0"/>
+                                            <a:ea typeface="Cambria Math" panose="02040503050406030204" pitchFamily="18" charset="0"/>
+                                          </a:rPr>
+                                        </m:ctrlPr>
+                                      </m:dPr>
+                                      <m:e>
+                                        <m:r>
+                                          <a:rPr lang="en-IN" sz="1400" i="1">
+                                            <a:latin typeface="Cambria Math" panose="02040503050406030204" pitchFamily="18" charset="0"/>
+                                            <a:ea typeface="Cambria Math" panose="02040503050406030204" pitchFamily="18" charset="0"/>
+                                          </a:rPr>
+                                          <m:t>%</m:t>
+                                        </m:r>
+                                      </m:e>
+                                    </m:d>
+                                  </m:e>
+                                </m:d>
+                              </m:e>
+                            </m:func>
+                            <m:r>
+                              <a:rPr lang="en-IN" sz="1400" i="1">
+                                <a:latin typeface="Cambria Math" panose="02040503050406030204" pitchFamily="18" charset="0"/>
+                                <a:ea typeface="Cambria Math" panose="02040503050406030204" pitchFamily="18" charset="0"/>
+                              </a:rPr>
+                              <m:t>,</m:t>
+                            </m:r>
+                            <m:r>
+                              <a:rPr lang="en-IN" sz="1400" i="1">
+                                <a:latin typeface="Cambria Math" panose="02040503050406030204" pitchFamily="18" charset="0"/>
+                                <a:ea typeface="Cambria Math" panose="02040503050406030204" pitchFamily="18" charset="0"/>
+                              </a:rPr>
+                              <m:t>𝜎</m:t>
+                            </m:r>
+                            <m:r>
+                              <a:rPr lang="en-IN" sz="1400" i="1">
+                                <a:latin typeface="Cambria Math" panose="02040503050406030204" pitchFamily="18" charset="0"/>
+                                <a:ea typeface="Cambria Math" panose="02040503050406030204" pitchFamily="18" charset="0"/>
+                              </a:rPr>
+                              <m:t>=2</m:t>
+                            </m:r>
+                          </m:e>
+                        </m:eqArr>
+                      </m:e>
+                    </m:d>
+                  </m:oMath>
+                </a14:m>
+                <a:r>
+                  <a:rPr lang="en-IN" sz="1400" dirty="0"/>
+                  <a:t>.</a:t>
+                </a:r>
+              </a:p>
+              <a:p>
+                <a:pPr marL="514350" indent="-514350">
+                  <a:buFont typeface="+mj-lt"/>
+                  <a:buAutoNum type="arabicPeriod"/>
+                </a:pPr>
+                <a14:m>
+                  <m:oMath xmlns:m="http://schemas.openxmlformats.org/officeDocument/2006/math">
+                    <m:r>
+                      <m:rPr>
+                        <m:nor/>
+                      </m:rPr>
+                      <a:rPr lang="en-IN" sz="1400">
+                        <a:latin typeface="Cambria Math" panose="02040503050406030204" pitchFamily="18" charset="0"/>
+                      </a:rPr>
+                      <m:t>Sales</m:t>
+                    </m:r>
+                    <m:d>
+                      <m:dPr>
+                        <m:ctrlPr>
+                          <a:rPr lang="en-IN" sz="1400" i="1">
+                            <a:latin typeface="Cambria Math" panose="02040503050406030204" pitchFamily="18" charset="0"/>
+                          </a:rPr>
+                        </m:ctrlPr>
+                      </m:dPr>
+                      <m:e>
+                        <m:sSub>
+                          <m:sSubPr>
+                            <m:ctrlPr>
+                              <a:rPr lang="en-IN" sz="1400" i="1">
+                                <a:latin typeface="Cambria Math" panose="02040503050406030204" pitchFamily="18" charset="0"/>
+                              </a:rPr>
+                            </m:ctrlPr>
+                          </m:sSubPr>
+                          <m:e>
+                            <m:r>
+                              <a:rPr lang="en-IN" sz="1400" i="1">
+                                <a:latin typeface="Cambria Math" panose="02040503050406030204" pitchFamily="18" charset="0"/>
+                              </a:rPr>
+                              <m:t>𝑡</m:t>
+                            </m:r>
+                          </m:e>
+                          <m:sub>
+                            <m:r>
+                              <a:rPr lang="en-IN" sz="1400" i="1">
+                                <a:latin typeface="Cambria Math" panose="02040503050406030204" pitchFamily="18" charset="0"/>
+                              </a:rPr>
+                              <m:t>10</m:t>
+                            </m:r>
+                          </m:sub>
+                        </m:sSub>
+                      </m:e>
+                    </m:d>
+                    <m:r>
+                      <a:rPr lang="en-IN" sz="1400" i="1">
+                        <a:latin typeface="Cambria Math" panose="02040503050406030204" pitchFamily="18" charset="0"/>
+                      </a:rPr>
+                      <m:t>=∑</m:t>
+                    </m:r>
+                    <m:d>
+                      <m:dPr>
+                        <m:ctrlPr>
+                          <a:rPr lang="en-IN" sz="1400" i="1">
+                            <a:latin typeface="Cambria Math" panose="02040503050406030204" pitchFamily="18" charset="0"/>
+                          </a:rPr>
+                        </m:ctrlPr>
+                      </m:dPr>
+                      <m:e>
+                        <m:r>
+                          <m:rPr>
+                            <m:nor/>
+                          </m:rPr>
+                          <a:rPr lang="en-IN" sz="1400">
+                            <a:latin typeface="Cambria Math" panose="02040503050406030204" pitchFamily="18" charset="0"/>
+                          </a:rPr>
+                          <m:t>above</m:t>
+                        </m:r>
+                        <m:r>
+                          <m:rPr>
+                            <m:nor/>
+                          </m:rPr>
+                          <a:rPr lang="en-IN" sz="1400">
+                            <a:latin typeface="Cambria Math" panose="02040503050406030204" pitchFamily="18" charset="0"/>
+                          </a:rPr>
+                          <m:t> </m:t>
+                        </m:r>
+                        <m:r>
+                          <m:rPr>
+                            <m:nor/>
+                          </m:rPr>
+                          <a:rPr lang="en-IN" sz="1400">
+                            <a:latin typeface="Cambria Math" panose="02040503050406030204" pitchFamily="18" charset="0"/>
+                          </a:rPr>
+                          <m:t>gaussian</m:t>
+                        </m:r>
+                        <m:r>
+                          <m:rPr>
+                            <m:nor/>
+                          </m:rPr>
+                          <a:rPr lang="en-IN" sz="1400">
+                            <a:latin typeface="Cambria Math" panose="02040503050406030204" pitchFamily="18" charset="0"/>
+                          </a:rPr>
+                          <m:t> </m:t>
+                        </m:r>
+                        <m:r>
+                          <m:rPr>
+                            <m:nor/>
+                          </m:rPr>
+                          <a:rPr lang="en-IN" sz="1400">
+                            <a:latin typeface="Cambria Math" panose="02040503050406030204" pitchFamily="18" charset="0"/>
+                          </a:rPr>
+                          <m:t>terms</m:t>
+                        </m:r>
+                        <m:r>
+                          <m:rPr>
+                            <m:nor/>
+                          </m:rPr>
+                          <a:rPr lang="en-IN" sz="1400" b="0" i="0" smtClean="0">
+                            <a:latin typeface="Cambria Math" panose="02040503050406030204" pitchFamily="18" charset="0"/>
+                          </a:rPr>
+                          <m:t> </m:t>
+                        </m:r>
+                        <m:r>
+                          <m:rPr>
+                            <m:nor/>
+                          </m:rPr>
+                          <a:rPr lang="en-IN" sz="1400" b="0" i="0" smtClean="0">
+                            <a:latin typeface="Cambria Math" panose="02040503050406030204" pitchFamily="18" charset="0"/>
+                          </a:rPr>
+                          <m:t>from</m:t>
+                        </m:r>
+                        <m:r>
+                          <m:rPr>
+                            <m:nor/>
+                          </m:rPr>
+                          <a:rPr lang="en-IN" sz="1400" b="0" i="0" smtClean="0">
+                            <a:latin typeface="Cambria Math" panose="02040503050406030204" pitchFamily="18" charset="0"/>
+                          </a:rPr>
+                          <m:t> </m:t>
+                        </m:r>
+                        <m:r>
+                          <m:rPr>
+                            <m:nor/>
+                          </m:rPr>
+                          <a:rPr lang="en-IN" sz="1400" b="0" i="0" smtClean="0">
+                            <a:latin typeface="Cambria Math" panose="02040503050406030204" pitchFamily="18" charset="0"/>
+                          </a:rPr>
+                          <m:t>points</m:t>
+                        </m:r>
+                        <m:r>
+                          <m:rPr>
+                            <m:nor/>
+                          </m:rPr>
+                          <a:rPr lang="en-IN" sz="1400" b="0" i="0" smtClean="0">
+                            <a:latin typeface="Cambria Math" panose="02040503050406030204" pitchFamily="18" charset="0"/>
+                          </a:rPr>
+                          <m:t> 2 </m:t>
+                        </m:r>
+                        <m:r>
+                          <m:rPr>
+                            <m:nor/>
+                          </m:rPr>
+                          <a:rPr lang="en-IN" sz="1400" b="0" i="0" smtClean="0">
+                            <a:latin typeface="Cambria Math" panose="02040503050406030204" pitchFamily="18" charset="0"/>
+                          </a:rPr>
+                          <m:t>to</m:t>
+                        </m:r>
+                        <m:r>
+                          <m:rPr>
+                            <m:nor/>
+                          </m:rPr>
+                          <a:rPr lang="en-IN" sz="1400" b="0" i="0" smtClean="0">
+                            <a:latin typeface="Cambria Math" panose="02040503050406030204" pitchFamily="18" charset="0"/>
+                          </a:rPr>
+                          <m:t> 6</m:t>
+                        </m:r>
+                      </m:e>
+                    </m:d>
+                  </m:oMath>
+                </a14:m>
+                <a:r>
+                  <a:rPr lang="en-IN" sz="1400" dirty="0"/>
+                  <a:t>.</a:t>
+                </a:r>
+              </a:p>
+            </p:txBody>
+          </p:sp>
+        </mc:Choice>
+        <mc:Fallback>
+          <p:sp>
+            <p:nvSpPr>
+              <p:cNvPr id="5" name="Content Placeholder 4">
+                <a:extLst>
+                  <a:ext uri="{FF2B5EF4-FFF2-40B4-BE49-F238E27FC236}">
+                    <a16:creationId xmlns:a16="http://schemas.microsoft.com/office/drawing/2014/main" id="{55DCB47E-F086-3B58-5E6D-09217A0F001A}"/>
+                  </a:ext>
+                </a:extLst>
+              </p:cNvPr>
+              <p:cNvSpPr>
+                <a:spLocks noGrp="1" noRot="1" noChangeAspect="1" noMove="1" noResize="1" noEditPoints="1" noAdjustHandles="1" noChangeArrowheads="1" noChangeShapeType="1" noTextEdit="1"/>
+              </p:cNvSpPr>
+              <p:nvPr>
+                <p:ph sz="quarter" idx="4"/>
+              </p:nvPr>
+            </p:nvSpPr>
+            <p:spPr>
+              <a:blipFill>
+                <a:blip r:embed="rId3"/>
+                <a:stretch>
+                  <a:fillRect l="-471" t="-1490" r="-471"/>
+                </a:stretch>
+              </a:blipFill>
+            </p:spPr>
+            <p:txBody>
+              <a:bodyPr/>
+              <a:lstStyle/>
+              <a:p>
+                <a:r>
+                  <a:rPr lang="en-IN">
+                    <a:noFill/>
+                  </a:rPr>
+                  <a:t> </a:t>
+                </a:r>
+              </a:p>
+            </p:txBody>
+          </p:sp>
+        </mc:Fallback>
+      </mc:AlternateContent>
+      <p:sp>
+        <p:nvSpPr>
+          <p:cNvPr id="6" name="Text Placeholder 5">
+            <a:extLst>
+              <a:ext uri="{FF2B5EF4-FFF2-40B4-BE49-F238E27FC236}">
+                <a16:creationId xmlns:a16="http://schemas.microsoft.com/office/drawing/2014/main" id="{A814D575-A552-1FC0-EC00-B0DAADF41832}"/>
+              </a:ext>
+            </a:extLst>
+          </p:cNvPr>
+          <p:cNvSpPr>
+            <a:spLocks noGrp="1"/>
+          </p:cNvSpPr>
+          <p:nvPr>
+            <p:ph type="body" idx="1"/>
+          </p:nvPr>
+        </p:nvSpPr>
+        <p:spPr>
+          <a:xfrm>
+            <a:off x="839788" y="1681163"/>
+            <a:ext cx="5157787" cy="604837"/>
+          </a:xfrm>
+        </p:spPr>
+        <p:txBody>
+          <a:bodyPr/>
+          <a:lstStyle/>
+          <a:p>
+            <a:r>
+              <a:rPr lang="en-IN" dirty="0"/>
+              <a:t>Business Motivation</a:t>
+            </a:r>
+          </a:p>
+        </p:txBody>
+      </p:sp>
+      <p:sp>
+        <p:nvSpPr>
+          <p:cNvPr id="4" name="Content Placeholder 3">
+            <a:extLst>
+              <a:ext uri="{FF2B5EF4-FFF2-40B4-BE49-F238E27FC236}">
+                <a16:creationId xmlns:a16="http://schemas.microsoft.com/office/drawing/2014/main" id="{AB5F2BC7-F866-EF3E-0D46-2340B18B3FA4}"/>
+              </a:ext>
+            </a:extLst>
+          </p:cNvPr>
+          <p:cNvSpPr>
+            <a:spLocks noGrp="1"/>
+          </p:cNvSpPr>
+          <p:nvPr>
+            <p:ph sz="half" idx="2"/>
           </p:nvPr>
         </p:nvSpPr>
         <p:spPr/>
         <p:txBody>
-          <a:bodyPr/>
-          <a:lstStyle/>
-          <a:p>
-            <a:r>
-              <a:rPr lang="en-IN" b="1" dirty="0"/>
-              <a:t>Example – Identifying original contributions</a:t>
-            </a:r>
-          </a:p>
-        </p:txBody>
-      </p:sp>
-      <p:pic>
-        <p:nvPicPr>
-          <p:cNvPr id="5" name="Content Placeholder 4">
-            <a:extLst>
-              <a:ext uri="{FF2B5EF4-FFF2-40B4-BE49-F238E27FC236}">
-                <a16:creationId xmlns:a16="http://schemas.microsoft.com/office/drawing/2014/main" id="{D4FB0B35-B978-6FAF-037D-AACA80378B2A}"/>
-              </a:ext>
-            </a:extLst>
-          </p:cNvPr>
-          <p:cNvPicPr>
-            <a:picLocks noGrp="1" noChangeAspect="1"/>
-          </p:cNvPicPr>
-          <p:nvPr>
-            <p:ph idx="1"/>
-          </p:nvPr>
-        </p:nvPicPr>
-        <p:blipFill>
-          <a:blip r:embed="rId2">
-            <a:extLst>
-              <a:ext uri="{28A0092B-C50C-407E-A947-70E740481C1C}">
-                <a14:useLocalDpi xmlns:a14="http://schemas.microsoft.com/office/drawing/2010/main" val="0"/>
-              </a:ext>
-            </a:extLst>
-          </a:blip>
-          <a:stretch>
-            <a:fillRect/>
-          </a:stretch>
-        </p:blipFill>
-        <p:spPr>
-          <a:xfrm>
-            <a:off x="1260089" y="1825625"/>
-            <a:ext cx="7203688" cy="4351338"/>
-          </a:xfrm>
-        </p:spPr>
-      </p:pic>
-      <p:sp>
-        <p:nvSpPr>
-          <p:cNvPr id="6" name="TextBox 5">
-            <a:extLst>
-              <a:ext uri="{FF2B5EF4-FFF2-40B4-BE49-F238E27FC236}">
-                <a16:creationId xmlns:a16="http://schemas.microsoft.com/office/drawing/2014/main" id="{E004ADBF-6049-B38F-3012-A9CAC70689F8}"/>
-              </a:ext>
-            </a:extLst>
-          </p:cNvPr>
-          <p:cNvSpPr txBox="1"/>
-          <p:nvPr/>
-        </p:nvSpPr>
-        <p:spPr>
-          <a:xfrm>
-            <a:off x="8876371" y="1906859"/>
-            <a:ext cx="2477429" cy="3693319"/>
-          </a:xfrm>
-          <a:prstGeom prst="rect">
-            <a:avLst/>
-          </a:prstGeom>
-          <a:noFill/>
-        </p:spPr>
-        <p:txBody>
-          <a:bodyPr wrap="square" rtlCol="0">
-            <a:spAutoFit/>
+          <a:bodyPr>
+            <a:normAutofit lnSpcReduction="10000"/>
           </a:bodyPr>
           <a:lstStyle/>
           <a:p>
-            <a:r>
-              <a:rPr lang="en-IN" dirty="0"/>
-              <a:t>For example, </a:t>
-            </a:r>
-            <a:r>
-              <a:rPr lang="en-IN" b="1" dirty="0"/>
-              <a:t>contributions from discounts</a:t>
-            </a:r>
-            <a:r>
-              <a:rPr lang="en-IN" dirty="0"/>
-              <a:t> throughout the year, towards the annual sales, can be identified in real time.</a:t>
-            </a:r>
-          </a:p>
-          <a:p>
-            <a:endParaRPr lang="en-IN" dirty="0"/>
-          </a:p>
-          <a:p>
-            <a:r>
-              <a:rPr lang="en-IN" dirty="0"/>
-              <a:t>The </a:t>
-            </a:r>
-            <a:r>
-              <a:rPr lang="en-IN" b="1" dirty="0"/>
-              <a:t>contributions derived from the modelling approaches</a:t>
-            </a:r>
-            <a:r>
-              <a:rPr lang="en-IN" dirty="0"/>
-              <a:t>, can be compared against these </a:t>
-            </a:r>
-            <a:r>
-              <a:rPr lang="en-IN" b="1" dirty="0"/>
-              <a:t>“original”</a:t>
-            </a:r>
-            <a:r>
-              <a:rPr lang="en-IN" dirty="0"/>
-              <a:t> contributions.</a:t>
+            <a:pPr marL="342900" indent="-342900">
+              <a:buFont typeface="+mj-lt"/>
+              <a:buAutoNum type="arabicPeriod"/>
+            </a:pPr>
+            <a:r>
+              <a:rPr lang="en-IN" sz="1400" dirty="0"/>
+              <a:t>There is always a baseline sales specific to the business.</a:t>
+            </a:r>
+          </a:p>
+          <a:p>
+            <a:pPr marL="342900" indent="-342900">
+              <a:buFont typeface="+mj-lt"/>
+              <a:buAutoNum type="arabicPeriod"/>
+            </a:pPr>
+            <a:r>
+              <a:rPr lang="en-IN" sz="1400" dirty="0"/>
+              <a:t>The “intrinsic” sales hovers around the baseline. Intrinsic meaning sales that happen without any intervention.</a:t>
+            </a:r>
+          </a:p>
+          <a:p>
+            <a:pPr marL="342900" indent="-342900">
+              <a:buFont typeface="+mj-lt"/>
+              <a:buAutoNum type="arabicPeriod"/>
+            </a:pPr>
+            <a:r>
+              <a:rPr lang="en-IN" sz="1400" dirty="0"/>
+              <a:t>The base-price (or pre-discount price) of the item governs the sales. If it goes beyond a threshold, it decreases the sales. The more it lies below the threshold the more the sales.</a:t>
+            </a:r>
+          </a:p>
+          <a:p>
+            <a:pPr marL="342900" indent="-342900">
+              <a:buFont typeface="+mj-lt"/>
+              <a:buAutoNum type="arabicPeriod"/>
+            </a:pPr>
+            <a:r>
+              <a:rPr lang="en-IN" sz="1400" dirty="0"/>
+              <a:t>The YoY (year-on-year) sales of the product, since its launch in 2005, follows a logarithmic pattern.</a:t>
+            </a:r>
+          </a:p>
+          <a:p>
+            <a:pPr marL="342900" indent="-342900">
+              <a:buFont typeface="+mj-lt"/>
+              <a:buAutoNum type="arabicPeriod"/>
+            </a:pPr>
+            <a:r>
+              <a:rPr lang="en-IN" sz="1400" dirty="0"/>
+              <a:t>There is a lag effect of sales from the earlier time-step. The idea is that the sales in the earlier step is above or below the baseline by a certain amount. There would be a tendency in the current time-step sales to follow that same direction.</a:t>
+            </a:r>
+          </a:p>
+          <a:p>
+            <a:pPr marL="342900" indent="-342900">
+              <a:buFont typeface="+mj-lt"/>
+              <a:buAutoNum type="arabicPeriod"/>
+            </a:pPr>
+            <a:r>
+              <a:rPr lang="en-IN" sz="1400" dirty="0"/>
+              <a:t>The higher the discount levels, the greater the sales up to a certain limit. After that discounts tend to have little impact.</a:t>
+            </a:r>
+          </a:p>
+          <a:p>
+            <a:pPr marL="342900" indent="-342900">
+              <a:buFont typeface="+mj-lt"/>
+              <a:buAutoNum type="arabicPeriod"/>
+            </a:pPr>
+            <a:r>
+              <a:rPr lang="en-IN" sz="1400" dirty="0"/>
+              <a:t>Sales at current time-step are a linear combination of all these effects.</a:t>
             </a:r>
           </a:p>
         </p:txBody>
@@ -7691,7 +9148,7 @@
     </p:spTree>
     <p:extLst>
       <p:ext uri="{BB962C8B-B14F-4D97-AF65-F5344CB8AC3E}">
-        <p14:creationId xmlns:p14="http://schemas.microsoft.com/office/powerpoint/2010/main" val="561108228"/>
+        <p14:creationId xmlns:p14="http://schemas.microsoft.com/office/powerpoint/2010/main" val="515784178"/>
       </p:ext>
     </p:extLst>
   </p:cSld>
@@ -7723,7 +9180,7 @@
           <p:cNvPr id="2" name="Title 1">
             <a:extLst>
               <a:ext uri="{FF2B5EF4-FFF2-40B4-BE49-F238E27FC236}">
-                <a16:creationId xmlns:a16="http://schemas.microsoft.com/office/drawing/2014/main" id="{BC0AB63F-9C42-D002-CB68-244075125BBD}"/>
+                <a16:creationId xmlns:a16="http://schemas.microsoft.com/office/drawing/2014/main" id="{E3F5BCC5-3033-9DE8-71A9-C61CB80E9C90}"/>
               </a:ext>
             </a:extLst>
           </p:cNvPr>
@@ -7734,30 +9191,59 @@
             <p:ph type="title"/>
           </p:nvPr>
         </p:nvSpPr>
-        <p:spPr>
-          <a:xfrm>
-            <a:off x="838200" y="365125"/>
-            <a:ext cx="10515600" cy="1661638"/>
-          </a:xfrm>
-        </p:spPr>
+        <p:spPr/>
         <p:txBody>
           <a:bodyPr/>
           <a:lstStyle/>
           <a:p>
             <a:r>
-              <a:rPr lang="en-IN" b="1" dirty="0"/>
-              <a:t>Example – Identifying original contributions (contd.)</a:t>
-            </a:r>
-            <a:endParaRPr lang="en-IN" dirty="0"/>
+              <a:rPr lang="en-IN" dirty="0"/>
+              <a:t>Data generating templates for different industries</a:t>
+            </a:r>
           </a:p>
         </p:txBody>
       </p:sp>
+      <p:pic>
+        <p:nvPicPr>
+          <p:cNvPr id="6" name="Content Placeholder 5">
+            <a:extLst>
+              <a:ext uri="{FF2B5EF4-FFF2-40B4-BE49-F238E27FC236}">
+                <a16:creationId xmlns:a16="http://schemas.microsoft.com/office/drawing/2014/main" id="{C17714F4-4EEC-0123-7176-888161BB8CE9}"/>
+              </a:ext>
+            </a:extLst>
+          </p:cNvPr>
+          <p:cNvPicPr>
+            <a:picLocks noGrp="1" noChangeAspect="1"/>
+          </p:cNvPicPr>
+          <p:nvPr>
+            <p:ph sz="half" idx="1"/>
+          </p:nvPr>
+        </p:nvPicPr>
+        <p:blipFill>
+          <a:blip r:embed="rId2">
+            <a:extLst>
+              <a:ext uri="{28A0092B-C50C-407E-A947-70E740481C1C}">
+                <a14:useLocalDpi xmlns:a14="http://schemas.microsoft.com/office/drawing/2010/main" val="0"/>
+              </a:ext>
+            </a:extLst>
+          </a:blip>
+          <a:stretch>
+            <a:fillRect/>
+          </a:stretch>
+        </p:blipFill>
+        <p:spPr>
+          <a:xfrm>
+            <a:off x="838200" y="2560572"/>
+            <a:ext cx="5181600" cy="2881444"/>
+          </a:xfrm>
+        </p:spPr>
+      </p:pic>
       <p:sp>
         <p:nvSpPr>
-          <p:cNvPr id="3" name="Content Placeholder 2">
-            <a:extLst>
-              <a:ext uri="{FF2B5EF4-FFF2-40B4-BE49-F238E27FC236}">
-                <a16:creationId xmlns:a16="http://schemas.microsoft.com/office/drawing/2014/main" id="{F2F6FDBB-7BD1-1671-E807-9C05FD117F74}"/>
+          <p:cNvPr id="4" name="Content Placeholder 3">
+            <a:extLst>
+              <a:ext uri="{FF2B5EF4-FFF2-40B4-BE49-F238E27FC236}">
+                <a16:creationId xmlns:a16="http://schemas.microsoft.com/office/drawing/2014/main" id="{6D64704F-446B-6E39-F24C-22D5683AEAA2}"/>
               </a:ext>
             </a:extLst>
           </p:cNvPr>
@@ -7765,28 +9251,31 @@
             <a:spLocks noGrp="1"/>
           </p:cNvSpPr>
           <p:nvPr>
-            <p:ph idx="1"/>
+            <p:ph sz="half" idx="2"/>
           </p:nvPr>
         </p:nvSpPr>
-        <p:spPr>
-          <a:xfrm>
-            <a:off x="838200" y="2347273"/>
-            <a:ext cx="10515600" cy="3829689"/>
-          </a:xfrm>
-        </p:spPr>
+        <p:spPr/>
         <p:txBody>
-          <a:bodyPr/>
+          <a:bodyPr>
+            <a:normAutofit/>
+          </a:bodyPr>
           <a:lstStyle/>
           <a:p>
             <a:r>
-              <a:rPr lang="en-IN" dirty="0"/>
-              <a:t>Contributions are often required to have actionable insights. Based on the contribution of discount, a certain discount strategy is implemented expecting that the respective revenue change would be observed over time.</a:t>
-            </a:r>
-          </a:p>
-          <a:p>
-            <a:r>
-              <a:rPr lang="en-IN" dirty="0"/>
-              <a:t>Hence it’s important to compare contributions from the model output against such causal impacts observed in the data generating mechanism.</a:t>
+              <a:rPr lang="en-IN" sz="2000" dirty="0"/>
+              <a:t>A network structure involving the variables for the respective industry, and the detailed formulations in it, together form the data generation template for a specific industry.</a:t>
+            </a:r>
+          </a:p>
+          <a:p>
+            <a:r>
+              <a:rPr lang="en-IN" sz="2000" dirty="0"/>
+              <a:t>These templates can be used to quickly simulate data for the respective industry. The templates can also be further customised as needed.</a:t>
+            </a:r>
+          </a:p>
+          <a:p>
+            <a:r>
+              <a:rPr lang="en-IN" sz="2000" dirty="0"/>
+              <a:t>The knowledge to create these templates can be gathered from SMEs (subject matter experts) or LLMs.</a:t>
             </a:r>
           </a:p>
         </p:txBody>
@@ -7794,7 +9283,2037 @@
     </p:spTree>
     <p:extLst>
       <p:ext uri="{BB962C8B-B14F-4D97-AF65-F5344CB8AC3E}">
-        <p14:creationId xmlns:p14="http://schemas.microsoft.com/office/powerpoint/2010/main" val="3010255576"/>
+        <p14:creationId xmlns:p14="http://schemas.microsoft.com/office/powerpoint/2010/main" val="417758253"/>
+      </p:ext>
+    </p:extLst>
+  </p:cSld>
+  <p:clrMapOvr>
+    <a:masterClrMapping/>
+  </p:clrMapOvr>
+</p:sld>
+</file>
+
+<file path=ppt/slides/slide19.xml><?xml version="1.0" encoding="utf-8"?>
+<p:sld xmlns:a="http://schemas.openxmlformats.org/drawingml/2006/main" xmlns:r="http://schemas.openxmlformats.org/officeDocument/2006/relationships" xmlns:p="http://schemas.openxmlformats.org/presentationml/2006/main">
+  <p:cSld>
+    <p:spTree>
+      <p:nvGrpSpPr>
+        <p:cNvPr id="1" name=""/>
+        <p:cNvGrpSpPr/>
+        <p:nvPr/>
+      </p:nvGrpSpPr>
+      <p:grpSpPr>
+        <a:xfrm>
+          <a:off x="0" y="0"/>
+          <a:ext cx="0" cy="0"/>
+          <a:chOff x="0" y="0"/>
+          <a:chExt cx="0" cy="0"/>
+        </a:xfrm>
+      </p:grpSpPr>
+      <p:sp>
+        <p:nvSpPr>
+          <p:cNvPr id="2" name="Title 1">
+            <a:extLst>
+              <a:ext uri="{FF2B5EF4-FFF2-40B4-BE49-F238E27FC236}">
+                <a16:creationId xmlns:a16="http://schemas.microsoft.com/office/drawing/2014/main" id="{C971A61E-304E-18B8-14D5-18DDDB4A533F}"/>
+              </a:ext>
+            </a:extLst>
+          </p:cNvPr>
+          <p:cNvSpPr>
+            <a:spLocks noGrp="1"/>
+          </p:cNvSpPr>
+          <p:nvPr>
+            <p:ph type="title"/>
+          </p:nvPr>
+        </p:nvSpPr>
+        <p:spPr/>
+        <p:txBody>
+          <a:bodyPr/>
+          <a:lstStyle/>
+          <a:p>
+            <a:r>
+              <a:rPr lang="en-IN" dirty="0"/>
+              <a:t>An easy representation of data generating process</a:t>
+            </a:r>
+          </a:p>
+        </p:txBody>
+      </p:sp>
+      <p:sp>
+        <p:nvSpPr>
+          <p:cNvPr id="6" name="Text Placeholder 5">
+            <a:extLst>
+              <a:ext uri="{FF2B5EF4-FFF2-40B4-BE49-F238E27FC236}">
+                <a16:creationId xmlns:a16="http://schemas.microsoft.com/office/drawing/2014/main" id="{46ED24D5-452B-053B-5857-CEA26A307D4D}"/>
+              </a:ext>
+            </a:extLst>
+          </p:cNvPr>
+          <p:cNvSpPr>
+            <a:spLocks noGrp="1"/>
+          </p:cNvSpPr>
+          <p:nvPr>
+            <p:ph type="body" idx="1"/>
+          </p:nvPr>
+        </p:nvSpPr>
+        <p:spPr/>
+        <p:txBody>
+          <a:bodyPr/>
+          <a:lstStyle/>
+          <a:p>
+            <a:r>
+              <a:rPr lang="en-IN" dirty="0"/>
+              <a:t>Representation of network structure</a:t>
+            </a:r>
+          </a:p>
+        </p:txBody>
+      </p:sp>
+      <mc:AlternateContent xmlns:mc="http://schemas.openxmlformats.org/markup-compatibility/2006">
+        <mc:Choice xmlns:a14="http://schemas.microsoft.com/office/drawing/2010/main" Requires="a14">
+          <p:sp>
+            <p:nvSpPr>
+              <p:cNvPr id="7" name="Content Placeholder 6">
+                <a:extLst>
+                  <a:ext uri="{FF2B5EF4-FFF2-40B4-BE49-F238E27FC236}">
+                    <a16:creationId xmlns:a16="http://schemas.microsoft.com/office/drawing/2014/main" id="{D49536D3-462D-653C-8DFF-3A91CCA3A27D}"/>
+                  </a:ext>
+                </a:extLst>
+              </p:cNvPr>
+              <p:cNvSpPr>
+                <a:spLocks noGrp="1"/>
+              </p:cNvSpPr>
+              <p:nvPr>
+                <p:ph sz="half" idx="2"/>
+              </p:nvPr>
+            </p:nvSpPr>
+            <p:spPr>
+              <a:xfrm>
+                <a:off x="839788" y="2505075"/>
+                <a:ext cx="5157787" cy="3987800"/>
+              </a:xfrm>
+            </p:spPr>
+            <p:txBody>
+              <a:bodyPr>
+                <a:normAutofit/>
+              </a:bodyPr>
+              <a:lstStyle/>
+              <a:p>
+                <a:pPr marL="0" indent="0">
+                  <a:buNone/>
+                </a:pPr>
+                <a14:m>
+                  <m:oMathPara xmlns:m="http://schemas.openxmlformats.org/officeDocument/2006/math">
+                    <m:oMathParaPr>
+                      <m:jc m:val="left"/>
+                    </m:oMathParaPr>
+                    <m:oMath xmlns:m="http://schemas.openxmlformats.org/officeDocument/2006/math">
+                      <m:r>
+                        <m:rPr>
+                          <m:nor/>
+                        </m:rPr>
+                        <a:rPr lang="en-IN" sz="1400" b="0" i="0" smtClean="0">
+                          <a:latin typeface="Cambria Math" panose="02040503050406030204" pitchFamily="18" charset="0"/>
+                        </a:rPr>
+                        <m:t>Week</m:t>
+                      </m:r>
+                      <m:d>
+                        <m:dPr>
+                          <m:begChr m:val="["/>
+                          <m:endChr m:val="]"/>
+                          <m:ctrlPr>
+                            <a:rPr lang="en-IN" sz="1400" b="0" i="1" smtClean="0">
+                              <a:latin typeface="Cambria Math" panose="02040503050406030204" pitchFamily="18" charset="0"/>
+                            </a:rPr>
+                          </m:ctrlPr>
+                        </m:dPr>
+                        <m:e>
+                          <m:sSub>
+                            <m:sSubPr>
+                              <m:ctrlPr>
+                                <a:rPr lang="en-IN" sz="1400" b="0" i="1" smtClean="0">
+                                  <a:latin typeface="Cambria Math" panose="02040503050406030204" pitchFamily="18" charset="0"/>
+                                </a:rPr>
+                              </m:ctrlPr>
+                            </m:sSubPr>
+                            <m:e>
+                              <m:r>
+                                <a:rPr lang="en-IN" sz="1400" b="0" i="1" smtClean="0">
+                                  <a:latin typeface="Cambria Math" panose="02040503050406030204" pitchFamily="18" charset="0"/>
+                                </a:rPr>
+                                <m:t>𝑡</m:t>
+                              </m:r>
+                            </m:e>
+                            <m:sub>
+                              <m:r>
+                                <a:rPr lang="en-IN" sz="1400" b="0" i="1" smtClean="0">
+                                  <a:latin typeface="Cambria Math" panose="02040503050406030204" pitchFamily="18" charset="0"/>
+                                </a:rPr>
+                                <m:t>𝑘</m:t>
+                              </m:r>
+                            </m:sub>
+                          </m:sSub>
+                        </m:e>
+                      </m:d>
+                      <m:r>
+                        <a:rPr lang="en-IN" sz="1400" b="0" i="1" smtClean="0">
+                          <a:latin typeface="Cambria Math" panose="02040503050406030204" pitchFamily="18" charset="0"/>
+                        </a:rPr>
+                        <m:t>=</m:t>
+                      </m:r>
+                      <m:r>
+                        <a:rPr lang="en-IN" sz="1400" b="0" i="1" smtClean="0">
+                          <a:latin typeface="Cambria Math" panose="02040503050406030204" pitchFamily="18" charset="0"/>
+                        </a:rPr>
+                        <m:t>𝑢</m:t>
+                      </m:r>
+                      <m:d>
+                        <m:dPr>
+                          <m:ctrlPr>
+                            <a:rPr lang="en-IN" sz="1400" b="0" i="1" smtClean="0">
+                              <a:latin typeface="Cambria Math" panose="02040503050406030204" pitchFamily="18" charset="0"/>
+                            </a:rPr>
+                          </m:ctrlPr>
+                        </m:dPr>
+                        <m:e>
+                          <m:sSub>
+                            <m:sSubPr>
+                              <m:ctrlPr>
+                                <a:rPr lang="en-IN" sz="1400" b="0" i="1" smtClean="0">
+                                  <a:latin typeface="Cambria Math" panose="02040503050406030204" pitchFamily="18" charset="0"/>
+                                </a:rPr>
+                              </m:ctrlPr>
+                            </m:sSubPr>
+                            <m:e>
+                              <m:r>
+                                <a:rPr lang="en-IN" sz="1400" b="0" i="1" smtClean="0">
+                                  <a:latin typeface="Cambria Math" panose="02040503050406030204" pitchFamily="18" charset="0"/>
+                                </a:rPr>
+                                <m:t>𝑡</m:t>
+                              </m:r>
+                            </m:e>
+                            <m:sub>
+                              <m:r>
+                                <a:rPr lang="en-IN" sz="1400" b="0" i="1" smtClean="0">
+                                  <a:latin typeface="Cambria Math" panose="02040503050406030204" pitchFamily="18" charset="0"/>
+                                </a:rPr>
+                                <m:t>𝑘</m:t>
+                              </m:r>
+                            </m:sub>
+                          </m:sSub>
+                        </m:e>
+                      </m:d>
+                    </m:oMath>
+                  </m:oMathPara>
+                </a14:m>
+                <a:endParaRPr lang="en-IN" sz="1400" b="0" i="0" dirty="0">
+                  <a:latin typeface="Cambria Math" panose="02040503050406030204" pitchFamily="18" charset="0"/>
+                </a:endParaRPr>
+              </a:p>
+              <a:p>
+                <a:pPr marL="0" indent="0">
+                  <a:buNone/>
+                </a:pPr>
+                <a:br>
+                  <a:rPr lang="en-IN" sz="1400" b="0" i="0" dirty="0">
+                    <a:latin typeface="Cambria Math" panose="02040503050406030204" pitchFamily="18" charset="0"/>
+                  </a:rPr>
+                </a:br>
+                <a14:m>
+                  <m:oMathPara xmlns:m="http://schemas.openxmlformats.org/officeDocument/2006/math">
+                    <m:oMathParaPr>
+                      <m:jc m:val="left"/>
+                    </m:oMathParaPr>
+                    <m:oMath xmlns:m="http://schemas.openxmlformats.org/officeDocument/2006/math">
+                      <m:r>
+                        <m:rPr>
+                          <m:nor/>
+                        </m:rPr>
+                        <a:rPr lang="en-IN" sz="1400" b="0" i="0" smtClean="0">
+                          <a:latin typeface="Cambria Math" panose="02040503050406030204" pitchFamily="18" charset="0"/>
+                        </a:rPr>
+                        <m:t>Year</m:t>
+                      </m:r>
+                      <m:d>
+                        <m:dPr>
+                          <m:begChr m:val="["/>
+                          <m:endChr m:val="]"/>
+                          <m:ctrlPr>
+                            <a:rPr lang="en-IN" sz="1400" i="1">
+                              <a:latin typeface="Cambria Math" panose="02040503050406030204" pitchFamily="18" charset="0"/>
+                            </a:rPr>
+                          </m:ctrlPr>
+                        </m:dPr>
+                        <m:e>
+                          <m:sSub>
+                            <m:sSubPr>
+                              <m:ctrlPr>
+                                <a:rPr lang="en-IN" sz="1400" i="1">
+                                  <a:latin typeface="Cambria Math" panose="02040503050406030204" pitchFamily="18" charset="0"/>
+                                </a:rPr>
+                              </m:ctrlPr>
+                            </m:sSubPr>
+                            <m:e>
+                              <m:r>
+                                <a:rPr lang="en-IN" sz="1400" i="1">
+                                  <a:latin typeface="Cambria Math" panose="02040503050406030204" pitchFamily="18" charset="0"/>
+                                </a:rPr>
+                                <m:t>𝑡</m:t>
+                              </m:r>
+                            </m:e>
+                            <m:sub>
+                              <m:r>
+                                <a:rPr lang="en-IN" sz="1400" i="1">
+                                  <a:latin typeface="Cambria Math" panose="02040503050406030204" pitchFamily="18" charset="0"/>
+                                </a:rPr>
+                                <m:t>𝑘</m:t>
+                              </m:r>
+                            </m:sub>
+                          </m:sSub>
+                        </m:e>
+                      </m:d>
+                      <m:r>
+                        <a:rPr lang="en-IN" sz="1400" i="1">
+                          <a:latin typeface="Cambria Math" panose="02040503050406030204" pitchFamily="18" charset="0"/>
+                        </a:rPr>
+                        <m:t>=</m:t>
+                      </m:r>
+                      <m:r>
+                        <a:rPr lang="en-IN" sz="1400" b="0" i="1" smtClean="0">
+                          <a:latin typeface="Cambria Math" panose="02040503050406030204" pitchFamily="18" charset="0"/>
+                        </a:rPr>
+                        <m:t>𝑣</m:t>
+                      </m:r>
+                      <m:d>
+                        <m:dPr>
+                          <m:ctrlPr>
+                            <a:rPr lang="en-IN" sz="1400" i="1">
+                              <a:latin typeface="Cambria Math" panose="02040503050406030204" pitchFamily="18" charset="0"/>
+                            </a:rPr>
+                          </m:ctrlPr>
+                        </m:dPr>
+                        <m:e>
+                          <m:sSub>
+                            <m:sSubPr>
+                              <m:ctrlPr>
+                                <a:rPr lang="en-IN" sz="1400" i="1">
+                                  <a:latin typeface="Cambria Math" panose="02040503050406030204" pitchFamily="18" charset="0"/>
+                                </a:rPr>
+                              </m:ctrlPr>
+                            </m:sSubPr>
+                            <m:e>
+                              <m:r>
+                                <a:rPr lang="en-IN" sz="1400" i="1">
+                                  <a:latin typeface="Cambria Math" panose="02040503050406030204" pitchFamily="18" charset="0"/>
+                                </a:rPr>
+                                <m:t>𝑡</m:t>
+                              </m:r>
+                            </m:e>
+                            <m:sub>
+                              <m:r>
+                                <a:rPr lang="en-IN" sz="1400" i="1">
+                                  <a:latin typeface="Cambria Math" panose="02040503050406030204" pitchFamily="18" charset="0"/>
+                                </a:rPr>
+                                <m:t>𝑘</m:t>
+                              </m:r>
+                            </m:sub>
+                          </m:sSub>
+                        </m:e>
+                      </m:d>
+                    </m:oMath>
+                  </m:oMathPara>
+                </a14:m>
+                <a:endParaRPr lang="en-IN" sz="1400" i="0" dirty="0">
+                  <a:latin typeface="Cambria Math" panose="02040503050406030204" pitchFamily="18" charset="0"/>
+                </a:endParaRPr>
+              </a:p>
+              <a:p>
+                <a:pPr marL="0" indent="0">
+                  <a:buNone/>
+                </a:pPr>
+                <a:br>
+                  <a:rPr lang="en-IN" sz="1400" i="0" dirty="0">
+                    <a:latin typeface="Cambria Math" panose="02040503050406030204" pitchFamily="18" charset="0"/>
+                  </a:rPr>
+                </a:br>
+                <a14:m>
+                  <m:oMathPara xmlns:m="http://schemas.openxmlformats.org/officeDocument/2006/math">
+                    <m:oMathParaPr>
+                      <m:jc m:val="left"/>
+                    </m:oMathParaPr>
+                    <m:oMath xmlns:m="http://schemas.openxmlformats.org/officeDocument/2006/math">
+                      <m:r>
+                        <m:rPr>
+                          <m:nor/>
+                        </m:rPr>
+                        <a:rPr lang="en-IN" sz="1400" b="0" i="0" smtClean="0">
+                          <a:latin typeface="Cambria Math" panose="02040503050406030204" pitchFamily="18" charset="0"/>
+                        </a:rPr>
+                        <m:t>Base</m:t>
+                      </m:r>
+                      <m:r>
+                        <m:rPr>
+                          <m:nor/>
+                        </m:rPr>
+                        <a:rPr lang="en-IN" sz="1400" b="0" i="0" smtClean="0">
+                          <a:latin typeface="Cambria Math" panose="02040503050406030204" pitchFamily="18" charset="0"/>
+                        </a:rPr>
+                        <m:t> </m:t>
+                      </m:r>
+                      <m:r>
+                        <m:rPr>
+                          <m:nor/>
+                        </m:rPr>
+                        <a:rPr lang="en-IN" sz="1400" b="0" i="0" smtClean="0">
+                          <a:latin typeface="Cambria Math" panose="02040503050406030204" pitchFamily="18" charset="0"/>
+                        </a:rPr>
+                        <m:t>Price</m:t>
+                      </m:r>
+                      <m:d>
+                        <m:dPr>
+                          <m:begChr m:val="["/>
+                          <m:endChr m:val="]"/>
+                          <m:ctrlPr>
+                            <a:rPr lang="en-IN" sz="1400" b="0" i="1" smtClean="0">
+                              <a:latin typeface="Cambria Math" panose="02040503050406030204" pitchFamily="18" charset="0"/>
+                            </a:rPr>
+                          </m:ctrlPr>
+                        </m:dPr>
+                        <m:e>
+                          <m:sSub>
+                            <m:sSubPr>
+                              <m:ctrlPr>
+                                <a:rPr lang="en-IN" sz="1400" b="0" i="1" smtClean="0">
+                                  <a:latin typeface="Cambria Math" panose="02040503050406030204" pitchFamily="18" charset="0"/>
+                                </a:rPr>
+                              </m:ctrlPr>
+                            </m:sSubPr>
+                            <m:e>
+                              <m:r>
+                                <a:rPr lang="en-IN" sz="1400" b="0" i="1" smtClean="0">
+                                  <a:latin typeface="Cambria Math" panose="02040503050406030204" pitchFamily="18" charset="0"/>
+                                </a:rPr>
+                                <m:t>𝑡</m:t>
+                              </m:r>
+                            </m:e>
+                            <m:sub>
+                              <m:r>
+                                <a:rPr lang="en-IN" sz="1400" b="0" i="1" smtClean="0">
+                                  <a:latin typeface="Cambria Math" panose="02040503050406030204" pitchFamily="18" charset="0"/>
+                                </a:rPr>
+                                <m:t>𝑘</m:t>
+                              </m:r>
+                            </m:sub>
+                          </m:sSub>
+                        </m:e>
+                      </m:d>
+                      <m:r>
+                        <a:rPr lang="en-IN" sz="1400" b="0" i="1" smtClean="0">
+                          <a:latin typeface="Cambria Math" panose="02040503050406030204" pitchFamily="18" charset="0"/>
+                        </a:rPr>
+                        <m:t>=</m:t>
+                      </m:r>
+                      <m:r>
+                        <a:rPr lang="en-IN" sz="1400" b="0" i="1" smtClean="0">
+                          <a:latin typeface="Cambria Math" panose="02040503050406030204" pitchFamily="18" charset="0"/>
+                        </a:rPr>
+                        <m:t>𝑔</m:t>
+                      </m:r>
+                      <m:d>
+                        <m:dPr>
+                          <m:ctrlPr>
+                            <a:rPr lang="en-IN" sz="1400" b="0" i="1" smtClean="0">
+                              <a:latin typeface="Cambria Math" panose="02040503050406030204" pitchFamily="18" charset="0"/>
+                            </a:rPr>
+                          </m:ctrlPr>
+                        </m:dPr>
+                        <m:e>
+                          <m:r>
+                            <m:rPr>
+                              <m:nor/>
+                            </m:rPr>
+                            <a:rPr lang="en-IN" sz="1400" b="0" i="0" smtClean="0">
+                              <a:latin typeface="Cambria Math" panose="02040503050406030204" pitchFamily="18" charset="0"/>
+                            </a:rPr>
+                            <m:t>Year</m:t>
+                          </m:r>
+                          <m:d>
+                            <m:dPr>
+                              <m:begChr m:val="["/>
+                              <m:endChr m:val="]"/>
+                              <m:ctrlPr>
+                                <a:rPr lang="en-IN" sz="1400" b="0" i="1" smtClean="0">
+                                  <a:latin typeface="Cambria Math" panose="02040503050406030204" pitchFamily="18" charset="0"/>
+                                </a:rPr>
+                              </m:ctrlPr>
+                            </m:dPr>
+                            <m:e>
+                              <m:sSub>
+                                <m:sSubPr>
+                                  <m:ctrlPr>
+                                    <a:rPr lang="en-IN" sz="1400" b="0" i="1" smtClean="0">
+                                      <a:latin typeface="Cambria Math" panose="02040503050406030204" pitchFamily="18" charset="0"/>
+                                    </a:rPr>
+                                  </m:ctrlPr>
+                                </m:sSubPr>
+                                <m:e>
+                                  <m:r>
+                                    <a:rPr lang="en-IN" sz="1400" b="0" i="1" smtClean="0">
+                                      <a:latin typeface="Cambria Math" panose="02040503050406030204" pitchFamily="18" charset="0"/>
+                                    </a:rPr>
+                                    <m:t>𝑡</m:t>
+                                  </m:r>
+                                </m:e>
+                                <m:sub>
+                                  <m:r>
+                                    <a:rPr lang="en-IN" sz="1400" b="0" i="1" smtClean="0">
+                                      <a:latin typeface="Cambria Math" panose="02040503050406030204" pitchFamily="18" charset="0"/>
+                                    </a:rPr>
+                                    <m:t>𝑘</m:t>
+                                  </m:r>
+                                </m:sub>
+                              </m:sSub>
+                            </m:e>
+                          </m:d>
+                        </m:e>
+                      </m:d>
+                    </m:oMath>
+                  </m:oMathPara>
+                </a14:m>
+                <a:endParaRPr lang="en-IN" sz="1400" b="0" i="0" dirty="0">
+                  <a:latin typeface="Cambria Math" panose="02040503050406030204" pitchFamily="18" charset="0"/>
+                </a:endParaRPr>
+              </a:p>
+              <a:p>
+                <a:pPr marL="0" indent="0">
+                  <a:buNone/>
+                </a:pPr>
+                <a:br>
+                  <a:rPr lang="en-IN" sz="1400" b="0" i="0" dirty="0">
+                    <a:latin typeface="Cambria Math" panose="02040503050406030204" pitchFamily="18" charset="0"/>
+                  </a:rPr>
+                </a:br>
+                <a14:m>
+                  <m:oMathPara xmlns:m="http://schemas.openxmlformats.org/officeDocument/2006/math">
+                    <m:oMathParaPr>
+                      <m:jc m:val="left"/>
+                    </m:oMathParaPr>
+                    <m:oMath xmlns:m="http://schemas.openxmlformats.org/officeDocument/2006/math">
+                      <m:r>
+                        <m:rPr>
+                          <m:nor/>
+                        </m:rPr>
+                        <a:rPr lang="en-IN" sz="1400" b="0" i="0" smtClean="0">
+                          <a:latin typeface="Cambria Math" panose="02040503050406030204" pitchFamily="18" charset="0"/>
+                        </a:rPr>
+                        <m:t>Discount</m:t>
+                      </m:r>
+                      <m:d>
+                        <m:dPr>
+                          <m:begChr m:val="["/>
+                          <m:endChr m:val="]"/>
+                          <m:ctrlPr>
+                            <a:rPr lang="en-IN" sz="1400" b="0" i="1" smtClean="0">
+                              <a:latin typeface="Cambria Math" panose="02040503050406030204" pitchFamily="18" charset="0"/>
+                            </a:rPr>
+                          </m:ctrlPr>
+                        </m:dPr>
+                        <m:e>
+                          <m:sSub>
+                            <m:sSubPr>
+                              <m:ctrlPr>
+                                <a:rPr lang="en-IN" sz="1400" b="0" i="1" smtClean="0">
+                                  <a:latin typeface="Cambria Math" panose="02040503050406030204" pitchFamily="18" charset="0"/>
+                                </a:rPr>
+                              </m:ctrlPr>
+                            </m:sSubPr>
+                            <m:e>
+                              <m:r>
+                                <a:rPr lang="en-IN" sz="1400" b="0" i="1" smtClean="0">
+                                  <a:latin typeface="Cambria Math" panose="02040503050406030204" pitchFamily="18" charset="0"/>
+                                </a:rPr>
+                                <m:t>𝑡</m:t>
+                              </m:r>
+                            </m:e>
+                            <m:sub>
+                              <m:r>
+                                <a:rPr lang="en-IN" sz="1400" b="0" i="1" smtClean="0">
+                                  <a:latin typeface="Cambria Math" panose="02040503050406030204" pitchFamily="18" charset="0"/>
+                                </a:rPr>
+                                <m:t>𝑘</m:t>
+                              </m:r>
+                            </m:sub>
+                          </m:sSub>
+                        </m:e>
+                      </m:d>
+                      <m:r>
+                        <a:rPr lang="en-IN" sz="1400" b="0" i="1" smtClean="0">
+                          <a:latin typeface="Cambria Math" panose="02040503050406030204" pitchFamily="18" charset="0"/>
+                        </a:rPr>
+                        <m:t>=</m:t>
+                      </m:r>
+                      <m:r>
+                        <a:rPr lang="en-IN" sz="1400" b="0" i="1" smtClean="0">
+                          <a:latin typeface="Cambria Math" panose="02040503050406030204" pitchFamily="18" charset="0"/>
+                        </a:rPr>
+                        <m:t>𝑓</m:t>
+                      </m:r>
+                      <m:d>
+                        <m:dPr>
+                          <m:ctrlPr>
+                            <a:rPr lang="en-IN" sz="1400" b="0" i="1" smtClean="0">
+                              <a:latin typeface="Cambria Math" panose="02040503050406030204" pitchFamily="18" charset="0"/>
+                            </a:rPr>
+                          </m:ctrlPr>
+                        </m:dPr>
+                        <m:e>
+                          <m:r>
+                            <m:rPr>
+                              <m:nor/>
+                            </m:rPr>
+                            <a:rPr lang="en-IN" sz="1400" b="0" i="0" smtClean="0">
+                              <a:latin typeface="Cambria Math" panose="02040503050406030204" pitchFamily="18" charset="0"/>
+                            </a:rPr>
+                            <m:t>Week</m:t>
+                          </m:r>
+                          <m:d>
+                            <m:dPr>
+                              <m:begChr m:val="["/>
+                              <m:endChr m:val="]"/>
+                              <m:ctrlPr>
+                                <a:rPr lang="en-IN" sz="1400" b="0" i="1" smtClean="0">
+                                  <a:latin typeface="Cambria Math" panose="02040503050406030204" pitchFamily="18" charset="0"/>
+                                </a:rPr>
+                              </m:ctrlPr>
+                            </m:dPr>
+                            <m:e>
+                              <m:sSub>
+                                <m:sSubPr>
+                                  <m:ctrlPr>
+                                    <a:rPr lang="en-IN" sz="1400" b="0" i="1" smtClean="0">
+                                      <a:latin typeface="Cambria Math" panose="02040503050406030204" pitchFamily="18" charset="0"/>
+                                    </a:rPr>
+                                  </m:ctrlPr>
+                                </m:sSubPr>
+                                <m:e>
+                                  <m:r>
+                                    <a:rPr lang="en-IN" sz="1400" b="0" i="1" smtClean="0">
+                                      <a:latin typeface="Cambria Math" panose="02040503050406030204" pitchFamily="18" charset="0"/>
+                                    </a:rPr>
+                                    <m:t>𝑡</m:t>
+                                  </m:r>
+                                </m:e>
+                                <m:sub>
+                                  <m:r>
+                                    <a:rPr lang="en-IN" sz="1400" b="0" i="1" smtClean="0">
+                                      <a:latin typeface="Cambria Math" panose="02040503050406030204" pitchFamily="18" charset="0"/>
+                                    </a:rPr>
+                                    <m:t>𝑘</m:t>
+                                  </m:r>
+                                </m:sub>
+                              </m:sSub>
+                            </m:e>
+                          </m:d>
+                          <m:r>
+                            <a:rPr lang="en-IN" sz="1400" b="0" i="1" smtClean="0">
+                              <a:latin typeface="Cambria Math" panose="02040503050406030204" pitchFamily="18" charset="0"/>
+                            </a:rPr>
+                            <m:t>, </m:t>
+                          </m:r>
+                          <m:r>
+                            <m:rPr>
+                              <m:nor/>
+                            </m:rPr>
+                            <a:rPr lang="en-IN" sz="1400" b="0" i="0" smtClean="0">
+                              <a:latin typeface="Cambria Math" panose="02040503050406030204" pitchFamily="18" charset="0"/>
+                            </a:rPr>
+                            <m:t>Year</m:t>
+                          </m:r>
+                          <m:d>
+                            <m:dPr>
+                              <m:begChr m:val="["/>
+                              <m:endChr m:val="]"/>
+                              <m:ctrlPr>
+                                <a:rPr lang="en-IN" sz="1400" b="0" i="1" smtClean="0">
+                                  <a:latin typeface="Cambria Math" panose="02040503050406030204" pitchFamily="18" charset="0"/>
+                                </a:rPr>
+                              </m:ctrlPr>
+                            </m:dPr>
+                            <m:e>
+                              <m:sSub>
+                                <m:sSubPr>
+                                  <m:ctrlPr>
+                                    <a:rPr lang="en-IN" sz="1400" b="0" i="1" smtClean="0">
+                                      <a:latin typeface="Cambria Math" panose="02040503050406030204" pitchFamily="18" charset="0"/>
+                                    </a:rPr>
+                                  </m:ctrlPr>
+                                </m:sSubPr>
+                                <m:e>
+                                  <m:r>
+                                    <a:rPr lang="en-IN" sz="1400" b="0" i="1" smtClean="0">
+                                      <a:latin typeface="Cambria Math" panose="02040503050406030204" pitchFamily="18" charset="0"/>
+                                    </a:rPr>
+                                    <m:t>𝑡</m:t>
+                                  </m:r>
+                                </m:e>
+                                <m:sub>
+                                  <m:r>
+                                    <a:rPr lang="en-IN" sz="1400" b="0" i="1" smtClean="0">
+                                      <a:latin typeface="Cambria Math" panose="02040503050406030204" pitchFamily="18" charset="0"/>
+                                    </a:rPr>
+                                    <m:t>𝑘</m:t>
+                                  </m:r>
+                                </m:sub>
+                              </m:sSub>
+                            </m:e>
+                          </m:d>
+                          <m:r>
+                            <a:rPr lang="en-IN" sz="1400" b="0" i="1" smtClean="0">
+                              <a:latin typeface="Cambria Math" panose="02040503050406030204" pitchFamily="18" charset="0"/>
+                            </a:rPr>
+                            <m:t>, </m:t>
+                          </m:r>
+                          <m:r>
+                            <m:rPr>
+                              <m:nor/>
+                            </m:rPr>
+                            <a:rPr lang="en-IN" sz="1400" b="0" i="0" smtClean="0">
+                              <a:latin typeface="Cambria Math" panose="02040503050406030204" pitchFamily="18" charset="0"/>
+                            </a:rPr>
+                            <m:t>Sales</m:t>
+                          </m:r>
+                          <m:r>
+                            <a:rPr lang="en-IN" sz="1400" b="0" i="1" smtClean="0">
+                              <a:latin typeface="Cambria Math" panose="02040503050406030204" pitchFamily="18" charset="0"/>
+                            </a:rPr>
+                            <m:t>[</m:t>
+                          </m:r>
+                          <m:sSub>
+                            <m:sSubPr>
+                              <m:ctrlPr>
+                                <a:rPr lang="en-IN" sz="1400" b="0" i="1" smtClean="0">
+                                  <a:latin typeface="Cambria Math" panose="02040503050406030204" pitchFamily="18" charset="0"/>
+                                </a:rPr>
+                              </m:ctrlPr>
+                            </m:sSubPr>
+                            <m:e>
+                              <m:r>
+                                <a:rPr lang="en-IN" sz="1400" b="0" i="1" smtClean="0">
+                                  <a:latin typeface="Cambria Math" panose="02040503050406030204" pitchFamily="18" charset="0"/>
+                                </a:rPr>
+                                <m:t>𝑡</m:t>
+                              </m:r>
+                            </m:e>
+                            <m:sub>
+                              <m:r>
+                                <a:rPr lang="en-IN" sz="1400" b="0" i="1" smtClean="0">
+                                  <a:latin typeface="Cambria Math" panose="02040503050406030204" pitchFamily="18" charset="0"/>
+                                </a:rPr>
+                                <m:t>𝑘</m:t>
+                              </m:r>
+                              <m:r>
+                                <a:rPr lang="en-IN" sz="1400" b="0" i="1" smtClean="0">
+                                  <a:latin typeface="Cambria Math" panose="02040503050406030204" pitchFamily="18" charset="0"/>
+                                </a:rPr>
+                                <m:t>−1</m:t>
+                              </m:r>
+                            </m:sub>
+                          </m:sSub>
+                          <m:r>
+                            <a:rPr lang="en-IN" sz="1400" b="0" i="1" smtClean="0">
+                              <a:latin typeface="Cambria Math" panose="02040503050406030204" pitchFamily="18" charset="0"/>
+                            </a:rPr>
+                            <m:t>]</m:t>
+                          </m:r>
+                        </m:e>
+                      </m:d>
+                    </m:oMath>
+                  </m:oMathPara>
+                </a14:m>
+                <a:endParaRPr lang="en-IN" sz="1400" b="0" i="0" dirty="0">
+                  <a:latin typeface="Cambria Math" panose="02040503050406030204" pitchFamily="18" charset="0"/>
+                </a:endParaRPr>
+              </a:p>
+              <a:p>
+                <a:pPr marL="0" indent="0">
+                  <a:buNone/>
+                </a:pPr>
+                <a:br>
+                  <a:rPr lang="en-IN" sz="1400" b="0" i="0" dirty="0">
+                    <a:latin typeface="Cambria Math" panose="02040503050406030204" pitchFamily="18" charset="0"/>
+                  </a:rPr>
+                </a:br>
+                <a:endParaRPr lang="en-IN" sz="1400" b="0" i="0" dirty="0">
+                  <a:latin typeface="Cambria Math" panose="02040503050406030204" pitchFamily="18" charset="0"/>
+                </a:endParaRPr>
+              </a:p>
+              <a:p>
+                <a:pPr marL="0" indent="0">
+                  <a:buNone/>
+                </a:pPr>
+                <a14:m>
+                  <m:oMathPara xmlns:m="http://schemas.openxmlformats.org/officeDocument/2006/math">
+                    <m:oMathParaPr>
+                      <m:jc m:val="left"/>
+                    </m:oMathParaPr>
+                    <m:oMath xmlns:m="http://schemas.openxmlformats.org/officeDocument/2006/math">
+                      <m:r>
+                        <m:rPr>
+                          <m:nor/>
+                        </m:rPr>
+                        <a:rPr lang="en-IN" sz="1400" b="0" i="0" smtClean="0">
+                          <a:latin typeface="Cambria Math" panose="02040503050406030204" pitchFamily="18" charset="0"/>
+                        </a:rPr>
+                        <m:t>Sales</m:t>
+                      </m:r>
+                      <m:d>
+                        <m:dPr>
+                          <m:begChr m:val="["/>
+                          <m:endChr m:val="]"/>
+                          <m:ctrlPr>
+                            <a:rPr lang="en-IN" sz="1400" b="0" i="1" smtClean="0">
+                              <a:latin typeface="Cambria Math" panose="02040503050406030204" pitchFamily="18" charset="0"/>
+                            </a:rPr>
+                          </m:ctrlPr>
+                        </m:dPr>
+                        <m:e>
+                          <m:sSub>
+                            <m:sSubPr>
+                              <m:ctrlPr>
+                                <a:rPr lang="en-IN" sz="1400" b="0" i="1" smtClean="0">
+                                  <a:latin typeface="Cambria Math" panose="02040503050406030204" pitchFamily="18" charset="0"/>
+                                </a:rPr>
+                              </m:ctrlPr>
+                            </m:sSubPr>
+                            <m:e>
+                              <m:r>
+                                <a:rPr lang="en-IN" sz="1400" b="0" i="1" smtClean="0">
+                                  <a:latin typeface="Cambria Math" panose="02040503050406030204" pitchFamily="18" charset="0"/>
+                                </a:rPr>
+                                <m:t>𝑡</m:t>
+                              </m:r>
+                            </m:e>
+                            <m:sub>
+                              <m:r>
+                                <a:rPr lang="en-IN" sz="1400" b="0" i="1" smtClean="0">
+                                  <a:latin typeface="Cambria Math" panose="02040503050406030204" pitchFamily="18" charset="0"/>
+                                </a:rPr>
+                                <m:t>𝑘</m:t>
+                              </m:r>
+                            </m:sub>
+                          </m:sSub>
+                        </m:e>
+                      </m:d>
+                      <m:r>
+                        <a:rPr lang="en-IN" sz="1400" b="0" i="1" smtClean="0">
+                          <a:latin typeface="Cambria Math" panose="02040503050406030204" pitchFamily="18" charset="0"/>
+                        </a:rPr>
+                        <m:t>=</m:t>
+                      </m:r>
+                      <m:r>
+                        <a:rPr lang="en-IN" sz="1400" b="0" i="1" smtClean="0">
+                          <a:latin typeface="Cambria Math" panose="02040503050406030204" pitchFamily="18" charset="0"/>
+                        </a:rPr>
+                        <m:t>h</m:t>
+                      </m:r>
+                      <m:d>
+                        <m:dPr>
+                          <m:ctrlPr>
+                            <a:rPr lang="en-IN" sz="1400" b="0" i="1" smtClean="0">
+                              <a:latin typeface="Cambria Math" panose="02040503050406030204" pitchFamily="18" charset="0"/>
+                            </a:rPr>
+                          </m:ctrlPr>
+                        </m:dPr>
+                        <m:e>
+                          <m:eqArr>
+                            <m:eqArrPr>
+                              <m:ctrlPr>
+                                <a:rPr lang="en-IN" sz="1400" b="0" i="0" smtClean="0">
+                                  <a:latin typeface="Cambria Math" panose="02040503050406030204" pitchFamily="18" charset="0"/>
+                                </a:rPr>
+                              </m:ctrlPr>
+                            </m:eqArrPr>
+                            <m:e>
+                              <m:r>
+                                <m:rPr>
+                                  <m:nor/>
+                                </m:rPr>
+                                <a:rPr lang="en-IN" sz="1400" b="0" i="0" smtClean="0">
+                                  <a:latin typeface="Cambria Math" panose="02040503050406030204" pitchFamily="18" charset="0"/>
+                                </a:rPr>
+                                <m:t>Week</m:t>
+                              </m:r>
+                              <m:d>
+                                <m:dPr>
+                                  <m:begChr m:val="["/>
+                                  <m:endChr m:val="]"/>
+                                  <m:ctrlPr>
+                                    <a:rPr lang="en-IN" sz="1400" b="0" i="1" smtClean="0">
+                                      <a:latin typeface="Cambria Math" panose="02040503050406030204" pitchFamily="18" charset="0"/>
+                                    </a:rPr>
+                                  </m:ctrlPr>
+                                </m:dPr>
+                                <m:e>
+                                  <m:sSub>
+                                    <m:sSubPr>
+                                      <m:ctrlPr>
+                                        <a:rPr lang="en-IN" sz="1400" b="0" i="1" smtClean="0">
+                                          <a:latin typeface="Cambria Math" panose="02040503050406030204" pitchFamily="18" charset="0"/>
+                                        </a:rPr>
+                                      </m:ctrlPr>
+                                    </m:sSubPr>
+                                    <m:e>
+                                      <m:r>
+                                        <a:rPr lang="en-IN" sz="1400" b="0" i="1" smtClean="0">
+                                          <a:latin typeface="Cambria Math" panose="02040503050406030204" pitchFamily="18" charset="0"/>
+                                        </a:rPr>
+                                        <m:t>𝑡</m:t>
+                                      </m:r>
+                                    </m:e>
+                                    <m:sub>
+                                      <m:r>
+                                        <a:rPr lang="en-IN" sz="1400" b="0" i="1" smtClean="0">
+                                          <a:latin typeface="Cambria Math" panose="02040503050406030204" pitchFamily="18" charset="0"/>
+                                        </a:rPr>
+                                        <m:t>𝑘</m:t>
+                                      </m:r>
+                                    </m:sub>
+                                  </m:sSub>
+                                </m:e>
+                              </m:d>
+                              <m:r>
+                                <a:rPr lang="en-IN" sz="1400" b="0" i="1" smtClean="0">
+                                  <a:latin typeface="Cambria Math" panose="02040503050406030204" pitchFamily="18" charset="0"/>
+                                </a:rPr>
+                                <m:t>, </m:t>
+                              </m:r>
+                            </m:e>
+                            <m:e>
+                              <m:r>
+                                <m:rPr>
+                                  <m:nor/>
+                                </m:rPr>
+                                <a:rPr lang="en-IN" sz="1400" b="0" i="0" smtClean="0">
+                                  <a:latin typeface="Cambria Math" panose="02040503050406030204" pitchFamily="18" charset="0"/>
+                                </a:rPr>
+                                <m:t>Year</m:t>
+                              </m:r>
+                              <m:d>
+                                <m:dPr>
+                                  <m:begChr m:val="["/>
+                                  <m:endChr m:val="]"/>
+                                  <m:ctrlPr>
+                                    <a:rPr lang="en-IN" sz="1400" b="0" i="1" smtClean="0">
+                                      <a:latin typeface="Cambria Math" panose="02040503050406030204" pitchFamily="18" charset="0"/>
+                                    </a:rPr>
+                                  </m:ctrlPr>
+                                </m:dPr>
+                                <m:e>
+                                  <m:sSub>
+                                    <m:sSubPr>
+                                      <m:ctrlPr>
+                                        <a:rPr lang="en-IN" sz="1400" b="0" i="1" smtClean="0">
+                                          <a:latin typeface="Cambria Math" panose="02040503050406030204" pitchFamily="18" charset="0"/>
+                                        </a:rPr>
+                                      </m:ctrlPr>
+                                    </m:sSubPr>
+                                    <m:e>
+                                      <m:r>
+                                        <a:rPr lang="en-IN" sz="1400" b="0" i="1" smtClean="0">
+                                          <a:latin typeface="Cambria Math" panose="02040503050406030204" pitchFamily="18" charset="0"/>
+                                        </a:rPr>
+                                        <m:t>𝑡</m:t>
+                                      </m:r>
+                                    </m:e>
+                                    <m:sub>
+                                      <m:r>
+                                        <a:rPr lang="en-IN" sz="1400" b="0" i="1" smtClean="0">
+                                          <a:latin typeface="Cambria Math" panose="02040503050406030204" pitchFamily="18" charset="0"/>
+                                        </a:rPr>
+                                        <m:t>𝑘</m:t>
+                                      </m:r>
+                                    </m:sub>
+                                  </m:sSub>
+                                </m:e>
+                              </m:d>
+                              <m:r>
+                                <a:rPr lang="en-IN" sz="1400" b="0" i="1" smtClean="0">
+                                  <a:latin typeface="Cambria Math" panose="02040503050406030204" pitchFamily="18" charset="0"/>
+                                </a:rPr>
+                                <m:t>, </m:t>
+                              </m:r>
+                            </m:e>
+                            <m:e>
+                              <m:r>
+                                <m:rPr>
+                                  <m:nor/>
+                                </m:rPr>
+                                <a:rPr lang="en-IN" sz="1400" b="0" i="0" smtClean="0">
+                                  <a:latin typeface="Cambria Math" panose="02040503050406030204" pitchFamily="18" charset="0"/>
+                                </a:rPr>
+                                <m:t>Base</m:t>
+                              </m:r>
+                              <m:r>
+                                <m:rPr>
+                                  <m:nor/>
+                                </m:rPr>
+                                <a:rPr lang="en-IN" sz="1400" b="0" i="0" smtClean="0">
+                                  <a:latin typeface="Cambria Math" panose="02040503050406030204" pitchFamily="18" charset="0"/>
+                                </a:rPr>
+                                <m:t> </m:t>
+                              </m:r>
+                              <m:r>
+                                <m:rPr>
+                                  <m:nor/>
+                                </m:rPr>
+                                <a:rPr lang="en-IN" sz="1400" b="0" i="0" smtClean="0">
+                                  <a:latin typeface="Cambria Math" panose="02040503050406030204" pitchFamily="18" charset="0"/>
+                                </a:rPr>
+                                <m:t>Price</m:t>
+                              </m:r>
+                              <m:d>
+                                <m:dPr>
+                                  <m:begChr m:val="["/>
+                                  <m:endChr m:val="]"/>
+                                  <m:ctrlPr>
+                                    <a:rPr lang="en-IN" sz="1400" b="0" i="1" smtClean="0">
+                                      <a:latin typeface="Cambria Math" panose="02040503050406030204" pitchFamily="18" charset="0"/>
+                                    </a:rPr>
+                                  </m:ctrlPr>
+                                </m:dPr>
+                                <m:e>
+                                  <m:sSub>
+                                    <m:sSubPr>
+                                      <m:ctrlPr>
+                                        <a:rPr lang="en-IN" sz="1400" b="0" i="1" smtClean="0">
+                                          <a:latin typeface="Cambria Math" panose="02040503050406030204" pitchFamily="18" charset="0"/>
+                                        </a:rPr>
+                                      </m:ctrlPr>
+                                    </m:sSubPr>
+                                    <m:e>
+                                      <m:r>
+                                        <a:rPr lang="en-IN" sz="1400" b="0" i="1" smtClean="0">
+                                          <a:latin typeface="Cambria Math" panose="02040503050406030204" pitchFamily="18" charset="0"/>
+                                        </a:rPr>
+                                        <m:t>𝑡</m:t>
+                                      </m:r>
+                                    </m:e>
+                                    <m:sub>
+                                      <m:r>
+                                        <a:rPr lang="en-IN" sz="1400" b="0" i="1" smtClean="0">
+                                          <a:latin typeface="Cambria Math" panose="02040503050406030204" pitchFamily="18" charset="0"/>
+                                        </a:rPr>
+                                        <m:t>𝑘</m:t>
+                                      </m:r>
+                                    </m:sub>
+                                  </m:sSub>
+                                </m:e>
+                              </m:d>
+                              <m:r>
+                                <a:rPr lang="en-IN" sz="1400" b="0" i="1" smtClean="0">
+                                  <a:latin typeface="Cambria Math" panose="02040503050406030204" pitchFamily="18" charset="0"/>
+                                </a:rPr>
+                                <m:t>, </m:t>
+                              </m:r>
+                            </m:e>
+                            <m:e>
+                              <m:r>
+                                <m:rPr>
+                                  <m:nor/>
+                                </m:rPr>
+                                <a:rPr lang="en-IN" sz="1400" b="0" i="0" smtClean="0">
+                                  <a:latin typeface="Cambria Math" panose="02040503050406030204" pitchFamily="18" charset="0"/>
+                                </a:rPr>
+                                <m:t>Discount</m:t>
+                              </m:r>
+                              <m:d>
+                                <m:dPr>
+                                  <m:begChr m:val="["/>
+                                  <m:endChr m:val="]"/>
+                                  <m:ctrlPr>
+                                    <a:rPr lang="en-IN" sz="1400" b="0" i="1" smtClean="0">
+                                      <a:latin typeface="Cambria Math" panose="02040503050406030204" pitchFamily="18" charset="0"/>
+                                    </a:rPr>
+                                  </m:ctrlPr>
+                                </m:dPr>
+                                <m:e>
+                                  <m:sSub>
+                                    <m:sSubPr>
+                                      <m:ctrlPr>
+                                        <a:rPr lang="en-IN" sz="1400" b="0" i="1" smtClean="0">
+                                          <a:latin typeface="Cambria Math" panose="02040503050406030204" pitchFamily="18" charset="0"/>
+                                        </a:rPr>
+                                      </m:ctrlPr>
+                                    </m:sSubPr>
+                                    <m:e>
+                                      <m:r>
+                                        <a:rPr lang="en-IN" sz="1400" b="0" i="1" smtClean="0">
+                                          <a:latin typeface="Cambria Math" panose="02040503050406030204" pitchFamily="18" charset="0"/>
+                                        </a:rPr>
+                                        <m:t>𝑡</m:t>
+                                      </m:r>
+                                    </m:e>
+                                    <m:sub>
+                                      <m:r>
+                                        <a:rPr lang="en-IN" sz="1400" b="0" i="1" smtClean="0">
+                                          <a:latin typeface="Cambria Math" panose="02040503050406030204" pitchFamily="18" charset="0"/>
+                                        </a:rPr>
+                                        <m:t>𝑘</m:t>
+                                      </m:r>
+                                    </m:sub>
+                                  </m:sSub>
+                                </m:e>
+                              </m:d>
+                              <m:r>
+                                <a:rPr lang="en-IN" sz="1400" b="0" i="1" smtClean="0">
+                                  <a:latin typeface="Cambria Math" panose="02040503050406030204" pitchFamily="18" charset="0"/>
+                                </a:rPr>
+                                <m:t>, </m:t>
+                              </m:r>
+                            </m:e>
+                            <m:e>
+                              <m:r>
+                                <m:rPr>
+                                  <m:nor/>
+                                </m:rPr>
+                                <a:rPr lang="en-IN" sz="1400" b="0" i="0" smtClean="0">
+                                  <a:latin typeface="Cambria Math" panose="02040503050406030204" pitchFamily="18" charset="0"/>
+                                </a:rPr>
+                                <m:t>Discount</m:t>
+                              </m:r>
+                              <m:d>
+                                <m:dPr>
+                                  <m:begChr m:val="["/>
+                                  <m:endChr m:val="]"/>
+                                  <m:ctrlPr>
+                                    <a:rPr lang="en-IN" sz="1400" b="0" i="1" smtClean="0">
+                                      <a:latin typeface="Cambria Math" panose="02040503050406030204" pitchFamily="18" charset="0"/>
+                                    </a:rPr>
+                                  </m:ctrlPr>
+                                </m:dPr>
+                                <m:e>
+                                  <m:sSub>
+                                    <m:sSubPr>
+                                      <m:ctrlPr>
+                                        <a:rPr lang="en-IN" sz="1400" b="0" i="1" smtClean="0">
+                                          <a:latin typeface="Cambria Math" panose="02040503050406030204" pitchFamily="18" charset="0"/>
+                                        </a:rPr>
+                                      </m:ctrlPr>
+                                    </m:sSubPr>
+                                    <m:e>
+                                      <m:r>
+                                        <a:rPr lang="en-IN" sz="1400" b="0" i="1" smtClean="0">
+                                          <a:latin typeface="Cambria Math" panose="02040503050406030204" pitchFamily="18" charset="0"/>
+                                        </a:rPr>
+                                        <m:t>𝑡</m:t>
+                                      </m:r>
+                                    </m:e>
+                                    <m:sub>
+                                      <m:r>
+                                        <a:rPr lang="en-IN" sz="1400" b="0" i="1" smtClean="0">
+                                          <a:latin typeface="Cambria Math" panose="02040503050406030204" pitchFamily="18" charset="0"/>
+                                        </a:rPr>
+                                        <m:t>𝑘</m:t>
+                                      </m:r>
+                                      <m:r>
+                                        <a:rPr lang="en-IN" sz="1400" b="0" i="1" smtClean="0">
+                                          <a:latin typeface="Cambria Math" panose="02040503050406030204" pitchFamily="18" charset="0"/>
+                                        </a:rPr>
+                                        <m:t>−1</m:t>
+                                      </m:r>
+                                    </m:sub>
+                                  </m:sSub>
+                                </m:e>
+                              </m:d>
+                              <m:r>
+                                <a:rPr lang="en-IN" sz="1400" b="0" i="1" smtClean="0">
+                                  <a:latin typeface="Cambria Math" panose="02040503050406030204" pitchFamily="18" charset="0"/>
+                                </a:rPr>
+                                <m:t>, </m:t>
+                              </m:r>
+                            </m:e>
+                            <m:e>
+                              <m:r>
+                                <m:rPr>
+                                  <m:nor/>
+                                </m:rPr>
+                                <a:rPr lang="en-IN" sz="1400" b="0" i="0" smtClean="0">
+                                  <a:latin typeface="Cambria Math" panose="02040503050406030204" pitchFamily="18" charset="0"/>
+                                </a:rPr>
+                                <m:t>Discount</m:t>
+                              </m:r>
+                              <m:d>
+                                <m:dPr>
+                                  <m:begChr m:val="["/>
+                                  <m:endChr m:val="]"/>
+                                  <m:ctrlPr>
+                                    <a:rPr lang="en-IN" sz="1400" b="0" i="1" smtClean="0">
+                                      <a:latin typeface="Cambria Math" panose="02040503050406030204" pitchFamily="18" charset="0"/>
+                                    </a:rPr>
+                                  </m:ctrlPr>
+                                </m:dPr>
+                                <m:e>
+                                  <m:sSub>
+                                    <m:sSubPr>
+                                      <m:ctrlPr>
+                                        <a:rPr lang="en-IN" sz="1400" b="0" i="1" smtClean="0">
+                                          <a:latin typeface="Cambria Math" panose="02040503050406030204" pitchFamily="18" charset="0"/>
+                                        </a:rPr>
+                                      </m:ctrlPr>
+                                    </m:sSubPr>
+                                    <m:e>
+                                      <m:r>
+                                        <a:rPr lang="en-IN" sz="1400" b="0" i="1" smtClean="0">
+                                          <a:latin typeface="Cambria Math" panose="02040503050406030204" pitchFamily="18" charset="0"/>
+                                        </a:rPr>
+                                        <m:t>𝑡</m:t>
+                                      </m:r>
+                                    </m:e>
+                                    <m:sub>
+                                      <m:r>
+                                        <a:rPr lang="en-IN" sz="1400" b="0" i="1" smtClean="0">
+                                          <a:latin typeface="Cambria Math" panose="02040503050406030204" pitchFamily="18" charset="0"/>
+                                        </a:rPr>
+                                        <m:t>𝑘</m:t>
+                                      </m:r>
+                                      <m:r>
+                                        <a:rPr lang="en-IN" sz="1400" b="0" i="1" smtClean="0">
+                                          <a:latin typeface="Cambria Math" panose="02040503050406030204" pitchFamily="18" charset="0"/>
+                                        </a:rPr>
+                                        <m:t>−2</m:t>
+                                      </m:r>
+                                    </m:sub>
+                                  </m:sSub>
+                                </m:e>
+                              </m:d>
+                              <m:r>
+                                <a:rPr lang="en-IN" sz="1400" b="0" i="1" smtClean="0">
+                                  <a:latin typeface="Cambria Math" panose="02040503050406030204" pitchFamily="18" charset="0"/>
+                                </a:rPr>
+                                <m:t>, </m:t>
+                              </m:r>
+                            </m:e>
+                            <m:e>
+                              <m:r>
+                                <m:rPr>
+                                  <m:nor/>
+                                </m:rPr>
+                                <a:rPr lang="en-IN" sz="1400" b="0" i="0" smtClean="0">
+                                  <a:latin typeface="Cambria Math" panose="02040503050406030204" pitchFamily="18" charset="0"/>
+                                </a:rPr>
+                                <m:t>Sales</m:t>
+                              </m:r>
+                              <m:d>
+                                <m:dPr>
+                                  <m:begChr m:val="["/>
+                                  <m:endChr m:val="]"/>
+                                  <m:ctrlPr>
+                                    <a:rPr lang="en-IN" sz="1400" b="0" i="1" smtClean="0">
+                                      <a:latin typeface="Cambria Math" panose="02040503050406030204" pitchFamily="18" charset="0"/>
+                                    </a:rPr>
+                                  </m:ctrlPr>
+                                </m:dPr>
+                                <m:e>
+                                  <m:sSub>
+                                    <m:sSubPr>
+                                      <m:ctrlPr>
+                                        <a:rPr lang="en-IN" sz="1400" b="0" i="1" smtClean="0">
+                                          <a:latin typeface="Cambria Math" panose="02040503050406030204" pitchFamily="18" charset="0"/>
+                                        </a:rPr>
+                                      </m:ctrlPr>
+                                    </m:sSubPr>
+                                    <m:e>
+                                      <m:r>
+                                        <a:rPr lang="en-IN" sz="1400" b="0" i="1" smtClean="0">
+                                          <a:latin typeface="Cambria Math" panose="02040503050406030204" pitchFamily="18" charset="0"/>
+                                        </a:rPr>
+                                        <m:t>𝑡</m:t>
+                                      </m:r>
+                                    </m:e>
+                                    <m:sub>
+                                      <m:r>
+                                        <a:rPr lang="en-IN" sz="1400" b="0" i="1" smtClean="0">
+                                          <a:latin typeface="Cambria Math" panose="02040503050406030204" pitchFamily="18" charset="0"/>
+                                        </a:rPr>
+                                        <m:t>𝑘</m:t>
+                                      </m:r>
+                                      <m:r>
+                                        <a:rPr lang="en-IN" sz="1400" b="0" i="1" smtClean="0">
+                                          <a:latin typeface="Cambria Math" panose="02040503050406030204" pitchFamily="18" charset="0"/>
+                                        </a:rPr>
+                                        <m:t>−1</m:t>
+                                      </m:r>
+                                    </m:sub>
+                                  </m:sSub>
+                                </m:e>
+                              </m:d>
+                              <m:r>
+                                <a:rPr lang="en-IN" sz="1400" b="0" i="1" smtClean="0">
+                                  <a:latin typeface="Cambria Math" panose="02040503050406030204" pitchFamily="18" charset="0"/>
+                                </a:rPr>
+                                <m:t>, </m:t>
+                              </m:r>
+                            </m:e>
+                            <m:e>
+                              <m:r>
+                                <m:rPr>
+                                  <m:nor/>
+                                </m:rPr>
+                                <a:rPr lang="en-IN" sz="1400" b="0" i="0" smtClean="0">
+                                  <a:latin typeface="Cambria Math" panose="02040503050406030204" pitchFamily="18" charset="0"/>
+                                </a:rPr>
+                                <m:t>Sales</m:t>
+                              </m:r>
+                              <m:d>
+                                <m:dPr>
+                                  <m:begChr m:val="["/>
+                                  <m:endChr m:val="]"/>
+                                  <m:ctrlPr>
+                                    <a:rPr lang="en-IN" sz="1400" b="0" i="1" smtClean="0">
+                                      <a:latin typeface="Cambria Math" panose="02040503050406030204" pitchFamily="18" charset="0"/>
+                                    </a:rPr>
+                                  </m:ctrlPr>
+                                </m:dPr>
+                                <m:e>
+                                  <m:sSub>
+                                    <m:sSubPr>
+                                      <m:ctrlPr>
+                                        <a:rPr lang="en-IN" sz="1400" b="0" i="1" smtClean="0">
+                                          <a:latin typeface="Cambria Math" panose="02040503050406030204" pitchFamily="18" charset="0"/>
+                                        </a:rPr>
+                                      </m:ctrlPr>
+                                    </m:sSubPr>
+                                    <m:e>
+                                      <m:r>
+                                        <a:rPr lang="en-IN" sz="1400" b="0" i="1" smtClean="0">
+                                          <a:latin typeface="Cambria Math" panose="02040503050406030204" pitchFamily="18" charset="0"/>
+                                        </a:rPr>
+                                        <m:t>𝑡</m:t>
+                                      </m:r>
+                                    </m:e>
+                                    <m:sub>
+                                      <m:r>
+                                        <a:rPr lang="en-IN" sz="1400" b="0" i="1" smtClean="0">
+                                          <a:latin typeface="Cambria Math" panose="02040503050406030204" pitchFamily="18" charset="0"/>
+                                        </a:rPr>
+                                        <m:t>𝑘</m:t>
+                                      </m:r>
+                                      <m:r>
+                                        <a:rPr lang="en-IN" sz="1400" b="0" i="1" smtClean="0">
+                                          <a:latin typeface="Cambria Math" panose="02040503050406030204" pitchFamily="18" charset="0"/>
+                                        </a:rPr>
+                                        <m:t>−2</m:t>
+                                      </m:r>
+                                    </m:sub>
+                                  </m:sSub>
+                                </m:e>
+                              </m:d>
+                            </m:e>
+                          </m:eqArr>
+                        </m:e>
+                      </m:d>
+                    </m:oMath>
+                  </m:oMathPara>
+                </a14:m>
+                <a:br>
+                  <a:rPr lang="en-IN" sz="1400" b="0" dirty="0"/>
+                </a:br>
+                <a:endParaRPr lang="en-IN" sz="1400" b="0" dirty="0"/>
+              </a:p>
+              <a:p>
+                <a:pPr marL="0" indent="0">
+                  <a:buNone/>
+                </a:pPr>
+                <a:endParaRPr lang="en-IN" sz="1400" dirty="0"/>
+              </a:p>
+            </p:txBody>
+          </p:sp>
+        </mc:Choice>
+        <mc:Fallback>
+          <p:sp>
+            <p:nvSpPr>
+              <p:cNvPr id="7" name="Content Placeholder 6">
+                <a:extLst>
+                  <a:ext uri="{FF2B5EF4-FFF2-40B4-BE49-F238E27FC236}">
+                    <a16:creationId xmlns:a16="http://schemas.microsoft.com/office/drawing/2014/main" id="{D49536D3-462D-653C-8DFF-3A91CCA3A27D}"/>
+                  </a:ext>
+                </a:extLst>
+              </p:cNvPr>
+              <p:cNvSpPr>
+                <a:spLocks noGrp="1" noRot="1" noChangeAspect="1" noMove="1" noResize="1" noEditPoints="1" noAdjustHandles="1" noChangeArrowheads="1" noChangeShapeType="1" noTextEdit="1"/>
+              </p:cNvSpPr>
+              <p:nvPr>
+                <p:ph sz="half" idx="2"/>
+              </p:nvPr>
+            </p:nvSpPr>
+            <p:spPr>
+              <a:xfrm>
+                <a:off x="839788" y="2505075"/>
+                <a:ext cx="5157787" cy="3987800"/>
+              </a:xfrm>
+              <a:blipFill>
+                <a:blip r:embed="rId2"/>
+                <a:stretch>
+                  <a:fillRect/>
+                </a:stretch>
+              </a:blipFill>
+            </p:spPr>
+            <p:txBody>
+              <a:bodyPr/>
+              <a:lstStyle/>
+              <a:p>
+                <a:r>
+                  <a:rPr lang="en-IN">
+                    <a:noFill/>
+                  </a:rPr>
+                  <a:t> </a:t>
+                </a:r>
+              </a:p>
+            </p:txBody>
+          </p:sp>
+        </mc:Fallback>
+      </mc:AlternateContent>
+      <p:sp>
+        <p:nvSpPr>
+          <p:cNvPr id="8" name="Text Placeholder 7">
+            <a:extLst>
+              <a:ext uri="{FF2B5EF4-FFF2-40B4-BE49-F238E27FC236}">
+                <a16:creationId xmlns:a16="http://schemas.microsoft.com/office/drawing/2014/main" id="{31388B72-BDDC-E895-8F60-B8109040BBA2}"/>
+              </a:ext>
+            </a:extLst>
+          </p:cNvPr>
+          <p:cNvSpPr>
+            <a:spLocks noGrp="1"/>
+          </p:cNvSpPr>
+          <p:nvPr>
+            <p:ph type="body" sz="quarter" idx="3"/>
+          </p:nvPr>
+        </p:nvSpPr>
+        <p:spPr/>
+        <p:txBody>
+          <a:bodyPr/>
+          <a:lstStyle/>
+          <a:p>
+            <a:r>
+              <a:rPr lang="en-IN" dirty="0"/>
+              <a:t>Representation of formulations</a:t>
+            </a:r>
+          </a:p>
+        </p:txBody>
+      </p:sp>
+      <mc:AlternateContent xmlns:mc="http://schemas.openxmlformats.org/markup-compatibility/2006">
+        <mc:Choice xmlns:a14="http://schemas.microsoft.com/office/drawing/2010/main" Requires="a14">
+          <p:sp>
+            <p:nvSpPr>
+              <p:cNvPr id="9" name="Content Placeholder 8">
+                <a:extLst>
+                  <a:ext uri="{FF2B5EF4-FFF2-40B4-BE49-F238E27FC236}">
+                    <a16:creationId xmlns:a16="http://schemas.microsoft.com/office/drawing/2014/main" id="{0066E3C6-2F6B-C667-9EC0-647B956154BF}"/>
+                  </a:ext>
+                </a:extLst>
+              </p:cNvPr>
+              <p:cNvSpPr>
+                <a:spLocks noGrp="1"/>
+              </p:cNvSpPr>
+              <p:nvPr>
+                <p:ph sz="quarter" idx="4"/>
+              </p:nvPr>
+            </p:nvSpPr>
+            <p:spPr>
+              <a:xfrm>
+                <a:off x="6172200" y="2505075"/>
+                <a:ext cx="5183188" cy="3987800"/>
+              </a:xfrm>
+            </p:spPr>
+            <p:txBody>
+              <a:bodyPr>
+                <a:normAutofit/>
+              </a:bodyPr>
+              <a:lstStyle/>
+              <a:p>
+                <a:pPr marL="0" indent="0">
+                  <a:buNone/>
+                </a:pPr>
+                <a14:m>
+                  <m:oMath xmlns:m="http://schemas.openxmlformats.org/officeDocument/2006/math">
+                    <m:r>
+                      <a:rPr lang="en-IN" sz="1400" b="0" i="1" smtClean="0">
+                        <a:latin typeface="Cambria Math" panose="02040503050406030204" pitchFamily="18" charset="0"/>
+                      </a:rPr>
+                      <m:t>𝑢</m:t>
+                    </m:r>
+                    <m:d>
+                      <m:dPr>
+                        <m:ctrlPr>
+                          <a:rPr lang="en-IN" sz="1400" b="0" i="1" smtClean="0">
+                            <a:latin typeface="Cambria Math" panose="02040503050406030204" pitchFamily="18" charset="0"/>
+                          </a:rPr>
+                        </m:ctrlPr>
+                      </m:dPr>
+                      <m:e>
+                        <m:sSub>
+                          <m:sSubPr>
+                            <m:ctrlPr>
+                              <a:rPr lang="en-IN" sz="1400" b="0" i="1" smtClean="0">
+                                <a:latin typeface="Cambria Math" panose="02040503050406030204" pitchFamily="18" charset="0"/>
+                              </a:rPr>
+                            </m:ctrlPr>
+                          </m:sSubPr>
+                          <m:e>
+                            <m:r>
+                              <a:rPr lang="en-IN" sz="1400" b="0" i="1" smtClean="0">
+                                <a:latin typeface="Cambria Math" panose="02040503050406030204" pitchFamily="18" charset="0"/>
+                              </a:rPr>
+                              <m:t>𝑡</m:t>
+                            </m:r>
+                          </m:e>
+                          <m:sub>
+                            <m:r>
+                              <a:rPr lang="en-IN" sz="1400" b="0" i="1" smtClean="0">
+                                <a:latin typeface="Cambria Math" panose="02040503050406030204" pitchFamily="18" charset="0"/>
+                              </a:rPr>
+                              <m:t>𝑘</m:t>
+                            </m:r>
+                          </m:sub>
+                        </m:sSub>
+                      </m:e>
+                    </m:d>
+                    <m:r>
+                      <a:rPr lang="en-IN" sz="1400" b="0" i="1" smtClean="0">
+                        <a:latin typeface="Cambria Math" panose="02040503050406030204" pitchFamily="18" charset="0"/>
+                      </a:rPr>
+                      <m:t>=</m:t>
+                    </m:r>
+                    <m:r>
+                      <m:rPr>
+                        <m:nor/>
+                      </m:rPr>
+                      <a:rPr lang="en-IN" sz="1400" b="0" i="0" smtClean="0">
+                        <a:latin typeface="Cambria Math" panose="02040503050406030204" pitchFamily="18" charset="0"/>
+                      </a:rPr>
+                      <m:t>get</m:t>
+                    </m:r>
+                    <m:r>
+                      <m:rPr>
+                        <m:nor/>
+                      </m:rPr>
+                      <a:rPr lang="en-IN" sz="1400" b="0" i="0" smtClean="0">
+                        <a:latin typeface="Cambria Math" panose="02040503050406030204" pitchFamily="18" charset="0"/>
+                      </a:rPr>
+                      <m:t>_</m:t>
+                    </m:r>
+                    <m:r>
+                      <m:rPr>
+                        <m:nor/>
+                      </m:rPr>
+                      <a:rPr lang="en-IN" sz="1400" b="0" i="0" smtClean="0">
+                        <a:latin typeface="Cambria Math" panose="02040503050406030204" pitchFamily="18" charset="0"/>
+                      </a:rPr>
+                      <m:t>week</m:t>
+                    </m:r>
+                    <m:r>
+                      <m:rPr>
+                        <m:nor/>
+                      </m:rPr>
+                      <a:rPr lang="en-IN" sz="1400" b="0" i="0" smtClean="0">
+                        <a:latin typeface="Cambria Math" panose="02040503050406030204" pitchFamily="18" charset="0"/>
+                      </a:rPr>
+                      <m:t>_</m:t>
+                    </m:r>
+                    <m:r>
+                      <m:rPr>
+                        <m:nor/>
+                      </m:rPr>
+                      <a:rPr lang="en-IN" sz="1400" b="0" i="0" smtClean="0">
+                        <a:latin typeface="Cambria Math" panose="02040503050406030204" pitchFamily="18" charset="0"/>
+                      </a:rPr>
+                      <m:t>number</m:t>
+                    </m:r>
+                    <m:d>
+                      <m:dPr>
+                        <m:ctrlPr>
+                          <a:rPr lang="en-IN" sz="1400" b="0" i="1" smtClean="0">
+                            <a:latin typeface="Cambria Math" panose="02040503050406030204" pitchFamily="18" charset="0"/>
+                          </a:rPr>
+                        </m:ctrlPr>
+                      </m:dPr>
+                      <m:e>
+                        <m:sSub>
+                          <m:sSubPr>
+                            <m:ctrlPr>
+                              <a:rPr lang="en-IN" sz="1400" b="0" i="1" smtClean="0">
+                                <a:latin typeface="Cambria Math" panose="02040503050406030204" pitchFamily="18" charset="0"/>
+                              </a:rPr>
+                            </m:ctrlPr>
+                          </m:sSubPr>
+                          <m:e>
+                            <m:r>
+                              <a:rPr lang="en-IN" sz="1400" b="0" i="1" smtClean="0">
+                                <a:latin typeface="Cambria Math" panose="02040503050406030204" pitchFamily="18" charset="0"/>
+                              </a:rPr>
+                              <m:t>𝑡</m:t>
+                            </m:r>
+                          </m:e>
+                          <m:sub>
+                            <m:r>
+                              <a:rPr lang="en-IN" sz="1400" b="0" i="1" smtClean="0">
+                                <a:latin typeface="Cambria Math" panose="02040503050406030204" pitchFamily="18" charset="0"/>
+                              </a:rPr>
+                              <m:t>𝑘</m:t>
+                            </m:r>
+                          </m:sub>
+                        </m:sSub>
+                      </m:e>
+                    </m:d>
+                    <m:r>
+                      <a:rPr lang="en-IN" sz="1400" b="0" i="1" smtClean="0">
+                        <a:latin typeface="Cambria Math" panose="02040503050406030204" pitchFamily="18" charset="0"/>
+                      </a:rPr>
+                      <m:t>, </m:t>
+                    </m:r>
+                    <m:r>
+                      <m:rPr>
+                        <m:nor/>
+                      </m:rPr>
+                      <a:rPr lang="en-IN" sz="1400">
+                        <a:latin typeface="Cambria Math" panose="02040503050406030204" pitchFamily="18" charset="0"/>
+                      </a:rPr>
+                      <m:t>where</m:t>
+                    </m:r>
+                    <m:r>
+                      <m:rPr>
+                        <m:nor/>
+                      </m:rPr>
+                      <a:rPr lang="en-IN" sz="1400">
+                        <a:latin typeface="Cambria Math" panose="02040503050406030204" pitchFamily="18" charset="0"/>
+                      </a:rPr>
+                      <m:t> </m:t>
+                    </m:r>
+                    <m:r>
+                      <m:rPr>
+                        <m:nor/>
+                      </m:rPr>
+                      <a:rPr lang="en-IN" sz="1400">
+                        <a:latin typeface="Cambria Math" panose="02040503050406030204" pitchFamily="18" charset="0"/>
+                      </a:rPr>
+                      <m:t>get</m:t>
+                    </m:r>
+                    <m:r>
+                      <m:rPr>
+                        <m:nor/>
+                      </m:rPr>
+                      <a:rPr lang="en-IN" sz="1400">
+                        <a:latin typeface="Cambria Math" panose="02040503050406030204" pitchFamily="18" charset="0"/>
+                      </a:rPr>
+                      <m:t>_</m:t>
+                    </m:r>
+                    <m:r>
+                      <m:rPr>
+                        <m:nor/>
+                      </m:rPr>
+                      <a:rPr lang="en-IN" sz="1400">
+                        <a:latin typeface="Cambria Math" panose="02040503050406030204" pitchFamily="18" charset="0"/>
+                      </a:rPr>
+                      <m:t>week</m:t>
+                    </m:r>
+                    <m:r>
+                      <m:rPr>
+                        <m:nor/>
+                      </m:rPr>
+                      <a:rPr lang="en-IN" sz="1400">
+                        <a:latin typeface="Cambria Math" panose="02040503050406030204" pitchFamily="18" charset="0"/>
+                      </a:rPr>
+                      <m:t>_</m:t>
+                    </m:r>
+                    <m:r>
+                      <m:rPr>
+                        <m:nor/>
+                      </m:rPr>
+                      <a:rPr lang="en-IN" sz="1400">
+                        <a:latin typeface="Cambria Math" panose="02040503050406030204" pitchFamily="18" charset="0"/>
+                      </a:rPr>
+                      <m:t>number</m:t>
+                    </m:r>
+                    <m:r>
+                      <m:rPr>
+                        <m:nor/>
+                      </m:rPr>
+                      <a:rPr lang="en-IN" sz="1400">
+                        <a:latin typeface="Cambria Math" panose="02040503050406030204" pitchFamily="18" charset="0"/>
+                      </a:rPr>
+                      <m:t> </m:t>
+                    </m:r>
+                    <m:r>
+                      <m:rPr>
+                        <m:nor/>
+                      </m:rPr>
+                      <a:rPr lang="en-IN" sz="1400">
+                        <a:latin typeface="Cambria Math" panose="02040503050406030204" pitchFamily="18" charset="0"/>
+                      </a:rPr>
+                      <m:t>is</m:t>
+                    </m:r>
+                    <m:r>
+                      <m:rPr>
+                        <m:nor/>
+                      </m:rPr>
+                      <a:rPr lang="en-IN" sz="1400">
+                        <a:latin typeface="Cambria Math" panose="02040503050406030204" pitchFamily="18" charset="0"/>
+                      </a:rPr>
+                      <m:t> </m:t>
+                    </m:r>
+                    <m:r>
+                      <m:rPr>
+                        <m:nor/>
+                      </m:rPr>
+                      <a:rPr lang="en-IN" sz="1400">
+                        <a:latin typeface="Cambria Math" panose="02040503050406030204" pitchFamily="18" charset="0"/>
+                      </a:rPr>
+                      <m:t>a</m:t>
+                    </m:r>
+                    <m:r>
+                      <m:rPr>
+                        <m:nor/>
+                      </m:rPr>
+                      <a:rPr lang="en-IN" sz="1400">
+                        <a:latin typeface="Cambria Math" panose="02040503050406030204" pitchFamily="18" charset="0"/>
+                      </a:rPr>
+                      <m:t> </m:t>
+                    </m:r>
+                    <m:r>
+                      <m:rPr>
+                        <m:nor/>
+                      </m:rPr>
+                      <a:rPr lang="en-IN" sz="1400">
+                        <a:latin typeface="Cambria Math" panose="02040503050406030204" pitchFamily="18" charset="0"/>
+                      </a:rPr>
+                      <m:t>function</m:t>
+                    </m:r>
+                    <m:r>
+                      <m:rPr>
+                        <m:nor/>
+                      </m:rPr>
+                      <a:rPr lang="en-IN" sz="1400">
+                        <a:latin typeface="Cambria Math" panose="02040503050406030204" pitchFamily="18" charset="0"/>
+                      </a:rPr>
+                      <m:t> </m:t>
+                    </m:r>
+                    <m:r>
+                      <m:rPr>
+                        <m:nor/>
+                      </m:rPr>
+                      <a:rPr lang="en-IN" sz="1400">
+                        <a:latin typeface="Cambria Math" panose="02040503050406030204" pitchFamily="18" charset="0"/>
+                      </a:rPr>
+                      <m:t>that</m:t>
+                    </m:r>
+                    <m:r>
+                      <m:rPr>
+                        <m:nor/>
+                      </m:rPr>
+                      <a:rPr lang="en-IN" sz="1400">
+                        <a:latin typeface="Cambria Math" panose="02040503050406030204" pitchFamily="18" charset="0"/>
+                      </a:rPr>
+                      <m:t> </m:t>
+                    </m:r>
+                    <m:r>
+                      <m:rPr>
+                        <m:nor/>
+                      </m:rPr>
+                      <a:rPr lang="en-IN" sz="1400">
+                        <a:latin typeface="Cambria Math" panose="02040503050406030204" pitchFamily="18" charset="0"/>
+                      </a:rPr>
+                      <m:t>gets</m:t>
+                    </m:r>
+                    <m:r>
+                      <m:rPr>
+                        <m:nor/>
+                      </m:rPr>
+                      <a:rPr lang="en-IN" sz="1400">
+                        <a:latin typeface="Cambria Math" panose="02040503050406030204" pitchFamily="18" charset="0"/>
+                      </a:rPr>
+                      <m:t> </m:t>
+                    </m:r>
+                    <m:r>
+                      <m:rPr>
+                        <m:nor/>
+                      </m:rPr>
+                      <a:rPr lang="en-IN" sz="1400">
+                        <a:latin typeface="Cambria Math" panose="02040503050406030204" pitchFamily="18" charset="0"/>
+                      </a:rPr>
+                      <m:t>the</m:t>
+                    </m:r>
+                    <m:r>
+                      <m:rPr>
+                        <m:nor/>
+                      </m:rPr>
+                      <a:rPr lang="en-IN" sz="1400">
+                        <a:latin typeface="Cambria Math" panose="02040503050406030204" pitchFamily="18" charset="0"/>
+                      </a:rPr>
+                      <m:t> </m:t>
+                    </m:r>
+                    <m:r>
+                      <m:rPr>
+                        <m:nor/>
+                      </m:rPr>
+                      <a:rPr lang="en-IN" sz="1400">
+                        <a:latin typeface="Cambria Math" panose="02040503050406030204" pitchFamily="18" charset="0"/>
+                      </a:rPr>
+                      <m:t>week</m:t>
+                    </m:r>
+                    <m:r>
+                      <m:rPr>
+                        <m:nor/>
+                      </m:rPr>
+                      <a:rPr lang="en-IN" sz="1400">
+                        <a:latin typeface="Cambria Math" panose="02040503050406030204" pitchFamily="18" charset="0"/>
+                      </a:rPr>
+                      <m:t> </m:t>
+                    </m:r>
+                    <m:r>
+                      <m:rPr>
+                        <m:nor/>
+                      </m:rPr>
+                      <a:rPr lang="en-IN" sz="1400">
+                        <a:latin typeface="Cambria Math" panose="02040503050406030204" pitchFamily="18" charset="0"/>
+                      </a:rPr>
+                      <m:t>from</m:t>
+                    </m:r>
+                    <m:r>
+                      <a:rPr lang="en-IN" sz="1400" b="0" i="1" smtClean="0">
+                        <a:latin typeface="Cambria Math" panose="02040503050406030204" pitchFamily="18" charset="0"/>
+                      </a:rPr>
+                      <m:t> </m:t>
+                    </m:r>
+                    <m:sSub>
+                      <m:sSubPr>
+                        <m:ctrlPr>
+                          <a:rPr lang="en-IN" sz="1400" b="0" i="1" smtClean="0">
+                            <a:latin typeface="Cambria Math" panose="02040503050406030204" pitchFamily="18" charset="0"/>
+                          </a:rPr>
+                        </m:ctrlPr>
+                      </m:sSubPr>
+                      <m:e>
+                        <m:r>
+                          <a:rPr lang="en-IN" sz="1400" b="0" i="1" smtClean="0">
+                            <a:latin typeface="Cambria Math" panose="02040503050406030204" pitchFamily="18" charset="0"/>
+                          </a:rPr>
+                          <m:t>𝑡</m:t>
+                        </m:r>
+                      </m:e>
+                      <m:sub>
+                        <m:r>
+                          <a:rPr lang="en-IN" sz="1400" b="0" i="1" smtClean="0">
+                            <a:latin typeface="Cambria Math" panose="02040503050406030204" pitchFamily="18" charset="0"/>
+                          </a:rPr>
+                          <m:t>𝑘</m:t>
+                        </m:r>
+                      </m:sub>
+                    </m:sSub>
+                  </m:oMath>
+                </a14:m>
+                <a:r>
+                  <a:rPr lang="en-IN" sz="1400" dirty="0"/>
+                  <a:t>.</a:t>
+                </a:r>
+              </a:p>
+              <a:p>
+                <a:pPr marL="0" indent="0">
+                  <a:buNone/>
+                </a:pPr>
+                <a:r>
+                  <a:rPr lang="en-IN" sz="1400" dirty="0"/>
+                  <a:t>Similar for </a:t>
+                </a:r>
+                <a14:m>
+                  <m:oMath xmlns:m="http://schemas.openxmlformats.org/officeDocument/2006/math">
+                    <m:r>
+                      <a:rPr lang="en-IN" sz="1400" b="0" i="1" smtClean="0">
+                        <a:latin typeface="Cambria Math" panose="02040503050406030204" pitchFamily="18" charset="0"/>
+                      </a:rPr>
+                      <m:t>𝑣</m:t>
+                    </m:r>
+                    <m:d>
+                      <m:dPr>
+                        <m:ctrlPr>
+                          <a:rPr lang="en-IN" sz="1400" b="0" i="1" smtClean="0">
+                            <a:latin typeface="Cambria Math" panose="02040503050406030204" pitchFamily="18" charset="0"/>
+                          </a:rPr>
+                        </m:ctrlPr>
+                      </m:dPr>
+                      <m:e>
+                        <m:sSub>
+                          <m:sSubPr>
+                            <m:ctrlPr>
+                              <a:rPr lang="en-IN" sz="1400" b="0" i="1" smtClean="0">
+                                <a:latin typeface="Cambria Math" panose="02040503050406030204" pitchFamily="18" charset="0"/>
+                              </a:rPr>
+                            </m:ctrlPr>
+                          </m:sSubPr>
+                          <m:e>
+                            <m:r>
+                              <a:rPr lang="en-IN" sz="1400" b="0" i="1" smtClean="0">
+                                <a:latin typeface="Cambria Math" panose="02040503050406030204" pitchFamily="18" charset="0"/>
+                              </a:rPr>
+                              <m:t>𝑡</m:t>
+                            </m:r>
+                          </m:e>
+                          <m:sub>
+                            <m:r>
+                              <a:rPr lang="en-IN" sz="1400" b="0" i="1" smtClean="0">
+                                <a:latin typeface="Cambria Math" panose="02040503050406030204" pitchFamily="18" charset="0"/>
+                              </a:rPr>
+                              <m:t>𝑘</m:t>
+                            </m:r>
+                          </m:sub>
+                        </m:sSub>
+                      </m:e>
+                    </m:d>
+                  </m:oMath>
+                </a14:m>
+                <a:r>
+                  <a:rPr lang="en-IN" sz="1400" dirty="0"/>
+                  <a:t>.</a:t>
+                </a:r>
+              </a:p>
+              <a:p>
+                <a:pPr marL="0" indent="0">
+                  <a:buNone/>
+                </a:pPr>
+                <a:endParaRPr lang="en-IN" sz="1400" dirty="0"/>
+              </a:p>
+              <a:p>
+                <a:pPr marL="0" indent="0">
+                  <a:buNone/>
+                </a:pPr>
+                <a14:m>
+                  <m:oMathPara xmlns:m="http://schemas.openxmlformats.org/officeDocument/2006/math">
+                    <m:oMathParaPr>
+                      <m:jc m:val="left"/>
+                    </m:oMathParaPr>
+                    <m:oMath xmlns:m="http://schemas.openxmlformats.org/officeDocument/2006/math">
+                      <m:r>
+                        <a:rPr lang="en-IN" sz="1400" b="0" i="1" smtClean="0">
+                          <a:latin typeface="Cambria Math" panose="02040503050406030204" pitchFamily="18" charset="0"/>
+                        </a:rPr>
+                        <m:t>𝑔</m:t>
+                      </m:r>
+                      <m:d>
+                        <m:dPr>
+                          <m:ctrlPr>
+                            <a:rPr lang="en-IN" sz="1400" b="0" i="1" smtClean="0">
+                              <a:latin typeface="Cambria Math" panose="02040503050406030204" pitchFamily="18" charset="0"/>
+                            </a:rPr>
+                          </m:ctrlPr>
+                        </m:dPr>
+                        <m:e>
+                          <m:r>
+                            <m:rPr>
+                              <m:nor/>
+                            </m:rPr>
+                            <a:rPr lang="en-IN" sz="1400" b="0" i="0" smtClean="0">
+                              <a:latin typeface="Cambria Math" panose="02040503050406030204" pitchFamily="18" charset="0"/>
+                            </a:rPr>
+                            <m:t>Year</m:t>
+                          </m:r>
+                          <m:d>
+                            <m:dPr>
+                              <m:begChr m:val="["/>
+                              <m:endChr m:val="]"/>
+                              <m:ctrlPr>
+                                <a:rPr lang="en-IN" sz="1400" b="0" i="1" smtClean="0">
+                                  <a:latin typeface="Cambria Math" panose="02040503050406030204" pitchFamily="18" charset="0"/>
+                                </a:rPr>
+                              </m:ctrlPr>
+                            </m:dPr>
+                            <m:e>
+                              <m:sSub>
+                                <m:sSubPr>
+                                  <m:ctrlPr>
+                                    <a:rPr lang="en-IN" sz="1400" b="0" i="1" smtClean="0">
+                                      <a:latin typeface="Cambria Math" panose="02040503050406030204" pitchFamily="18" charset="0"/>
+                                    </a:rPr>
+                                  </m:ctrlPr>
+                                </m:sSubPr>
+                                <m:e>
+                                  <m:r>
+                                    <a:rPr lang="en-IN" sz="1400" b="0" i="1" smtClean="0">
+                                      <a:latin typeface="Cambria Math" panose="02040503050406030204" pitchFamily="18" charset="0"/>
+                                    </a:rPr>
+                                    <m:t>𝑡</m:t>
+                                  </m:r>
+                                </m:e>
+                                <m:sub>
+                                  <m:r>
+                                    <a:rPr lang="en-IN" sz="1400" b="0" i="1" smtClean="0">
+                                      <a:latin typeface="Cambria Math" panose="02040503050406030204" pitchFamily="18" charset="0"/>
+                                    </a:rPr>
+                                    <m:t>𝑘</m:t>
+                                  </m:r>
+                                </m:sub>
+                              </m:sSub>
+                            </m:e>
+                          </m:d>
+                        </m:e>
+                      </m:d>
+                      <m:r>
+                        <a:rPr lang="en-IN" sz="1400" b="0" i="1" smtClean="0">
+                          <a:latin typeface="Cambria Math" panose="02040503050406030204" pitchFamily="18" charset="0"/>
+                        </a:rPr>
+                        <m:t>=</m:t>
+                      </m:r>
+                    </m:oMath>
+                  </m:oMathPara>
+                </a14:m>
+                <a:endParaRPr lang="en-IN" sz="1400" dirty="0"/>
+              </a:p>
+            </p:txBody>
+          </p:sp>
+        </mc:Choice>
+        <mc:Fallback>
+          <p:sp>
+            <p:nvSpPr>
+              <p:cNvPr id="9" name="Content Placeholder 8">
+                <a:extLst>
+                  <a:ext uri="{FF2B5EF4-FFF2-40B4-BE49-F238E27FC236}">
+                    <a16:creationId xmlns:a16="http://schemas.microsoft.com/office/drawing/2014/main" id="{0066E3C6-2F6B-C667-9EC0-647B956154BF}"/>
+                  </a:ext>
+                </a:extLst>
+              </p:cNvPr>
+              <p:cNvSpPr>
+                <a:spLocks noGrp="1" noRot="1" noChangeAspect="1" noMove="1" noResize="1" noEditPoints="1" noAdjustHandles="1" noChangeArrowheads="1" noChangeShapeType="1" noTextEdit="1"/>
+              </p:cNvSpPr>
+              <p:nvPr>
+                <p:ph sz="quarter" idx="4"/>
+              </p:nvPr>
+            </p:nvSpPr>
+            <p:spPr>
+              <a:xfrm>
+                <a:off x="6172200" y="2505075"/>
+                <a:ext cx="5183188" cy="3987800"/>
+              </a:xfrm>
+              <a:blipFill>
+                <a:blip r:embed="rId3"/>
+                <a:stretch>
+                  <a:fillRect l="-353"/>
+                </a:stretch>
+              </a:blipFill>
+            </p:spPr>
+            <p:txBody>
+              <a:bodyPr/>
+              <a:lstStyle/>
+              <a:p>
+                <a:r>
+                  <a:rPr lang="en-IN">
+                    <a:noFill/>
+                  </a:rPr>
+                  <a:t> </a:t>
+                </a:r>
+              </a:p>
+            </p:txBody>
+          </p:sp>
+        </mc:Fallback>
+      </mc:AlternateContent>
+    </p:spTree>
+    <p:extLst>
+      <p:ext uri="{BB962C8B-B14F-4D97-AF65-F5344CB8AC3E}">
+        <p14:creationId xmlns:p14="http://schemas.microsoft.com/office/powerpoint/2010/main" val="4114591819"/>
       </p:ext>
     </p:extLst>
   </p:cSld>
@@ -7897,6 +11416,1341 @@
     <p:extLst>
       <p:ext uri="{BB962C8B-B14F-4D97-AF65-F5344CB8AC3E}">
         <p14:creationId xmlns:p14="http://schemas.microsoft.com/office/powerpoint/2010/main" val="1799552746"/>
+      </p:ext>
+    </p:extLst>
+  </p:cSld>
+  <p:clrMapOvr>
+    <a:masterClrMapping/>
+  </p:clrMapOvr>
+</p:sld>
+</file>
+
+<file path=ppt/slides/slide20.xml><?xml version="1.0" encoding="utf-8"?>
+<p:sld xmlns:a="http://schemas.openxmlformats.org/drawingml/2006/main" xmlns:r="http://schemas.openxmlformats.org/officeDocument/2006/relationships" xmlns:p="http://schemas.openxmlformats.org/presentationml/2006/main">
+  <p:cSld>
+    <p:spTree>
+      <p:nvGrpSpPr>
+        <p:cNvPr id="1" name=""/>
+        <p:cNvGrpSpPr/>
+        <p:nvPr/>
+      </p:nvGrpSpPr>
+      <p:grpSpPr>
+        <a:xfrm>
+          <a:off x="0" y="0"/>
+          <a:ext cx="0" cy="0"/>
+          <a:chOff x="0" y="0"/>
+          <a:chExt cx="0" cy="0"/>
+        </a:xfrm>
+      </p:grpSpPr>
+      <p:sp>
+        <p:nvSpPr>
+          <p:cNvPr id="2" name="Title 1">
+            <a:extLst>
+              <a:ext uri="{FF2B5EF4-FFF2-40B4-BE49-F238E27FC236}">
+                <a16:creationId xmlns:a16="http://schemas.microsoft.com/office/drawing/2014/main" id="{93DD5A3C-A672-0B08-75A1-6E423623A9FC}"/>
+              </a:ext>
+            </a:extLst>
+          </p:cNvPr>
+          <p:cNvSpPr>
+            <a:spLocks noGrp="1"/>
+          </p:cNvSpPr>
+          <p:nvPr>
+            <p:ph type="ctrTitle"/>
+          </p:nvPr>
+        </p:nvSpPr>
+        <p:spPr/>
+        <p:txBody>
+          <a:bodyPr/>
+          <a:lstStyle/>
+          <a:p>
+            <a:r>
+              <a:rPr lang="en-IN" b="1" dirty="0"/>
+              <a:t>How DBN solves the problems</a:t>
+            </a:r>
+          </a:p>
+        </p:txBody>
+      </p:sp>
+      <p:sp>
+        <p:nvSpPr>
+          <p:cNvPr id="3" name="Subtitle 2">
+            <a:extLst>
+              <a:ext uri="{FF2B5EF4-FFF2-40B4-BE49-F238E27FC236}">
+                <a16:creationId xmlns:a16="http://schemas.microsoft.com/office/drawing/2014/main" id="{E5274B28-BA5C-33E2-0852-234E6D7A4A89}"/>
+              </a:ext>
+            </a:extLst>
+          </p:cNvPr>
+          <p:cNvSpPr>
+            <a:spLocks noGrp="1"/>
+          </p:cNvSpPr>
+          <p:nvPr>
+            <p:ph type="subTitle" idx="1"/>
+          </p:nvPr>
+        </p:nvSpPr>
+        <p:spPr/>
+        <p:txBody>
+          <a:bodyPr/>
+          <a:lstStyle/>
+          <a:p>
+            <a:r>
+              <a:rPr lang="en-IN" dirty="0"/>
+              <a:t>Details of the DBN setup that helps address each of the problems</a:t>
+            </a:r>
+          </a:p>
+        </p:txBody>
+      </p:sp>
+    </p:spTree>
+    <p:extLst>
+      <p:ext uri="{BB962C8B-B14F-4D97-AF65-F5344CB8AC3E}">
+        <p14:creationId xmlns:p14="http://schemas.microsoft.com/office/powerpoint/2010/main" val="852648946"/>
+      </p:ext>
+    </p:extLst>
+  </p:cSld>
+  <p:clrMapOvr>
+    <a:masterClrMapping/>
+  </p:clrMapOvr>
+</p:sld>
+</file>
+
+<file path=ppt/slides/slide21.xml><?xml version="1.0" encoding="utf-8"?>
+<p:sld xmlns:a="http://schemas.openxmlformats.org/drawingml/2006/main" xmlns:r="http://schemas.openxmlformats.org/officeDocument/2006/relationships" xmlns:p="http://schemas.openxmlformats.org/presentationml/2006/main">
+  <p:cSld>
+    <p:spTree>
+      <p:nvGrpSpPr>
+        <p:cNvPr id="1" name="">
+          <a:extLst>
+            <a:ext uri="{FF2B5EF4-FFF2-40B4-BE49-F238E27FC236}">
+              <a16:creationId xmlns:a16="http://schemas.microsoft.com/office/drawing/2014/main" id="{8F70C226-939F-A78C-EAAF-97ACD7A47F5D}"/>
+            </a:ext>
+          </a:extLst>
+        </p:cNvPr>
+        <p:cNvGrpSpPr/>
+        <p:nvPr/>
+      </p:nvGrpSpPr>
+      <p:grpSpPr>
+        <a:xfrm>
+          <a:off x="0" y="0"/>
+          <a:ext cx="0" cy="0"/>
+          <a:chOff x="0" y="0"/>
+          <a:chExt cx="0" cy="0"/>
+        </a:xfrm>
+      </p:grpSpPr>
+      <p:pic>
+        <p:nvPicPr>
+          <p:cNvPr id="3" name="Graphic 2">
+            <a:extLst>
+              <a:ext uri="{FF2B5EF4-FFF2-40B4-BE49-F238E27FC236}">
+                <a16:creationId xmlns:a16="http://schemas.microsoft.com/office/drawing/2014/main" id="{6571B3E9-FA07-9962-B1C1-8D8E08204CA7}"/>
+              </a:ext>
+              <a:ext uri="{C183D7F6-B498-43B3-948B-1728B52AA6E4}">
+                <adec:decorative xmlns:adec="http://schemas.microsoft.com/office/drawing/2017/decorative" val="0"/>
+              </a:ext>
+            </a:extLst>
+          </p:cNvPr>
+          <p:cNvPicPr>
+            <a:picLocks noChangeAspect="1"/>
+          </p:cNvPicPr>
+          <p:nvPr/>
+        </p:nvPicPr>
+        <p:blipFill>
+          <a:blip r:embed="rId2">
+            <a:extLst>
+              <a:ext uri="{96DAC541-7B7A-43D3-8B79-37D633B846F1}">
+                <asvg:svgBlip xmlns:asvg="http://schemas.microsoft.com/office/drawing/2016/SVG/main" r:embed="rId3"/>
+              </a:ext>
+            </a:extLst>
+          </a:blip>
+          <a:stretch>
+            <a:fillRect/>
+          </a:stretch>
+        </p:blipFill>
+        <p:spPr>
+          <a:xfrm>
+            <a:off x="838200" y="3262648"/>
+            <a:ext cx="914400" cy="914400"/>
+          </a:xfrm>
+          <a:prstGeom prst="rect">
+            <a:avLst/>
+          </a:prstGeom>
+        </p:spPr>
+      </p:pic>
+      <p:sp>
+        <p:nvSpPr>
+          <p:cNvPr id="10" name="TextBox 9">
+            <a:extLst>
+              <a:ext uri="{FF2B5EF4-FFF2-40B4-BE49-F238E27FC236}">
+                <a16:creationId xmlns:a16="http://schemas.microsoft.com/office/drawing/2014/main" id="{649E5233-AA2A-E73D-A193-B993300A3F2A}"/>
+              </a:ext>
+            </a:extLst>
+          </p:cNvPr>
+          <p:cNvSpPr txBox="1"/>
+          <p:nvPr/>
+        </p:nvSpPr>
+        <p:spPr>
+          <a:xfrm>
+            <a:off x="1626510" y="3535182"/>
+            <a:ext cx="1432874" cy="369332"/>
+          </a:xfrm>
+          <a:prstGeom prst="rect">
+            <a:avLst/>
+          </a:prstGeom>
+          <a:noFill/>
+        </p:spPr>
+        <p:txBody>
+          <a:bodyPr wrap="square" rtlCol="0">
+            <a:spAutoFit/>
+          </a:bodyPr>
+          <a:lstStyle/>
+          <a:p>
+            <a:r>
+              <a:rPr lang="en-IN" dirty="0"/>
+              <a:t>Dataset</a:t>
+            </a:r>
+          </a:p>
+        </p:txBody>
+      </p:sp>
+      <p:pic>
+        <p:nvPicPr>
+          <p:cNvPr id="13" name="Picture 12">
+            <a:extLst>
+              <a:ext uri="{FF2B5EF4-FFF2-40B4-BE49-F238E27FC236}">
+                <a16:creationId xmlns:a16="http://schemas.microsoft.com/office/drawing/2014/main" id="{1AFA5460-E8BE-592E-FBF5-D18367E9C377}"/>
+              </a:ext>
+            </a:extLst>
+          </p:cNvPr>
+          <p:cNvPicPr>
+            <a:picLocks noChangeAspect="1"/>
+          </p:cNvPicPr>
+          <p:nvPr/>
+        </p:nvPicPr>
+        <p:blipFill>
+          <a:blip r:embed="rId4">
+            <a:extLst>
+              <a:ext uri="{28A0092B-C50C-407E-A947-70E740481C1C}">
+                <a14:useLocalDpi xmlns:a14="http://schemas.microsoft.com/office/drawing/2010/main" val="0"/>
+              </a:ext>
+            </a:extLst>
+          </a:blip>
+          <a:stretch>
+            <a:fillRect/>
+          </a:stretch>
+        </p:blipFill>
+        <p:spPr>
+          <a:xfrm>
+            <a:off x="2331346" y="4258141"/>
+            <a:ext cx="1124146" cy="1124146"/>
+          </a:xfrm>
+          <a:prstGeom prst="rect">
+            <a:avLst/>
+          </a:prstGeom>
+        </p:spPr>
+      </p:pic>
+      <p:sp>
+        <p:nvSpPr>
+          <p:cNvPr id="14" name="TextBox 13">
+            <a:extLst>
+              <a:ext uri="{FF2B5EF4-FFF2-40B4-BE49-F238E27FC236}">
+                <a16:creationId xmlns:a16="http://schemas.microsoft.com/office/drawing/2014/main" id="{375F400A-8936-FD9C-5EBB-87E7C516FE22}"/>
+              </a:ext>
+            </a:extLst>
+          </p:cNvPr>
+          <p:cNvSpPr txBox="1"/>
+          <p:nvPr/>
+        </p:nvSpPr>
+        <p:spPr>
+          <a:xfrm>
+            <a:off x="1862346" y="5426176"/>
+            <a:ext cx="2461181" cy="923330"/>
+          </a:xfrm>
+          <a:prstGeom prst="rect">
+            <a:avLst/>
+          </a:prstGeom>
+          <a:noFill/>
+        </p:spPr>
+        <p:txBody>
+          <a:bodyPr wrap="square" rtlCol="0">
+            <a:spAutoFit/>
+          </a:bodyPr>
+          <a:lstStyle/>
+          <a:p>
+            <a:r>
+              <a:rPr lang="en-IN" dirty="0"/>
+              <a:t>Codebase to perform:</a:t>
+            </a:r>
+          </a:p>
+          <a:p>
+            <a:pPr marL="285750" indent="-285750">
+              <a:buFont typeface="Arial" panose="020B0604020202020204" pitchFamily="34" charset="0"/>
+              <a:buChar char="•"/>
+            </a:pPr>
+            <a:r>
+              <a:rPr lang="en-IN" dirty="0"/>
+              <a:t>Feature engineering</a:t>
+            </a:r>
+          </a:p>
+          <a:p>
+            <a:pPr marL="285750" indent="-285750">
+              <a:buFont typeface="Arial" panose="020B0604020202020204" pitchFamily="34" charset="0"/>
+              <a:buChar char="•"/>
+            </a:pPr>
+            <a:r>
+              <a:rPr lang="en-IN" dirty="0"/>
+              <a:t>Modelling</a:t>
+            </a:r>
+          </a:p>
+        </p:txBody>
+      </p:sp>
+      <p:pic>
+        <p:nvPicPr>
+          <p:cNvPr id="16" name="Picture 15">
+            <a:extLst>
+              <a:ext uri="{FF2B5EF4-FFF2-40B4-BE49-F238E27FC236}">
+                <a16:creationId xmlns:a16="http://schemas.microsoft.com/office/drawing/2014/main" id="{6CB33CC1-C32C-7E32-26A2-A46CE207396B}"/>
+              </a:ext>
+            </a:extLst>
+          </p:cNvPr>
+          <p:cNvPicPr>
+            <a:picLocks noChangeAspect="1"/>
+          </p:cNvPicPr>
+          <p:nvPr/>
+        </p:nvPicPr>
+        <p:blipFill>
+          <a:blip r:embed="rId5">
+            <a:extLst>
+              <a:ext uri="{28A0092B-C50C-407E-A947-70E740481C1C}">
+                <a14:useLocalDpi xmlns:a14="http://schemas.microsoft.com/office/drawing/2010/main" val="0"/>
+              </a:ext>
+            </a:extLst>
+          </a:blip>
+          <a:stretch>
+            <a:fillRect/>
+          </a:stretch>
+        </p:blipFill>
+        <p:spPr>
+          <a:xfrm>
+            <a:off x="6049121" y="4894599"/>
+            <a:ext cx="1446987" cy="1487995"/>
+          </a:xfrm>
+          <a:prstGeom prst="rect">
+            <a:avLst/>
+          </a:prstGeom>
+        </p:spPr>
+      </p:pic>
+      <p:sp>
+        <p:nvSpPr>
+          <p:cNvPr id="17" name="TextBox 16">
+            <a:extLst>
+              <a:ext uri="{FF2B5EF4-FFF2-40B4-BE49-F238E27FC236}">
+                <a16:creationId xmlns:a16="http://schemas.microsoft.com/office/drawing/2014/main" id="{4EBF3C1E-FD54-1268-D18C-11BD0A06EFA5}"/>
+              </a:ext>
+            </a:extLst>
+          </p:cNvPr>
+          <p:cNvSpPr txBox="1"/>
+          <p:nvPr/>
+        </p:nvSpPr>
+        <p:spPr>
+          <a:xfrm>
+            <a:off x="5814537" y="6308209"/>
+            <a:ext cx="2227868" cy="369332"/>
+          </a:xfrm>
+          <a:prstGeom prst="rect">
+            <a:avLst/>
+          </a:prstGeom>
+          <a:noFill/>
+        </p:spPr>
+        <p:txBody>
+          <a:bodyPr wrap="square" rtlCol="0">
+            <a:spAutoFit/>
+          </a:bodyPr>
+          <a:lstStyle/>
+          <a:p>
+            <a:r>
+              <a:rPr lang="en-IN" dirty="0"/>
+              <a:t>Feature Contributions</a:t>
+            </a:r>
+          </a:p>
+        </p:txBody>
+      </p:sp>
+      <p:pic>
+        <p:nvPicPr>
+          <p:cNvPr id="19" name="Graphic 18" descr="Upward trend">
+            <a:extLst>
+              <a:ext uri="{FF2B5EF4-FFF2-40B4-BE49-F238E27FC236}">
+                <a16:creationId xmlns:a16="http://schemas.microsoft.com/office/drawing/2014/main" id="{D7E4BB06-2B9A-0F8D-6984-AB8E70228601}"/>
+              </a:ext>
+            </a:extLst>
+          </p:cNvPr>
+          <p:cNvPicPr>
+            <a:picLocks noChangeAspect="1"/>
+          </p:cNvPicPr>
+          <p:nvPr/>
+        </p:nvPicPr>
+        <p:blipFill>
+          <a:blip r:embed="rId6">
+            <a:extLst>
+              <a:ext uri="{96DAC541-7B7A-43D3-8B79-37D633B846F1}">
+                <asvg:svgBlip xmlns:asvg="http://schemas.microsoft.com/office/drawing/2016/SVG/main" r:embed="rId7"/>
+              </a:ext>
+            </a:extLst>
+          </a:blip>
+          <a:stretch>
+            <a:fillRect/>
+          </a:stretch>
+        </p:blipFill>
+        <p:spPr>
+          <a:xfrm>
+            <a:off x="6230236" y="3220059"/>
+            <a:ext cx="1265872" cy="1265872"/>
+          </a:xfrm>
+          <a:prstGeom prst="rect">
+            <a:avLst/>
+          </a:prstGeom>
+        </p:spPr>
+      </p:pic>
+      <p:sp>
+        <p:nvSpPr>
+          <p:cNvPr id="20" name="TextBox 19">
+            <a:extLst>
+              <a:ext uri="{FF2B5EF4-FFF2-40B4-BE49-F238E27FC236}">
+                <a16:creationId xmlns:a16="http://schemas.microsoft.com/office/drawing/2014/main" id="{4B8EA448-A982-EE66-94E7-FA73466D3CEA}"/>
+              </a:ext>
+            </a:extLst>
+          </p:cNvPr>
+          <p:cNvSpPr txBox="1"/>
+          <p:nvPr/>
+        </p:nvSpPr>
+        <p:spPr>
+          <a:xfrm>
+            <a:off x="6439095" y="3035393"/>
+            <a:ext cx="1189350" cy="369332"/>
+          </a:xfrm>
+          <a:prstGeom prst="rect">
+            <a:avLst/>
+          </a:prstGeom>
+          <a:noFill/>
+        </p:spPr>
+        <p:txBody>
+          <a:bodyPr wrap="square" rtlCol="0">
+            <a:spAutoFit/>
+          </a:bodyPr>
+          <a:lstStyle/>
+          <a:p>
+            <a:r>
+              <a:rPr lang="en-IN" dirty="0"/>
+              <a:t>Forecasts</a:t>
+            </a:r>
+          </a:p>
+        </p:txBody>
+      </p:sp>
+      <p:cxnSp>
+        <p:nvCxnSpPr>
+          <p:cNvPr id="25" name="Connector: Elbow 24">
+            <a:extLst>
+              <a:ext uri="{FF2B5EF4-FFF2-40B4-BE49-F238E27FC236}">
+                <a16:creationId xmlns:a16="http://schemas.microsoft.com/office/drawing/2014/main" id="{9966FF0A-335E-71B5-AB37-0DAFD369C352}"/>
+              </a:ext>
+            </a:extLst>
+          </p:cNvPr>
+          <p:cNvCxnSpPr>
+            <a:cxnSpLocks/>
+            <a:stCxn id="3" idx="2"/>
+            <a:endCxn id="13" idx="1"/>
+          </p:cNvCxnSpPr>
+          <p:nvPr/>
+        </p:nvCxnSpPr>
+        <p:spPr>
+          <a:xfrm rot="16200000" flipH="1">
+            <a:off x="1491790" y="3980658"/>
+            <a:ext cx="643166" cy="1035946"/>
+          </a:xfrm>
+          <a:prstGeom prst="bentConnector2">
+            <a:avLst/>
+          </a:prstGeom>
+          <a:ln w="15875">
+            <a:solidFill>
+              <a:schemeClr val="tx1"/>
+            </a:solidFill>
+            <a:tailEnd type="triangle"/>
+          </a:ln>
+        </p:spPr>
+        <p:style>
+          <a:lnRef idx="1">
+            <a:schemeClr val="accent1"/>
+          </a:lnRef>
+          <a:fillRef idx="0">
+            <a:schemeClr val="accent1"/>
+          </a:fillRef>
+          <a:effectRef idx="0">
+            <a:schemeClr val="accent1"/>
+          </a:effectRef>
+          <a:fontRef idx="minor">
+            <a:schemeClr val="tx1"/>
+          </a:fontRef>
+        </p:style>
+      </p:cxnSp>
+      <p:cxnSp>
+        <p:nvCxnSpPr>
+          <p:cNvPr id="29" name="Connector: Elbow 28">
+            <a:extLst>
+              <a:ext uri="{FF2B5EF4-FFF2-40B4-BE49-F238E27FC236}">
+                <a16:creationId xmlns:a16="http://schemas.microsoft.com/office/drawing/2014/main" id="{B5AA180B-451D-14F7-380B-EB0C310FDD72}"/>
+              </a:ext>
+            </a:extLst>
+          </p:cNvPr>
+          <p:cNvCxnSpPr>
+            <a:cxnSpLocks/>
+          </p:cNvCxnSpPr>
+          <p:nvPr/>
+        </p:nvCxnSpPr>
+        <p:spPr>
+          <a:xfrm flipV="1">
+            <a:off x="3474047" y="3852995"/>
+            <a:ext cx="2553120" cy="967219"/>
+          </a:xfrm>
+          <a:prstGeom prst="bentConnector3">
+            <a:avLst/>
+          </a:prstGeom>
+          <a:ln w="15875">
+            <a:solidFill>
+              <a:schemeClr val="tx1"/>
+            </a:solidFill>
+            <a:tailEnd type="triangle"/>
+          </a:ln>
+        </p:spPr>
+        <p:style>
+          <a:lnRef idx="1">
+            <a:schemeClr val="accent1"/>
+          </a:lnRef>
+          <a:fillRef idx="0">
+            <a:schemeClr val="accent1"/>
+          </a:fillRef>
+          <a:effectRef idx="0">
+            <a:schemeClr val="accent1"/>
+          </a:effectRef>
+          <a:fontRef idx="minor">
+            <a:schemeClr val="tx1"/>
+          </a:fontRef>
+        </p:style>
+      </p:cxnSp>
+      <p:cxnSp>
+        <p:nvCxnSpPr>
+          <p:cNvPr id="32" name="Connector: Elbow 31">
+            <a:extLst>
+              <a:ext uri="{FF2B5EF4-FFF2-40B4-BE49-F238E27FC236}">
+                <a16:creationId xmlns:a16="http://schemas.microsoft.com/office/drawing/2014/main" id="{035B1DAA-653E-CC95-439B-E18B0EB6508D}"/>
+              </a:ext>
+            </a:extLst>
+          </p:cNvPr>
+          <p:cNvCxnSpPr>
+            <a:stCxn id="13" idx="3"/>
+            <a:endCxn id="16" idx="1"/>
+          </p:cNvCxnSpPr>
+          <p:nvPr/>
+        </p:nvCxnSpPr>
+        <p:spPr>
+          <a:xfrm>
+            <a:off x="3455492" y="4820214"/>
+            <a:ext cx="2593629" cy="818383"/>
+          </a:xfrm>
+          <a:prstGeom prst="bentConnector3">
+            <a:avLst/>
+          </a:prstGeom>
+          <a:ln w="15875">
+            <a:solidFill>
+              <a:schemeClr val="tx1"/>
+            </a:solidFill>
+            <a:tailEnd type="triangle"/>
+          </a:ln>
+        </p:spPr>
+        <p:style>
+          <a:lnRef idx="1">
+            <a:schemeClr val="accent1"/>
+          </a:lnRef>
+          <a:fillRef idx="0">
+            <a:schemeClr val="accent1"/>
+          </a:fillRef>
+          <a:effectRef idx="0">
+            <a:schemeClr val="accent1"/>
+          </a:effectRef>
+          <a:fontRef idx="minor">
+            <a:schemeClr val="tx1"/>
+          </a:fontRef>
+        </p:style>
+      </p:cxnSp>
+      <p:pic>
+        <p:nvPicPr>
+          <p:cNvPr id="34" name="Graphic 33" descr="Table">
+            <a:extLst>
+              <a:ext uri="{FF2B5EF4-FFF2-40B4-BE49-F238E27FC236}">
+                <a16:creationId xmlns:a16="http://schemas.microsoft.com/office/drawing/2014/main" id="{77FA9CC2-9059-4366-3A79-63F84C2BB4D2}"/>
+              </a:ext>
+            </a:extLst>
+          </p:cNvPr>
+          <p:cNvPicPr>
+            <a:picLocks noChangeAspect="1"/>
+          </p:cNvPicPr>
+          <p:nvPr/>
+        </p:nvPicPr>
+        <p:blipFill>
+          <a:blip r:embed="rId8">
+            <a:extLst>
+              <a:ext uri="{96DAC541-7B7A-43D3-8B79-37D633B846F1}">
+                <asvg:svgBlip xmlns:asvg="http://schemas.microsoft.com/office/drawing/2016/SVG/main" r:embed="rId9"/>
+              </a:ext>
+            </a:extLst>
+          </a:blip>
+          <a:stretch>
+            <a:fillRect/>
+          </a:stretch>
+        </p:blipFill>
+        <p:spPr>
+          <a:xfrm>
+            <a:off x="9356271" y="3262648"/>
+            <a:ext cx="1180694" cy="1180694"/>
+          </a:xfrm>
+          <a:prstGeom prst="rect">
+            <a:avLst/>
+          </a:prstGeom>
+        </p:spPr>
+      </p:pic>
+      <p:sp>
+        <p:nvSpPr>
+          <p:cNvPr id="35" name="TextBox 34">
+            <a:extLst>
+              <a:ext uri="{FF2B5EF4-FFF2-40B4-BE49-F238E27FC236}">
+                <a16:creationId xmlns:a16="http://schemas.microsoft.com/office/drawing/2014/main" id="{D93E4B3B-4875-91AB-2545-617C4C363184}"/>
+              </a:ext>
+            </a:extLst>
+          </p:cNvPr>
+          <p:cNvSpPr txBox="1"/>
+          <p:nvPr/>
+        </p:nvSpPr>
+        <p:spPr>
+          <a:xfrm>
+            <a:off x="9240789" y="3029963"/>
+            <a:ext cx="1411658" cy="369332"/>
+          </a:xfrm>
+          <a:prstGeom prst="rect">
+            <a:avLst/>
+          </a:prstGeom>
+          <a:noFill/>
+        </p:spPr>
+        <p:txBody>
+          <a:bodyPr wrap="square" rtlCol="0">
+            <a:spAutoFit/>
+          </a:bodyPr>
+          <a:lstStyle/>
+          <a:p>
+            <a:r>
+              <a:rPr lang="en-IN" dirty="0"/>
+              <a:t>Future Data</a:t>
+            </a:r>
+          </a:p>
+        </p:txBody>
+      </p:sp>
+      <p:cxnSp>
+        <p:nvCxnSpPr>
+          <p:cNvPr id="37" name="Straight Arrow Connector 36">
+            <a:extLst>
+              <a:ext uri="{FF2B5EF4-FFF2-40B4-BE49-F238E27FC236}">
+                <a16:creationId xmlns:a16="http://schemas.microsoft.com/office/drawing/2014/main" id="{87DF154A-5F20-4489-BDC9-E15CD30711CE}"/>
+              </a:ext>
+            </a:extLst>
+          </p:cNvPr>
+          <p:cNvCxnSpPr>
+            <a:cxnSpLocks/>
+            <a:stCxn id="34" idx="1"/>
+            <a:endCxn id="19" idx="3"/>
+          </p:cNvCxnSpPr>
+          <p:nvPr/>
+        </p:nvCxnSpPr>
+        <p:spPr>
+          <a:xfrm flipH="1">
+            <a:off x="7496108" y="3852995"/>
+            <a:ext cx="1860163" cy="0"/>
+          </a:xfrm>
+          <a:prstGeom prst="straightConnector1">
+            <a:avLst/>
+          </a:prstGeom>
+          <a:ln w="15875">
+            <a:solidFill>
+              <a:schemeClr val="tx1"/>
+            </a:solidFill>
+            <a:tailEnd type="triangle"/>
+          </a:ln>
+        </p:spPr>
+        <p:style>
+          <a:lnRef idx="1">
+            <a:schemeClr val="accent1"/>
+          </a:lnRef>
+          <a:fillRef idx="0">
+            <a:schemeClr val="accent1"/>
+          </a:fillRef>
+          <a:effectRef idx="0">
+            <a:schemeClr val="accent1"/>
+          </a:effectRef>
+          <a:fontRef idx="minor">
+            <a:schemeClr val="tx1"/>
+          </a:fontRef>
+        </p:style>
+      </p:cxnSp>
+      <p:sp>
+        <p:nvSpPr>
+          <p:cNvPr id="50" name="Title 49">
+            <a:extLst>
+              <a:ext uri="{FF2B5EF4-FFF2-40B4-BE49-F238E27FC236}">
+                <a16:creationId xmlns:a16="http://schemas.microsoft.com/office/drawing/2014/main" id="{F330696D-2198-BB00-03BC-E1AD7C119168}"/>
+              </a:ext>
+            </a:extLst>
+          </p:cNvPr>
+          <p:cNvSpPr>
+            <a:spLocks noGrp="1"/>
+          </p:cNvSpPr>
+          <p:nvPr>
+            <p:ph type="title"/>
+          </p:nvPr>
+        </p:nvSpPr>
+        <p:spPr>
+          <a:xfrm>
+            <a:off x="838200" y="365125"/>
+            <a:ext cx="10515600" cy="961401"/>
+          </a:xfrm>
+        </p:spPr>
+        <p:txBody>
+          <a:bodyPr/>
+          <a:lstStyle/>
+          <a:p>
+            <a:r>
+              <a:rPr lang="en-IN" b="1" dirty="0"/>
+              <a:t>Setup with DBN based Data Generator</a:t>
+            </a:r>
+          </a:p>
+        </p:txBody>
+      </p:sp>
+      <p:pic>
+        <p:nvPicPr>
+          <p:cNvPr id="4" name="Picture 3">
+            <a:extLst>
+              <a:ext uri="{FF2B5EF4-FFF2-40B4-BE49-F238E27FC236}">
+                <a16:creationId xmlns:a16="http://schemas.microsoft.com/office/drawing/2014/main" id="{82B13D83-D0C2-19A4-94C3-5E02FDA36FE3}"/>
+              </a:ext>
+            </a:extLst>
+          </p:cNvPr>
+          <p:cNvPicPr>
+            <a:picLocks noChangeAspect="1"/>
+          </p:cNvPicPr>
+          <p:nvPr/>
+        </p:nvPicPr>
+        <p:blipFill>
+          <a:blip r:embed="rId10">
+            <a:extLst>
+              <a:ext uri="{28A0092B-C50C-407E-A947-70E740481C1C}">
+                <a14:useLocalDpi xmlns:a14="http://schemas.microsoft.com/office/drawing/2010/main" val="0"/>
+              </a:ext>
+            </a:extLst>
+          </a:blip>
+          <a:stretch>
+            <a:fillRect/>
+          </a:stretch>
+        </p:blipFill>
+        <p:spPr>
+          <a:xfrm>
+            <a:off x="4454549" y="1498249"/>
+            <a:ext cx="1775687" cy="1775687"/>
+          </a:xfrm>
+          <a:prstGeom prst="rect">
+            <a:avLst/>
+          </a:prstGeom>
+        </p:spPr>
+      </p:pic>
+      <p:cxnSp>
+        <p:nvCxnSpPr>
+          <p:cNvPr id="30" name="Connector: Elbow 29">
+            <a:extLst>
+              <a:ext uri="{FF2B5EF4-FFF2-40B4-BE49-F238E27FC236}">
+                <a16:creationId xmlns:a16="http://schemas.microsoft.com/office/drawing/2014/main" id="{51B5AC20-70A3-D1CA-AD35-02F326787A6E}"/>
+              </a:ext>
+            </a:extLst>
+          </p:cNvPr>
+          <p:cNvCxnSpPr>
+            <a:stCxn id="4" idx="1"/>
+            <a:endCxn id="3" idx="0"/>
+          </p:cNvCxnSpPr>
+          <p:nvPr/>
+        </p:nvCxnSpPr>
+        <p:spPr>
+          <a:xfrm rot="10800000" flipV="1">
+            <a:off x="1295401" y="2386092"/>
+            <a:ext cx="3159149" cy="876555"/>
+          </a:xfrm>
+          <a:prstGeom prst="bentConnector2">
+            <a:avLst/>
+          </a:prstGeom>
+          <a:ln w="19050">
+            <a:solidFill>
+              <a:schemeClr val="tx1"/>
+            </a:solidFill>
+            <a:tailEnd type="triangle"/>
+          </a:ln>
+        </p:spPr>
+        <p:style>
+          <a:lnRef idx="1">
+            <a:schemeClr val="accent1"/>
+          </a:lnRef>
+          <a:fillRef idx="0">
+            <a:schemeClr val="accent1"/>
+          </a:fillRef>
+          <a:effectRef idx="0">
+            <a:schemeClr val="accent1"/>
+          </a:effectRef>
+          <a:fontRef idx="minor">
+            <a:schemeClr val="tx1"/>
+          </a:fontRef>
+        </p:style>
+      </p:cxnSp>
+      <p:cxnSp>
+        <p:nvCxnSpPr>
+          <p:cNvPr id="33" name="Connector: Elbow 32">
+            <a:extLst>
+              <a:ext uri="{FF2B5EF4-FFF2-40B4-BE49-F238E27FC236}">
+                <a16:creationId xmlns:a16="http://schemas.microsoft.com/office/drawing/2014/main" id="{5DFD5427-94A1-680C-4150-55F038A36F94}"/>
+              </a:ext>
+            </a:extLst>
+          </p:cNvPr>
+          <p:cNvCxnSpPr>
+            <a:cxnSpLocks/>
+            <a:stCxn id="4" idx="3"/>
+            <a:endCxn id="35" idx="0"/>
+          </p:cNvCxnSpPr>
+          <p:nvPr/>
+        </p:nvCxnSpPr>
+        <p:spPr>
+          <a:xfrm>
+            <a:off x="6230236" y="2386093"/>
+            <a:ext cx="3716382" cy="643870"/>
+          </a:xfrm>
+          <a:prstGeom prst="bentConnector2">
+            <a:avLst/>
+          </a:prstGeom>
+          <a:ln w="19050">
+            <a:solidFill>
+              <a:schemeClr val="tx1"/>
+            </a:solidFill>
+            <a:tailEnd type="triangle"/>
+          </a:ln>
+        </p:spPr>
+        <p:style>
+          <a:lnRef idx="1">
+            <a:schemeClr val="accent1"/>
+          </a:lnRef>
+          <a:fillRef idx="0">
+            <a:schemeClr val="accent1"/>
+          </a:fillRef>
+          <a:effectRef idx="0">
+            <a:schemeClr val="accent1"/>
+          </a:effectRef>
+          <a:fontRef idx="minor">
+            <a:schemeClr val="tx1"/>
+          </a:fontRef>
+        </p:style>
+      </p:cxnSp>
+      <p:cxnSp>
+        <p:nvCxnSpPr>
+          <p:cNvPr id="51" name="Connector: Elbow 50">
+            <a:extLst>
+              <a:ext uri="{FF2B5EF4-FFF2-40B4-BE49-F238E27FC236}">
+                <a16:creationId xmlns:a16="http://schemas.microsoft.com/office/drawing/2014/main" id="{534075B6-0593-9A58-B852-420B2823E5A0}"/>
+              </a:ext>
+            </a:extLst>
+          </p:cNvPr>
+          <p:cNvCxnSpPr>
+            <a:stCxn id="4" idx="0"/>
+            <a:endCxn id="16" idx="3"/>
+          </p:cNvCxnSpPr>
+          <p:nvPr/>
+        </p:nvCxnSpPr>
+        <p:spPr>
+          <a:xfrm rot="16200000" flipH="1">
+            <a:off x="4349076" y="2491566"/>
+            <a:ext cx="4140348" cy="2153715"/>
+          </a:xfrm>
+          <a:prstGeom prst="bentConnector4">
+            <a:avLst>
+              <a:gd name="adj1" fmla="val -1840"/>
+              <a:gd name="adj2" fmla="val 253906"/>
+            </a:avLst>
+          </a:prstGeom>
+          <a:ln w="19050">
+            <a:solidFill>
+              <a:schemeClr val="tx1"/>
+            </a:solidFill>
+            <a:tailEnd type="triangle"/>
+          </a:ln>
+        </p:spPr>
+        <p:style>
+          <a:lnRef idx="1">
+            <a:schemeClr val="accent1"/>
+          </a:lnRef>
+          <a:fillRef idx="0">
+            <a:schemeClr val="accent1"/>
+          </a:fillRef>
+          <a:effectRef idx="0">
+            <a:schemeClr val="accent1"/>
+          </a:effectRef>
+          <a:fontRef idx="minor">
+            <a:schemeClr val="tx1"/>
+          </a:fontRef>
+        </p:style>
+      </p:cxnSp>
+      <p:sp>
+        <p:nvSpPr>
+          <p:cNvPr id="54" name="TextBox 53">
+            <a:extLst>
+              <a:ext uri="{FF2B5EF4-FFF2-40B4-BE49-F238E27FC236}">
+                <a16:creationId xmlns:a16="http://schemas.microsoft.com/office/drawing/2014/main" id="{01486DFB-64CC-1EDC-BE0D-1AA9420AAC89}"/>
+              </a:ext>
+            </a:extLst>
+          </p:cNvPr>
+          <p:cNvSpPr txBox="1"/>
+          <p:nvPr/>
+        </p:nvSpPr>
+        <p:spPr>
+          <a:xfrm>
+            <a:off x="2331346" y="1390599"/>
+            <a:ext cx="2744334" cy="369332"/>
+          </a:xfrm>
+          <a:prstGeom prst="rect">
+            <a:avLst/>
+          </a:prstGeom>
+          <a:noFill/>
+        </p:spPr>
+        <p:txBody>
+          <a:bodyPr wrap="square" rtlCol="0">
+            <a:spAutoFit/>
+          </a:bodyPr>
+          <a:lstStyle/>
+          <a:p>
+            <a:r>
+              <a:rPr lang="en-US" dirty="0"/>
+              <a:t>DBN based Data Generator</a:t>
+            </a:r>
+            <a:endParaRPr lang="en-IN" dirty="0"/>
+          </a:p>
+        </p:txBody>
+      </p:sp>
+    </p:spTree>
+    <p:extLst>
+      <p:ext uri="{BB962C8B-B14F-4D97-AF65-F5344CB8AC3E}">
+        <p14:creationId xmlns:p14="http://schemas.microsoft.com/office/powerpoint/2010/main" val="2302631972"/>
+      </p:ext>
+    </p:extLst>
+  </p:cSld>
+  <p:clrMapOvr>
+    <a:masterClrMapping/>
+  </p:clrMapOvr>
+</p:sld>
+</file>
+
+<file path=ppt/slides/slide22.xml><?xml version="1.0" encoding="utf-8"?>
+<p:sld xmlns:a="http://schemas.openxmlformats.org/drawingml/2006/main" xmlns:r="http://schemas.openxmlformats.org/officeDocument/2006/relationships" xmlns:p="http://schemas.openxmlformats.org/presentationml/2006/main">
+  <p:cSld>
+    <p:spTree>
+      <p:nvGrpSpPr>
+        <p:cNvPr id="1" name="">
+          <a:extLst>
+            <a:ext uri="{FF2B5EF4-FFF2-40B4-BE49-F238E27FC236}">
+              <a16:creationId xmlns:a16="http://schemas.microsoft.com/office/drawing/2014/main" id="{752EAE65-FDCB-BEAB-3E61-947CA5900DA2}"/>
+            </a:ext>
+          </a:extLst>
+        </p:cNvPr>
+        <p:cNvGrpSpPr/>
+        <p:nvPr/>
+      </p:nvGrpSpPr>
+      <p:grpSpPr>
+        <a:xfrm>
+          <a:off x="0" y="0"/>
+          <a:ext cx="0" cy="0"/>
+          <a:chOff x="0" y="0"/>
+          <a:chExt cx="0" cy="0"/>
+        </a:xfrm>
+      </p:grpSpPr>
+      <p:sp>
+        <p:nvSpPr>
+          <p:cNvPr id="3" name="Title 2">
+            <a:extLst>
+              <a:ext uri="{FF2B5EF4-FFF2-40B4-BE49-F238E27FC236}">
+                <a16:creationId xmlns:a16="http://schemas.microsoft.com/office/drawing/2014/main" id="{80137EE9-12F9-6A87-66CC-39151CE63097}"/>
+              </a:ext>
+            </a:extLst>
+          </p:cNvPr>
+          <p:cNvSpPr>
+            <a:spLocks noGrp="1"/>
+          </p:cNvSpPr>
+          <p:nvPr>
+            <p:ph type="title"/>
+          </p:nvPr>
+        </p:nvSpPr>
+        <p:spPr>
+          <a:xfrm>
+            <a:off x="838200" y="365125"/>
+            <a:ext cx="10515600" cy="1812467"/>
+          </a:xfrm>
+        </p:spPr>
+        <p:txBody>
+          <a:bodyPr/>
+          <a:lstStyle/>
+          <a:p>
+            <a:r>
+              <a:rPr lang="en-IN" b="1" dirty="0"/>
+              <a:t>Setup with DBN based Data Generator (Contd.)</a:t>
+            </a:r>
+            <a:endParaRPr lang="en-IN" dirty="0"/>
+          </a:p>
+        </p:txBody>
+      </p:sp>
+      <p:sp>
+        <p:nvSpPr>
+          <p:cNvPr id="4" name="Content Placeholder 3">
+            <a:extLst>
+              <a:ext uri="{FF2B5EF4-FFF2-40B4-BE49-F238E27FC236}">
+                <a16:creationId xmlns:a16="http://schemas.microsoft.com/office/drawing/2014/main" id="{B0DA3D33-5B51-BE6C-135E-D15BD0787771}"/>
+              </a:ext>
+            </a:extLst>
+          </p:cNvPr>
+          <p:cNvSpPr>
+            <a:spLocks noGrp="1"/>
+          </p:cNvSpPr>
+          <p:nvPr>
+            <p:ph idx="1"/>
+          </p:nvPr>
+        </p:nvSpPr>
+        <p:spPr>
+          <a:xfrm>
+            <a:off x="838200" y="2762053"/>
+            <a:ext cx="10515600" cy="3414909"/>
+          </a:xfrm>
+        </p:spPr>
+        <p:txBody>
+          <a:bodyPr/>
+          <a:lstStyle/>
+          <a:p>
+            <a:r>
+              <a:rPr lang="en-US" dirty="0"/>
+              <a:t>The DBN Generator generates the data according to a given setting.</a:t>
+            </a:r>
+          </a:p>
+          <a:p>
+            <a:r>
+              <a:rPr lang="en-US" dirty="0"/>
+              <a:t>It allows continuous generation of unlimited data which is used for both training and testing.</a:t>
+            </a:r>
+          </a:p>
+          <a:p>
+            <a:r>
+              <a:rPr lang="en-US" dirty="0"/>
+              <a:t>A compete knowledge of the data generating mechanism allows calculation of original impact of interventions (like change in price or discount), which is tallied against those from model output.</a:t>
+            </a:r>
+            <a:endParaRPr lang="en-IN" dirty="0"/>
+          </a:p>
+        </p:txBody>
+      </p:sp>
+    </p:spTree>
+    <p:extLst>
+      <p:ext uri="{BB962C8B-B14F-4D97-AF65-F5344CB8AC3E}">
+        <p14:creationId xmlns:p14="http://schemas.microsoft.com/office/powerpoint/2010/main" val="115357806"/>
+      </p:ext>
+    </p:extLst>
+  </p:cSld>
+  <p:clrMapOvr>
+    <a:masterClrMapping/>
+  </p:clrMapOvr>
+</p:sld>
+</file>
+
+<file path=ppt/slides/slide23.xml><?xml version="1.0" encoding="utf-8"?>
+<p:sld xmlns:a="http://schemas.openxmlformats.org/drawingml/2006/main" xmlns:r="http://schemas.openxmlformats.org/officeDocument/2006/relationships" xmlns:p="http://schemas.openxmlformats.org/presentationml/2006/main">
+  <p:cSld>
+    <p:spTree>
+      <p:nvGrpSpPr>
+        <p:cNvPr id="1" name=""/>
+        <p:cNvGrpSpPr/>
+        <p:nvPr/>
+      </p:nvGrpSpPr>
+      <p:grpSpPr>
+        <a:xfrm>
+          <a:off x="0" y="0"/>
+          <a:ext cx="0" cy="0"/>
+          <a:chOff x="0" y="0"/>
+          <a:chExt cx="0" cy="0"/>
+        </a:xfrm>
+      </p:grpSpPr>
+    </p:spTree>
+    <p:extLst>
+      <p:ext uri="{BB962C8B-B14F-4D97-AF65-F5344CB8AC3E}">
+        <p14:creationId xmlns:p14="http://schemas.microsoft.com/office/powerpoint/2010/main" val="2436845815"/>
+      </p:ext>
+    </p:extLst>
+  </p:cSld>
+  <p:clrMapOvr>
+    <a:masterClrMapping/>
+  </p:clrMapOvr>
+</p:sld>
+</file>
+
+<file path=ppt/slides/slide24.xml><?xml version="1.0" encoding="utf-8"?>
+<p:sld xmlns:a="http://schemas.openxmlformats.org/drawingml/2006/main" xmlns:r="http://schemas.openxmlformats.org/officeDocument/2006/relationships" xmlns:p="http://schemas.openxmlformats.org/presentationml/2006/main">
+  <p:cSld>
+    <p:spTree>
+      <p:nvGrpSpPr>
+        <p:cNvPr id="1" name=""/>
+        <p:cNvGrpSpPr/>
+        <p:nvPr/>
+      </p:nvGrpSpPr>
+      <p:grpSpPr>
+        <a:xfrm>
+          <a:off x="0" y="0"/>
+          <a:ext cx="0" cy="0"/>
+          <a:chOff x="0" y="0"/>
+          <a:chExt cx="0" cy="0"/>
+        </a:xfrm>
+      </p:grpSpPr>
+      <p:sp>
+        <p:nvSpPr>
+          <p:cNvPr id="2" name="Title 1">
+            <a:extLst>
+              <a:ext uri="{FF2B5EF4-FFF2-40B4-BE49-F238E27FC236}">
+                <a16:creationId xmlns:a16="http://schemas.microsoft.com/office/drawing/2014/main" id="{6990AFC1-E7E7-D91C-2DE0-067A6F856319}"/>
+              </a:ext>
+            </a:extLst>
+          </p:cNvPr>
+          <p:cNvSpPr>
+            <a:spLocks noGrp="1"/>
+          </p:cNvSpPr>
+          <p:nvPr>
+            <p:ph type="title"/>
+          </p:nvPr>
+        </p:nvSpPr>
+        <p:spPr/>
+        <p:txBody>
+          <a:bodyPr/>
+          <a:lstStyle/>
+          <a:p>
+            <a:r>
+              <a:rPr lang="en-IN" b="1" dirty="0"/>
+              <a:t>Example – Identifying original contributions</a:t>
+            </a:r>
+          </a:p>
+        </p:txBody>
+      </p:sp>
+      <p:pic>
+        <p:nvPicPr>
+          <p:cNvPr id="5" name="Content Placeholder 4">
+            <a:extLst>
+              <a:ext uri="{FF2B5EF4-FFF2-40B4-BE49-F238E27FC236}">
+                <a16:creationId xmlns:a16="http://schemas.microsoft.com/office/drawing/2014/main" id="{D4FB0B35-B978-6FAF-037D-AACA80378B2A}"/>
+              </a:ext>
+            </a:extLst>
+          </p:cNvPr>
+          <p:cNvPicPr>
+            <a:picLocks noGrp="1" noChangeAspect="1"/>
+          </p:cNvPicPr>
+          <p:nvPr>
+            <p:ph idx="1"/>
+          </p:nvPr>
+        </p:nvPicPr>
+        <p:blipFill>
+          <a:blip r:embed="rId2">
+            <a:extLst>
+              <a:ext uri="{28A0092B-C50C-407E-A947-70E740481C1C}">
+                <a14:useLocalDpi xmlns:a14="http://schemas.microsoft.com/office/drawing/2010/main" val="0"/>
+              </a:ext>
+            </a:extLst>
+          </a:blip>
+          <a:stretch>
+            <a:fillRect/>
+          </a:stretch>
+        </p:blipFill>
+        <p:spPr>
+          <a:xfrm>
+            <a:off x="1260089" y="1825625"/>
+            <a:ext cx="7203688" cy="4351338"/>
+          </a:xfrm>
+        </p:spPr>
+      </p:pic>
+      <p:sp>
+        <p:nvSpPr>
+          <p:cNvPr id="6" name="TextBox 5">
+            <a:extLst>
+              <a:ext uri="{FF2B5EF4-FFF2-40B4-BE49-F238E27FC236}">
+                <a16:creationId xmlns:a16="http://schemas.microsoft.com/office/drawing/2014/main" id="{E004ADBF-6049-B38F-3012-A9CAC70689F8}"/>
+              </a:ext>
+            </a:extLst>
+          </p:cNvPr>
+          <p:cNvSpPr txBox="1"/>
+          <p:nvPr/>
+        </p:nvSpPr>
+        <p:spPr>
+          <a:xfrm>
+            <a:off x="8876371" y="1906859"/>
+            <a:ext cx="2477429" cy="3416320"/>
+          </a:xfrm>
+          <a:prstGeom prst="rect">
+            <a:avLst/>
+          </a:prstGeom>
+          <a:noFill/>
+        </p:spPr>
+        <p:txBody>
+          <a:bodyPr wrap="square" rtlCol="0">
+            <a:spAutoFit/>
+          </a:bodyPr>
+          <a:lstStyle/>
+          <a:p>
+            <a:r>
+              <a:rPr lang="en-IN" dirty="0"/>
+              <a:t>For example, </a:t>
+            </a:r>
+            <a:r>
+              <a:rPr lang="en-IN" b="1" dirty="0"/>
+              <a:t>impact of a discount calendar</a:t>
+            </a:r>
+            <a:r>
+              <a:rPr lang="en-IN" dirty="0"/>
+              <a:t>, towards the annual sales, can be identified in real time.</a:t>
+            </a:r>
+          </a:p>
+          <a:p>
+            <a:endParaRPr lang="en-IN" dirty="0"/>
+          </a:p>
+          <a:p>
+            <a:r>
+              <a:rPr lang="en-IN" dirty="0"/>
+              <a:t>The </a:t>
+            </a:r>
+            <a:r>
+              <a:rPr lang="en-IN" b="1" dirty="0"/>
+              <a:t>contributions derived from the modelling approaches</a:t>
+            </a:r>
+            <a:r>
+              <a:rPr lang="en-IN" dirty="0"/>
+              <a:t>, can be compared against these </a:t>
+            </a:r>
+            <a:r>
+              <a:rPr lang="en-IN" b="1" dirty="0"/>
+              <a:t>“original”</a:t>
+            </a:r>
+            <a:r>
+              <a:rPr lang="en-IN" dirty="0"/>
+              <a:t> impact.</a:t>
+            </a:r>
+          </a:p>
+        </p:txBody>
+      </p:sp>
+    </p:spTree>
+    <p:extLst>
+      <p:ext uri="{BB962C8B-B14F-4D97-AF65-F5344CB8AC3E}">
+        <p14:creationId xmlns:p14="http://schemas.microsoft.com/office/powerpoint/2010/main" val="561108228"/>
+      </p:ext>
+    </p:extLst>
+  </p:cSld>
+  <p:clrMapOvr>
+    <a:masterClrMapping/>
+  </p:clrMapOvr>
+</p:sld>
+</file>
+
+<file path=ppt/slides/slide25.xml><?xml version="1.0" encoding="utf-8"?>
+<p:sld xmlns:a="http://schemas.openxmlformats.org/drawingml/2006/main" xmlns:r="http://schemas.openxmlformats.org/officeDocument/2006/relationships" xmlns:p="http://schemas.openxmlformats.org/presentationml/2006/main">
+  <p:cSld>
+    <p:spTree>
+      <p:nvGrpSpPr>
+        <p:cNvPr id="1" name=""/>
+        <p:cNvGrpSpPr/>
+        <p:nvPr/>
+      </p:nvGrpSpPr>
+      <p:grpSpPr>
+        <a:xfrm>
+          <a:off x="0" y="0"/>
+          <a:ext cx="0" cy="0"/>
+          <a:chOff x="0" y="0"/>
+          <a:chExt cx="0" cy="0"/>
+        </a:xfrm>
+      </p:grpSpPr>
+      <p:sp>
+        <p:nvSpPr>
+          <p:cNvPr id="2" name="Title 1">
+            <a:extLst>
+              <a:ext uri="{FF2B5EF4-FFF2-40B4-BE49-F238E27FC236}">
+                <a16:creationId xmlns:a16="http://schemas.microsoft.com/office/drawing/2014/main" id="{BC0AB63F-9C42-D002-CB68-244075125BBD}"/>
+              </a:ext>
+            </a:extLst>
+          </p:cNvPr>
+          <p:cNvSpPr>
+            <a:spLocks noGrp="1"/>
+          </p:cNvSpPr>
+          <p:nvPr>
+            <p:ph type="title"/>
+          </p:nvPr>
+        </p:nvSpPr>
+        <p:spPr>
+          <a:xfrm>
+            <a:off x="838200" y="365125"/>
+            <a:ext cx="10515600" cy="1661638"/>
+          </a:xfrm>
+        </p:spPr>
+        <p:txBody>
+          <a:bodyPr/>
+          <a:lstStyle/>
+          <a:p>
+            <a:r>
+              <a:rPr lang="en-IN" b="1" dirty="0"/>
+              <a:t>Example – Identifying original contributions (contd.)</a:t>
+            </a:r>
+            <a:endParaRPr lang="en-IN" dirty="0"/>
+          </a:p>
+        </p:txBody>
+      </p:sp>
+      <p:sp>
+        <p:nvSpPr>
+          <p:cNvPr id="3" name="Content Placeholder 2">
+            <a:extLst>
+              <a:ext uri="{FF2B5EF4-FFF2-40B4-BE49-F238E27FC236}">
+                <a16:creationId xmlns:a16="http://schemas.microsoft.com/office/drawing/2014/main" id="{F2F6FDBB-7BD1-1671-E807-9C05FD117F74}"/>
+              </a:ext>
+            </a:extLst>
+          </p:cNvPr>
+          <p:cNvSpPr>
+            <a:spLocks noGrp="1"/>
+          </p:cNvSpPr>
+          <p:nvPr>
+            <p:ph idx="1"/>
+          </p:nvPr>
+        </p:nvSpPr>
+        <p:spPr>
+          <a:xfrm>
+            <a:off x="838200" y="2347273"/>
+            <a:ext cx="10515600" cy="3829689"/>
+          </a:xfrm>
+        </p:spPr>
+        <p:txBody>
+          <a:bodyPr/>
+          <a:lstStyle/>
+          <a:p>
+            <a:r>
+              <a:rPr lang="en-IN" dirty="0"/>
+              <a:t>The purpose of knowing contributions is to gain actionable insights. Based on the contribution of discount, a certain discount strategy is implemented expecting that the respective revenue change would be observed over time.</a:t>
+            </a:r>
+          </a:p>
+          <a:p>
+            <a:r>
+              <a:rPr lang="en-IN" dirty="0"/>
+              <a:t>Hence it’s important to compare contributions from the model output against such causal impacts observed in the data generating mechanism.</a:t>
+            </a:r>
+          </a:p>
+        </p:txBody>
+      </p:sp>
+    </p:spTree>
+    <p:extLst>
+      <p:ext uri="{BB962C8B-B14F-4D97-AF65-F5344CB8AC3E}">
+        <p14:creationId xmlns:p14="http://schemas.microsoft.com/office/powerpoint/2010/main" val="3010255576"/>
       </p:ext>
     </p:extLst>
   </p:cSld>
@@ -9382,7 +14236,7 @@
           <p:cNvPr id="2" name="Title 1">
             <a:extLst>
               <a:ext uri="{FF2B5EF4-FFF2-40B4-BE49-F238E27FC236}">
-                <a16:creationId xmlns:a16="http://schemas.microsoft.com/office/drawing/2014/main" id="{C9C78FEE-E566-4A12-4B4E-E3FB84264333}"/>
+                <a16:creationId xmlns:a16="http://schemas.microsoft.com/office/drawing/2014/main" id="{92C00FC4-E7BA-4E3A-3CD8-268169348041}"/>
               </a:ext>
             </a:extLst>
           </p:cNvPr>
@@ -9395,14 +14249,12 @@
         </p:nvSpPr>
         <p:spPr/>
         <p:txBody>
-          <a:bodyPr>
-            <a:normAutofit/>
-          </a:bodyPr>
+          <a:bodyPr/>
           <a:lstStyle/>
           <a:p>
             <a:r>
               <a:rPr lang="en-IN" b="1" dirty="0"/>
-              <a:t>Challenge III – Testing </a:t>
+              <a:t>Scenario III – Testing </a:t>
             </a:r>
             <a:r>
               <a:rPr lang="en-IN" b="1" i="1" dirty="0"/>
@@ -9412,107 +14264,75 @@
               <a:rPr lang="en-IN" b="1" dirty="0"/>
               <a:t> of solution strategies across industry</a:t>
             </a:r>
+            <a:endParaRPr lang="en-IN" dirty="0"/>
           </a:p>
         </p:txBody>
       </p:sp>
-      <p:pic>
-        <p:nvPicPr>
-          <p:cNvPr id="5" name="Content Placeholder 4">
-            <a:extLst>
-              <a:ext uri="{FF2B5EF4-FFF2-40B4-BE49-F238E27FC236}">
-                <a16:creationId xmlns:a16="http://schemas.microsoft.com/office/drawing/2014/main" id="{8F8920BB-F7A0-A4AA-6EB9-0D9700B4F99C}"/>
-              </a:ext>
-            </a:extLst>
-          </p:cNvPr>
-          <p:cNvPicPr>
-            <a:picLocks noGrp="1" noChangeAspect="1"/>
-          </p:cNvPicPr>
+      <p:sp>
+        <p:nvSpPr>
+          <p:cNvPr id="3" name="Content Placeholder 2">
+            <a:extLst>
+              <a:ext uri="{FF2B5EF4-FFF2-40B4-BE49-F238E27FC236}">
+                <a16:creationId xmlns:a16="http://schemas.microsoft.com/office/drawing/2014/main" id="{E076D754-2A49-66DF-4394-A5620CE8F933}"/>
+              </a:ext>
+            </a:extLst>
+          </p:cNvPr>
+          <p:cNvSpPr>
+            <a:spLocks noGrp="1"/>
+          </p:cNvSpPr>
           <p:nvPr>
             <p:ph idx="1"/>
           </p:nvPr>
-        </p:nvPicPr>
-        <p:blipFill>
-          <a:blip r:embed="rId2">
-            <a:extLst>
-              <a:ext uri="{28A0092B-C50C-407E-A947-70E740481C1C}">
-                <a14:useLocalDpi xmlns:a14="http://schemas.microsoft.com/office/drawing/2010/main" val="0"/>
-              </a:ext>
-            </a:extLst>
-          </a:blip>
-          <a:stretch>
-            <a:fillRect/>
-          </a:stretch>
-        </p:blipFill>
-        <p:spPr>
-          <a:xfrm>
-            <a:off x="945754" y="2118576"/>
-            <a:ext cx="5754718" cy="3323219"/>
-          </a:xfrm>
-        </p:spPr>
-      </p:pic>
-      <p:sp>
-        <p:nvSpPr>
-          <p:cNvPr id="6" name="TextBox 5">
-            <a:extLst>
-              <a:ext uri="{FF2B5EF4-FFF2-40B4-BE49-F238E27FC236}">
-                <a16:creationId xmlns:a16="http://schemas.microsoft.com/office/drawing/2014/main" id="{F3CD2AC0-B713-FD5A-C2CB-0AD0D8724104}"/>
-              </a:ext>
-            </a:extLst>
-          </p:cNvPr>
-          <p:cNvSpPr txBox="1"/>
-          <p:nvPr/>
         </p:nvSpPr>
-        <p:spPr>
-          <a:xfrm>
-            <a:off x="7136780" y="2118732"/>
-            <a:ext cx="4217020" cy="3139321"/>
-          </a:xfrm>
-          <a:prstGeom prst="rect">
-            <a:avLst/>
-          </a:prstGeom>
-          <a:noFill/>
-        </p:spPr>
+        <p:spPr/>
         <p:txBody>
-          <a:bodyPr wrap="square" rtlCol="0">
-            <a:spAutoFit/>
-          </a:bodyPr>
+          <a:bodyPr/>
           <a:lstStyle/>
           <a:p>
-            <a:pPr marL="285750" indent="-285750">
-              <a:buFont typeface="Arial" panose="020B0604020202020204" pitchFamily="34" charset="0"/>
-              <a:buChar char="•"/>
-            </a:pPr>
             <a:r>
               <a:rPr lang="en-IN" dirty="0"/>
-              <a:t>Standard strategies for modelling, feature engineering etc. are in place for CPG industry projects.</a:t>
-            </a:r>
-            <a:br>
+              <a:t>There are standard practices prevalent across projects for a CPG industry. For example, </a:t>
+            </a:r>
+          </a:p>
+          <a:p>
+            <a:pPr lvl="1"/>
+            <a:r>
               <a:rPr lang="en-IN" dirty="0"/>
-            </a:br>
-            <a:endParaRPr lang="en-IN" dirty="0"/>
-          </a:p>
-          <a:p>
-            <a:pPr marL="285750" indent="-285750">
-              <a:buFont typeface="Arial" panose="020B0604020202020204" pitchFamily="34" charset="0"/>
-              <a:buChar char="•"/>
-            </a:pPr>
+              <a:t>methods to calculate base-price and promotional discounts</a:t>
+            </a:r>
+          </a:p>
+          <a:p>
+            <a:pPr lvl="1"/>
             <a:r>
               <a:rPr lang="en-IN" dirty="0"/>
-              <a:t>To test the generalizability of those approaches across the CPG industry, first we should have the opportunity to work with the wide variety of clients across the industry.</a:t>
-            </a:r>
-            <a:br>
+              <a:t>using seasonality and trend components across different hierarchical levels as features for non-timeseries algorithms like ElasticNet etc.</a:t>
+            </a:r>
+          </a:p>
+          <a:p>
+            <a:pPr lvl="1"/>
+            <a:r>
               <a:rPr lang="en-IN" dirty="0"/>
-            </a:br>
-            <a:endParaRPr lang="en-IN" dirty="0"/>
-          </a:p>
-          <a:p>
-            <a:pPr marL="285750" indent="-285750">
-              <a:buFont typeface="Arial" panose="020B0604020202020204" pitchFamily="34" charset="0"/>
-              <a:buChar char="•"/>
-            </a:pPr>
+              <a:t>modelling at UPC x POS (point-of-sales) level for CPG industries</a:t>
+            </a:r>
+          </a:p>
+          <a:p>
             <a:r>
               <a:rPr lang="en-IN" dirty="0"/>
-              <a:t>That opportunity is seldom present.</a:t>
+              <a:t>These strategies are used for any project from CPG industry.</a:t>
+            </a:r>
+          </a:p>
+          <a:p>
+            <a:r>
+              <a:rPr lang="en-IN" dirty="0"/>
+              <a:t>After being tested in 3 projects it fails for the 4</a:t>
+            </a:r>
+            <a:r>
+              <a:rPr lang="en-IN" baseline="30000" dirty="0"/>
+              <a:t>th</a:t>
+            </a:r>
+            <a:r>
+              <a:rPr lang="en-IN" dirty="0"/>
+              <a:t> one.</a:t>
             </a:r>
           </a:p>
         </p:txBody>
@@ -9520,7 +14340,7 @@
     </p:spTree>
     <p:extLst>
       <p:ext uri="{BB962C8B-B14F-4D97-AF65-F5344CB8AC3E}">
-        <p14:creationId xmlns:p14="http://schemas.microsoft.com/office/powerpoint/2010/main" val="3894428937"/>
+        <p14:creationId xmlns:p14="http://schemas.microsoft.com/office/powerpoint/2010/main" val="2907251276"/>
       </p:ext>
     </p:extLst>
   </p:cSld>
